--- a/2-Data Analysis/4-Feature Engineering!!!/Categóricas/Intro_categóricas_1205.pptx
+++ b/2-Data Analysis/4-Feature Engineering!!!/Categóricas/Intro_categóricas_1205.pptx
@@ -129,6 +129,390 @@
 </p:presentation>
 </file>
 
+<file path=ppt/ink/ink1.xml><?xml version="1.0" encoding="utf-8"?>
+<inkml:ink xmlns:inkml="http://www.w3.org/2003/InkML">
+  <inkml:definitions>
+    <inkml:context xml:id="ctx0">
+      <inkml:inkSource xml:id="inkSrc0">
+        <inkml:traceFormat>
+          <inkml:channel name="X" type="integer" max="32767" units="cm"/>
+          <inkml:channel name="Y" type="integer" max="32767" units="cm"/>
+          <inkml:channel name="F" type="integer" max="1023" units="deg"/>
+          <inkml:channel name="T" type="integer" max="2.14748E9" units="dev"/>
+        </inkml:traceFormat>
+        <inkml:channelProperties>
+          <inkml:channelProperty channel="X" name="resolution" value="2155.72363" units="1/cm"/>
+          <inkml:channelProperty channel="Y" name="resolution" value="3449.15796" units="1/cm"/>
+          <inkml:channelProperty channel="F" name="resolution" value="2.84167" units="1/deg"/>
+          <inkml:channelProperty channel="T" name="resolution" value="1" units="1/dev"/>
+        </inkml:channelProperties>
+      </inkml:inkSource>
+      <inkml:timestamp xml:id="ts0" timeString="2023-05-12T10:17:17.845"/>
+    </inkml:context>
+    <inkml:brush xml:id="br0">
+      <inkml:brushProperty name="width" value="0.05292" units="cm"/>
+      <inkml:brushProperty name="height" value="0.05292" units="cm"/>
+      <inkml:brushProperty name="color" value="#FF0000"/>
+    </inkml:brush>
+  </inkml:definitions>
+  <inkml:trace contextRef="#ctx0" brushRef="#br0">7060 7868 36 0,'0'0'101'0,"0"0"-101"0,0 0-29 16,0 0-9-16,0 0 27 15,0 0 11-15,0 0 10 16,0 0 1-16,-2 32 15 15,0-32 29-15,0 0-17 16,-1 0-18-16,1 0-7 16,2 0-3-16,0 0 0 0,-2 0 0 15,2 0 6-15,-2-3 14 16,0-1-3-16,0 2 4 16,-4-1 5-16,4 3-7 15,-4-3-7-15,-1-1-9 16,-4 1-4-16,0-1 17 15,-2 0-18-15,-6 2-4 16,-5 1 3-16,-2 1 1 16,-5 0 0-16,0 0-6 15,-4 0-2-15,2 0 13 16,2 0-13-16,-1 0 0 16,3 1 4-16,-4 3-4 0,-2 2 3 15,1 1-3 1,1 1 0-16,4-1 3 0,2 0-3 15,5 3 0-15,2 1 0 16,0 4 1-16,-3 0-2 16,4 2 1-16,-2 1 0 15,-1-3 1-15,0 3-1 16,0 1 0-16,-1-3 0 16,2 2 0-16,-4-2 1 15,-2 4-1-15,4 0 0 16,-3 0 2-16,1-3-2 15,3-4 0-15,-5 1 2 16,7-4-1-16,3 3 0 16,3-6-1-16,5 3 0 15,1 0 0-15,-4 4 0 16,5 5 0-16,-1 0 0 16,-2 5 0-16,1 2 1 0,1-1-1 15,-1 3 0-15,4-2 1 16,3 0-1-16,0 0 0 15,2-2 0-15,0-2 0 16,0 1 0-16,0 0-1 16,9 2 1-16,6 2 1 15,-1-3-1-15,3 2 0 16,0-3-1-16,0-1 2 0,5-5-1 16,1 0 0-16,1-1 0 15,3-2-2-15,-1 0 2 16,3 2 0-16,3 0 0 15,-1-2 0-15,2 2 0 16,0-2 0-16,6 0 0 16,-6 2 1-16,1-3-1 15,-1-2 0-15,0 1 1 16,1 0-1-16,1 1 0 16,5-3-3-16,1 2 3 15,1-5 2-15,5 4-2 16,-3-4 0-16,6 1-1 15,-6 0 2-15,1-4-1 16,-5 1 0-16,-3 0 0 16,-1 3 1-16,-3 1-1 0,6-3 0 15,-2-1 0-15,-1 3 1 16,4 1-1-16,5-1 0 16,-1 0 0-16,5 0 0 15,2-4 0-15,3-4 0 16,-1 2 0-16,3-2 0 15,-3 0 0-15,-1 0-1 16,1 0 1-16,-2-5 0 16,1-2 0-16,-3-2-2 15,-3 2 2-15,-1-1 1 16,-3 1-1-16,-2 0 0 16,3 1 0-16,3-6 0 15,4-5 0-15,4 0 0 16,0-6 0-16,4 4 0 0,-4-4 0 15,-4 3-3-15,-6 1 3 16,-4-2-4-16,-2-1 4 16,-9 0 0-16,-5 1 2 15,-6 2-2-15,-5-1 3 16,-1 0-3-16,-6-3 0 16,-1-3 3-16,-1-1-3 15,0-4 0-15,2-3 3 16,0-1-1-16,1 2 2 15,-1-1-4-15,3 3 1 16,0 4 5-16,-2-1-6 0,-1 3 0 16,-4 4 8-1,-2 1-3-15,0-1 6 0,-2 2-9 16,-20-3 1-16,-4 0 8 16,-1 0-11-16,-2-2 0 15,4 0 2-15,-2-3 0 16,3 4 0-16,-5-2-2 15,0 4 0-15,-3 0 5 16,-3 2-5-16,-5 4 0 16,-4 1 1-16,-5 2 0 15,-5 0-1-15,-2 4 0 16,-6 0 0-16,-3 2 1 16,-6 2-1-16,-7 0 0 15,2 2 1-15,5-1-1 0,7 3 0 16,6 0-2-16,6 0 2 15,1 0 0-15,4 0 0 16,0 5 0-16,1 3 1 16,1 0-1-16,1 1 0 15,6-2 0-15,1-2 0 16,4-3 1-16,2 1-1 16,2-1 0-16,3 0 0 15,-1 2 1-15,5 0-2 16,1 0 1-16,4 0 0 15,3 0-2-15,1 2 2 16,-3-1-2-16,3 1 1 0,-1 3 1 16,3-3-2-1,1-2-1-15,0 0 2 0,-1-2-5 16,2-2 6-16,1 0 0 16,0 0 0-16,2 0 0 15,-1 0-3-15,3 0 1 16,-2 0 2-16,0 0-9 15,0 0 5-15,-1 0-9 16,1 0-5-16,-4 0-29 16,0 0-20-16,1 0 1 15,-1 0-44-15,4 4-8 16</inkml:trace>
+  <inkml:trace contextRef="#ctx0" brushRef="#br0" timeOffset="5517.33">9941 7485 287 0,'0'0'20'16,"0"0"-12"0,0 0 1-16,0 0 18 0,0 0 8 15,0 0 11-15,0 0-27 16,-27-46-17-16,27 40 16 16,11 2 4-16,3 3 8 15,-5 1-27-15,2 0-1 16,0 25 21-16,-2 17-18 15,-5 13 7-15,-4 8-3 16,-2 4-4-16,-23-3 1 16,-1-5-6-16,0-13 0 15,-1-9 6-15,0-6-6 16,-4-4 0-16,0-3 0 16,-1-1 1-16,1-7-1 15,7-10 0-15,-1-6 0 16,8 0 1-16,-2 0-1 0,1-10-2 15,5-5 2-15,5 6 0 16,3-2-2-16,5 4-3 16,0-1-5-16,2-4 4 15,18-2 6-15,7 0 0 16,-1 1 1-16,1 4-1 16,-2 3 0-16,-6 6 0 15,0 0 0-15,-4 8-3 16,-1 13 3-16,-1 9 0 15,-2 5 3-15,-2 1-1 16,-5 2 0-16,3-3-2 16,-5-1 0-16,3-7 1 0,0-2-1 15,3-2-5-15,-3-1-66 16,-1 1-84-16</inkml:trace>
+  <inkml:trace contextRef="#ctx0" brushRef="#br0" timeOffset="5960.52">10420 7397 431 0,'0'0'49'16,"0"0"-46"-16,0 0 4 0,0 0 8 15,0 0 4-15,0 0-7 16,0 18-11-16,-2-2 3 16,0 2-1-16,-3-1-3 15,3-2-3-15,0 1 0 16,2 0-37-16,0-4-29 15,0-4-38-15,0-2-14 16</inkml:trace>
+  <inkml:trace contextRef="#ctx0" brushRef="#br0" timeOffset="6130.85">10420 7397 302 0,'76'77'115'15,"-76"-77"-98"-15,0 0-12 0,0 0-4 16,0 0 10-16,2 0-7 15,0 0 1-15,3 0-5 16,1 4 0-16,4 7-3 16,-2 3-15-16,5-4-66 15,3 1-50-15</inkml:trace>
+  <inkml:trace contextRef="#ctx0" brushRef="#br0" timeOffset="6396.64">10817 7592 344 0,'0'0'15'0,"0"0"-10"16,0 0-1-16,-34 112-1 16,19-73 24-16,-1 0 0 15,1 1-19-15,5 1-2 16,6-4 3-16,4-6-7 15,0-1 5-15,0-6-7 16,0-6-1-16,14-6 0 16,5-6-6-16,0-6-20 15,3 0-23-15,-2 0-20 16,-2 0 24-16,-3-2-25 0,-8-4-99 16</inkml:trace>
+  <inkml:trace contextRef="#ctx0" brushRef="#br0" timeOffset="6620.88">10828 7891 288 0,'0'0'116'0,"0"0"-109"15,0 0-7-15,0 0 21 16,0 0 3-16,0 0-9 15,78-69-15-15,-56 51-3 16,-4 2-2-16,-4-4-9 16,-8 2-15-16,-6 2-43 0,0 2-55 15</inkml:trace>
+  <inkml:trace contextRef="#ctx0" brushRef="#br0" timeOffset="6799.04">10714 7579 360 0,'0'0'12'16,"0"0"-12"-16,0 0 0 15,0 0 16-15,0 0-16 16,0 0 2-16,78-72-3 16,-47 64 1-16,-2 1-7 15,0 3-22-15,-6 4-38 16,-1 0-16-16</inkml:trace>
+  <inkml:trace contextRef="#ctx0" brushRef="#br0" timeOffset="7263.86">11130 7613 278 0,'0'0'28'16,"0"0"-28"-16,0 0 2 15,0 0 12-15,0 0-13 16,-119 3-1-16,107 14 10 15,8 0-10-15,4 3 1 16,0-2-1-16,0 0 2 16,16 0-2-16,3 1 0 15,6-5 0-15,-4 5 2 16,-2 2 1-16,-3-2-3 16,-5 1 15-16,-7 0-3 0,-2-2 37 15,-2 1-37-15,0-4-5 16,-4-2 10-16,-13-3-11 15,1 0 0-15,-5-2-6 16,6-3 2-16,2-2-7 16,-1-2 5-16,8-1-26 15,4 0-23-15,2 0-54 16,0-11-93-16</inkml:trace>
+  <inkml:trace contextRef="#ctx0" brushRef="#br0" timeOffset="7729.95">11263 7841 100 0,'0'0'172'0,"0"0"-159"15,0 0-9 1,37 134 8-16,-22-101 17 0,-3 0-13 16,1 0 6-16,-6-8-19 15,0-5 6-15,-5-7 8 16,-2-4-10-16,0-5 5 15,0-4 2-15,-4 0-7 16,-12 0 4-16,-5-20-11 16,4-10 0-16,-1-6 0 15,3-10 0-15,5-9 0 16,6 0-1-16,4-4 1 16,0 5-6-16,0 7 5 0,20 3 1 15,5 1 0 1,4 9-4-16,2 5-3 0,-2 10-8 15,-5 11 0-15,-4 8 14 16,-11 0-8-16,3 8 9 16,-4 18 1-16,-1 6 0 15,-1 2 0-15,-6 3 11 16,0-4 0-16,-6-3 13 16,-19-2-15-16,1-6 1 15,-2-4 15-15,1-2-21 16,4-2-1-16,4 0-4 15,5-4-7-15,8-1-13 16,4-7-38-16,0-2-41 0,14 0 27 16,13 0-88-1</inkml:trace>
+  <inkml:trace contextRef="#ctx0" brushRef="#br0" timeOffset="8271.33">11574 7749 258 0,'0'0'72'16,"0"0"-56"-16,0 0 12 16,0 0-26-16,0 0 1 15,0 0 0-15,-97 94 3 16,78-56 10-16,13-2-10 0,6-9-3 16,0-6 6-1,6-11-9-15,15-6 0 0,6-4 0 16,-1 0 2-16,-4-14 6 15,1-13-8-15,-8-3 0 16,-3-4-2-16,-6 1 1 16,-2 0 1-16,-2 1-2 15,1 6 2-15,-1 4 4 16,0 1-4-16,5 10 0 16,-2 1 3-16,1 6-3 15,1 4-1-15,-1 0 1 16,4 6 0-16,3 19 8 15,-3 11 2-15,2-3-10 16,-1-1 8-16,-5-5-8 16,4-12-1-16,-1-4 1 0,-1-8 0 15,0-3-3-15,3 0 0 16,-3 0 3-16,4-10-6 16,-1-9 6-16,2-6-12 15,1-1 1-15,1 2-15 16,1 2 4-16,3 0-30 15,2 4 20-15,-3 2 29 16,-3 6 3-16,-3 4 0 16,-8 4 5-16,-4 2-5 15,0 0 2-15,0 4-2 16,0 14-17-16,0 3-101 16</inkml:trace>
+  <inkml:trace contextRef="#ctx0" brushRef="#br0" timeOffset="9146.54">11886 7630 61 0,'0'0'253'16,"0"0"-247"-16,0 0-3 15,0 0 8-15,0 0 12 16,0 0 6-16,83-30-15 16,-74 41-2-16,1 14 15 15,0 0-18-15,-6 8-5 16,3-1 14-16,-3-4-9 15,3-4 1-15,2-8-8 0,2-4-1 16,-2-7 5 0,-5 0-6-16,1-3 0 15,-5-2 0-15,0 0 0 0,0 0 0 16,0 0 0-16,0 0 2 16,2 0-4-16,1-4 2 15,1-11-1-15,0-4-1 16,3-1 2-16,-3 0-5 15,0 0-2-15,2 4 5 16,-6 0-2-16,4 0 4 16,0 0 0-16,7-2-8 15,7-4 7-15,7 2-1 16,2 2-1-16,-3 6 3 16,-6 7 3-16,-5 5-3 0,-1 0 0 15,-6 13 12-15,0 13 0 16,-1 6-1-16,-3-1-5 15,-2 5-2-15,0-5 2 16,0-5-6-16,0-4 0 16,0-6 0-16,0-7 0 15,2-6 0-15,0-3-4 16,1 0-53-16,2-6-92 16</inkml:trace>
+  <inkml:trace contextRef="#ctx0" brushRef="#br0" timeOffset="9471.04">11755 7353 156 0,'0'0'387'15,"0"0"-387"-15,0 0-2 16,0 0 2-16,0 0 14 0,0 0 1 16,53-24 0-16,-2 23-15 15,3 1 0-15,-5 0 0 16,-4 0-3-16,-8 0-12 15,-5 4-45-15,-6 5-43 16,-1 5-26-16</inkml:trace>
+  <inkml:trace contextRef="#ctx0" brushRef="#br0" timeOffset="9880.1">12466 7569 36 0,'0'0'334'0,"0"0"-308"16,0 0 0-16,0 0 11 0,0 0-7 15,0 0-4 1,-135-3-24-16,116 20 3 0,3 7-2 16,7 2-3-16,5 4 0 15,4 6 1-15,0-5-1 16,0-4 0-16,6-6 0 15,11-9 0-15,-2-3-8 16,-1-9 8-16,-1 0-6 16,-1 0-4-16,0-15 9 15,1-9 1-15,1-4-20 16,-3 0 12-16,-2 2 2 16,-5 4 6-16,-2 8 0 15,-2 5 9-15,3 8 5 0,-3 1 2 16,2 0-16-16,0 0 4 15,5 20 2-15,4 8 0 16,0 3-5-16,5 1-1 16,2-7 0-16,-3-7-14 15,5-4-79-15,-7-4-49 16</inkml:trace>
+  <inkml:trace contextRef="#ctx0" brushRef="#br0" timeOffset="10149.2">12680 7311 192 0,'0'0'233'0,"0"0"-207"15,0 0-26-15,0 0 0 16,0 0 9-16,0 0-4 16,-14 92-5-16,14-73-2 15,0-8-8-15,0-3 0 16,0 0-60-16,0-2-29 0,0-4-107 16</inkml:trace>
+  <inkml:trace contextRef="#ctx0" brushRef="#br0" timeOffset="10296.29">12738 7381 41 0,'0'0'372'16,"0"0"-323"-16,0 0-32 15,0 0 32-15,0 0-36 16,0 0-12-16,-2 0-1 16,-8 24-11-16,1 10-47 15,-1-1-140-15</inkml:trace>
+  <inkml:trace contextRef="#ctx0" brushRef="#br0" timeOffset="10491.47">13004 7913 404 0,'0'0'88'16,"0"0"-85"-16,-35 112-3 16,26-66 0-16,-2 1-5 15,-2-6-70-15</inkml:trace>
+  <inkml:trace contextRef="#ctx0" brushRef="#br0" timeOffset="11295.75">10336 9053 351 0,'0'0'51'15,"0"0"-31"-15,0 0 10 16,0 0 23-16,0 0-17 15,0 0-35-15,-18 44 18 16,11-5-19-16,3-3 2 16,4-8 3-16,0-4-4 15,0-2-1-15,0-4-1 16,0-4-9-16,0-4-4 0,0-4-46 16,2-6-16-16,9 0-53 15,0 0 12 1</inkml:trace>
+  <inkml:trace contextRef="#ctx0" brushRef="#br0" timeOffset="11450.76">10465 9150 239 0,'0'0'84'0,"0"0"-5"15,0 0-32-15,0 0-13 16,0 0 3-16,0 0-29 16,2-1-7-16,-2 14 1 15,0 7-2-15,0 2 0 16,0-2-12-16,4 0-42 15,7 2-41-15,3-8-145 16</inkml:trace>
+  <inkml:trace contextRef="#ctx0" brushRef="#br0" timeOffset="11930.26">10737 9364 440 0,'0'0'0'0,"0"0"0"16,2 130 1-16,2-69 3 16,1 3 0-16,-1 6-4 15,-2-3 0-15,2-4 2 16,1-8-2-16,2-11 0 0,0-13 0 16,-1-17 0-1,-1-5 0-15,-5-9-3 0,0-6 3 16,-3-26 12-16,-19-15-12 15,-4-8 0-15,-5-9 2 16,2-9-2-16,0-7 0 16,8-3 0-16,13 0 0 15,8 8-6-15,0 7 3 16,31 12-1-16,4 7 3 16,5 11-6-16,-2 11 6 15,-4 9-10-15,-5 7 11 16,-7 8-4-16,-4 3 4 15,-7 2-1-15,1 22 1 16,-8 9 5-16,-4 5 4 16,0 5-6-16,-8 1-1 0,-15-2 15 15,-6-2-15-15,2-4 2 16,0-4 0-16,11-5-3 16,3-4-1-16,9-4-9 15,4-2-46-15,0-6-37 16,0-5-91-16</inkml:trace>
+  <inkml:trace contextRef="#ctx0" brushRef="#br0" timeOffset="12546.95">10984 9607 309 0,'0'0'34'0,"0"0"-26"0,0 0-8 16,-18 114 0-16,18-84 19 15,4-2 1-15,10-1-13 16,-1-5-7-16,1-8 0 16,1-6-5-16,1-8 5 15,-1 0 0-15,1-13 4 16,-3-14-1-16,-4-12-3 16,-5-3-26-16,-4 2-3 15,0-2 25-15,0 6-12 16,-13 1 15-16,-9 8 1 15,0 4 10-15,-2 8 6 16,1 5-9-16,0 3-4 0,11 6 5 16,3 1-8-16,4 0-4 15,5 0-11-15,0 0-16 16,5 0 12-16,14 0-11 16,4 0-6-16,-3 0 36 15,0 0-11-15,-4 0 4 16,-1 0 7-16,-6 0 0 15,0 4 2-15,0 4-2 16,1 6 0-16,4 4 16 16,1 6-16-16,4 3 12 15,-1 6 10-15,-1-1-4 16,-3 0 4-16,-1-4-7 16,-4-4-14-16,-2-5 40 15,0-10-40-15,-3 0 0 0,-4-9 5 16,0 0-5-16,0 0 33 15,0-5 11-15,-11-15-44 16,-1-4 28-16,-1 0-6 16,7-3-11-16,-1-2 7 15,7 3-13-15,0 2-6 16,0 0-2-16,0 4-4 16,7 0-12-16,6 4-75 15,-2 2-40-15,3 0-144 16</inkml:trace>
+  <inkml:trace contextRef="#ctx0" brushRef="#br0" timeOffset="13129.44">11398 9046 391 0,'0'0'6'0,"0"0"0"16,0 0-1-16,0 0 12 16,83 114 23-16,-48-46-23 15,1 5-8-15,-7 2 0 16,-9-2-6-16,-7-10 24 16,-8-6-19-16,-5-7 0 0,0-14 2 15,0-10-5-15,0-14-3 16,0-8-2-16,0-4 0 15,-3 0 9-15,1-22-9 16,-2-10-7-16,4-6 5 16,0-2-5-16,0 1-4 15,0 3-11-15,13 3-20 16,5 1 38-16,0 3-11 16,2 9 2-16,-2 7 10 15,-5 4 3-15,-3 9 0 16,-4 0 0-16,-2 0 0 15,5 22 10-15,0 6-10 16,2 5 2-16,-2-2 9 16,2 0 0-16,-4-4 0 15,4 0-7-15,2-6 1 16,1-8 6-16,3-5-11 0,6-8 0 16,-3 0 2-16,3 0 2 15,-4-13-1-15,-3-12-3 16,-7-6 3-16,-3-5 0 15,-6 0-3-15,0 4-4 16,0 3 2-16,0 4-2 16,-4 6-6-16,-5 7-19 15,7 3-19-15,2 9-60 16,0 0-149-16</inkml:trace>
+  <inkml:trace contextRef="#ctx0" brushRef="#br0" timeOffset="13644.44">12176 9363 328 0,'0'0'61'0,"0"0"-54"15,0 0-7-15,0 0 2 16,0 0 11-16,0 0-13 15,-84 31 0-15,84-17 0 0,0-1 1 16,0-3-1 0,0-4 0-16,0-3 0 0,2-3-9 15,9 0 11-15,1 0-2 16,7-3 2-16,1-9 3 16,5 4-4-16,-6 5-1 15,2 3 0-15,-2 0-6 16,-1 21 6-16,5 11 0 15,2 12 9-15,0 10-1 16,7 7 8-16,-1 6-13 16,-2 5 2-16,-9 5-1 15,-11 3-4-15,-9 8 0 16,-11 1 1-16,-24-6 1 16,-11-12-2-16,4-23 0 15,1-18 0-15,4-16 25 16,4-14 11-16,-1 0-16 0,5-26-9 15,2-14-7-15,8-13-4 16,5-9 0-16,12-3-26 16,2-4 11-16,0 7-30 15,20 7-5-15,9 11-43 16,0 3-80-16</inkml:trace>
+  <inkml:trace contextRef="#ctx0" brushRef="#br0" timeOffset="14249.58">12570 9410 261 0,'0'0'121'0,"0"0"-103"16,0 0-6-16,0 0 16 16,-120 33 5-16,91 5 19 15,5 5-41-15,6 0-6 16,9-5 5-16,9-6-3 15,0-6-4-15,0-8-3 16,15-6 0-16,6-8-3 16,3-4 3-16,-2-2 0 15,0-25-8-15,-1-10-1 16,-4-6-30-16,-3-1-1 0,-3 7 30 16,-7 6 7-1,-2 13 6-15,-2 9 0 0,0 4 17 16,0 5-9-16,0 0-8 15,2 0-3-15,1 19 0 16,4 6 1-16,2 6-1 16,4 3 0-16,3-2 1 15,1-2 0-15,1-2-1 16,0-6 0-16,-3-8 0 16,2-11-1-16,-2-3 1 15,3-7 0-15,1-25 19 16,0-14-17-16,-1-8-1 15,-5-10-1-15,-2-9 1 0,-4-1-6 16,-3-4 5 0,-4 2-23-16,0 4 9 0,0 12 1 15,-9 15 13-15,-4 20 1 16,0 20 6-16,-3 5 33 16,3 18-35-16,1 22-4 15,8 13 14-15,4 7-2 16,0 4-8-16,2 0-5 15,14 0 5-15,-3-4 0 16,-2-1-5-16,-4-7-1 16,-5-8-3-16,0-8-25 15,5-12-44-15,9-15-98 16</inkml:trace>
+  <inkml:trace contextRef="#ctx0" brushRef="#br0" timeOffset="14473.37">12911 8841 449 0,'0'0'29'0,"0"0"-29"16,0 0-31-16,0 0 31 15,0 0-6-15,18 122 2 16,-14-84-90-16,-4-7 22 0,3-7-13 16</inkml:trace>
+  <inkml:trace contextRef="#ctx0" brushRef="#br0" timeOffset="14643.86">13018 8897 517 0,'0'0'16'0,"0"0"-14"16,0 0-2-16,0 0 0 15,0 0-12-15,-11 136-14 16,27-86-88-16,-3 0-106 0</inkml:trace>
+  <inkml:trace contextRef="#ctx0" brushRef="#br0" timeOffset="14809.87">13218 9561 383 0,'0'0'32'16,"0"0"-30"-16,-29 113-2 15,14-62 13-15,-12 5-12 16,-6 10-1-16,-5 6-68 15</inkml:trace>
+  <inkml:trace contextRef="#ctx0" brushRef="#br0" timeOffset="15504.37">10500 10931 502 0,'0'0'16'0,"0"0"-15"16,-31 122-1-16,27-60 0 16,4 2 1-16,0-4 3 15,0-7-4-15,0-8 0 16,4-10 0-16,-2-15 0 15,1-9 0-15,-1-5 0 16,-2-6 1-16,0 0 9 16,0 0-10-16,0-17 0 15,0-13 0-15,-7-11 0 16,-1-2 0-16,0-9-2 0,4-3 2 16,4-1-3-16,0-2 3 15,22 5 0-15,10 7 3 16,3 9-3-16,5 5 0 15,7-1-5-15,7 1 12 16,4 2-16-16,-3 2 9 16,-4 8-21-16,-11 8-25 15,-17 10-50-15,-15 2-27 16</inkml:trace>
+  <inkml:trace contextRef="#ctx0" brushRef="#br0" timeOffset="15721.08">10442 11245 252 0,'0'0'168'0,"0"0"-159"15,0 0 0-15,143-50 3 16,-99 40-2-16,-4 1-10 15,-3 4-2-15,-4-1 0 16,-6 3-65-16,-8 0-76 16</inkml:trace>
+  <inkml:trace contextRef="#ctx0" brushRef="#br0" timeOffset="16197.77">10912 11121 305 0,'0'0'115'0,"0"0"-115"16,0 0 5-16,0 138 40 0,0-88-20 16,0 0-11-16,0-6-11 15,12-10-2-15,-1-7 3 16,0-11-4-16,-2-3 0 16,-7-10 3-16,1-2 0 15,-3-1-3-15,0 0 5 16,0 0 5-16,-11-15-3 15,-3-16-7-15,3-2 0 16,4-6 5-16,4 2-4 16,3 2-2-16,0 3 1 15,0 2 0-15,19 3 0 16,8 0 0-16,2 4-2 16,6 0 0-16,1 4-22 15,-3 7-18-15,0 5-32 0,-4 7-44 16,-6 0-65-16</inkml:trace>
+  <inkml:trace contextRef="#ctx0" brushRef="#br0" timeOffset="16964.72">11222 11179 282 0,'0'0'31'0,"0"0"-30"15,0 0 2-15,0 0 48 16,-88 114-30-16,88-86-2 16,0 1-8-16,0-3 6 0,0-5 6 15,8-2-17-15,5-5-6 16,3-4 4-16,-1-6-3 16,1-4-2-16,0 0-6 15,2-7 2-15,4-21-1 16,0-12 6-16,-4-8-28 15,-1-4 25-15,-3 2 0 16,-3 7 3-16,1 10 0 16,-8 9 2-16,3 12 8 15,-7 8-10-15,0 4 2 16,2 0 8-16,-2 16-10 16,2 14 11-16,2 6 0 15,3 4-8-15,5 0 1 16,0-4-4-16,2-1 0 0,6-6 2 15,-2-7-2-15,2-1 0 16,0-11 0-16,2-6 1 16,-3-4-2-16,-2 0 2 15,-3-13-1-15,-3-13 0 16,-1-6 0-16,-3-5-25 16,0-4 6-16,0 5 2 15,-3 4 15-15,3 8-5 16,-3 7 7-16,-2 6 2 15,3 5-2-15,-2 4 0 0,3 2-3 16,3 0-1-16,2 2 0 16,0 19-4-1,-4 6 8-15,-3 3 8 0,0 2-6 16,-2 0-2 0,2-6 0-16,2-4 1 0,3-8 0 15,1-8-1-15,4-6-1 16,7 0 0-16,-2-20 1 15,4-11-4-15,1-6-14 16,-4-1-26-16,-4 4 35 16,-3 6 1-16,-3 8 8 15,-6 8 4-15,0 7 0 16,-4 5 19-16,0 0-9 0,0 0 3 16,0 13 12-1,4 10-3-15,1-2-22 0,3 4 3 16,2-4-7-16,3 1-2 15,-1 2-30-15,-2 2-90 16</inkml:trace>
+  <inkml:trace contextRef="#ctx0" brushRef="#br0" timeOffset="17294.16">12298 11043 241 0,'0'0'191'0,"0"0"-186"15,0 0-5-15,0 0 0 16,0 0 0-16,0 0 0 15,-102 56 1-15,89-20 0 16,6 0-1-16,2 2 0 16,5 4 1-16,0-4-1 15,0-4 0-15,18-14-1 16,11-12-7-16,7-8 6 16,4 0-29-16,1-22-43 0,-6-4 18 15,-6-2-83 1</inkml:trace>
+  <inkml:trace contextRef="#ctx0" brushRef="#br0" timeOffset="17449.73">12437 11182 138 0,'0'0'99'0,"0"0"-51"16,0 0-30-16,0 0 9 15,0 0 17-15,0 0 1 16,0 59-23-16,6-43-17 16,7-4-4-16,3-6 4 15,5 0-5-15,-2-4-7 16,-1-2-34-16,-3 0-49 15,-1 0-29-15</inkml:trace>
+  <inkml:trace contextRef="#ctx0" brushRef="#br0" timeOffset="17603.02">12524 10918 432 0,'0'0'4'0,"0"0"-4"16,0 0-14-16,0 0-78 16,0 0-63-16</inkml:trace>
+  <inkml:trace contextRef="#ctx0" brushRef="#br0" timeOffset="17998.06">12691 11111 403 0,'0'0'17'15,"0"0"-8"-15,0 0 9 16,0 0-2-16,0 0-3 16,0 0-12-16,-52 122 2 15,52-91 3-15,0-6-4 16,0-5-1-16,5-6-1 15,4-5-2-15,2-9-2 16,5 0 8-16,-3-18-10 16,-3-9 5-16,4-3-31 0,-7 4 7 15,-3 7 5 1,-2 4 20-16,-2 9 56 0,0 2-15 16,0 4-15-16,0 0-7 15,0 0-13-15,0 0-4 16,6 0-2-16,2 12 0 15,3 4 8-15,5 4-8 16,1-4 0-16,4 1 0 16,-6-6-5-16,1-1-26 15,-1-3-111-15,-3-7-118 16</inkml:trace>
+  <inkml:trace contextRef="#ctx0" brushRef="#br0" timeOffset="18223.72">12860 10713 591 0,'0'0'16'0,"0"0"-13"15,0 0 0-15,0 0-3 16,0 0 0-16,0 0-10 15,-3 74 5-15,17-61-26 16,-3-3-26-16,-1-2-51 0,-4-4-47 16</inkml:trace>
+  <inkml:trace contextRef="#ctx0" brushRef="#br0" timeOffset="18378.25">12860 10713 427 0,'84'47'66'15,"-90"-20"-62"-15,4 4 18 16,2 2-3-16,0 3-12 16,-3-1-7-16,-1 1-16 15,-2-1-33-15,-10 0-108 16</inkml:trace>
+  <inkml:trace contextRef="#ctx0" brushRef="#br0" timeOffset="19026.86">10146 10612 279 0,'0'0'99'16,"0"0"-27"-16,0 0-16 15,0 0-4-15,0 0-32 16,0 0-16-16,-26 39 10 0,28-14-14 16,9-2 0-16,-3 4 0 15,0 0-2-15,-6-2 0 16,0-3-49-16,2-8-57 16,5-8-44-16</inkml:trace>
+  <inkml:trace contextRef="#ctx0" brushRef="#br0" timeOffset="19195.84">10266 10644 466 0,'0'0'39'16,"0"0"-28"-16,0 0-2 0,0 0 4 16,0 0-13-1,0 0 0-15,-9 72 0 0,9-42-8 16,7 4-55-16,-1-4-175 15</inkml:trace>
+  <inkml:trace contextRef="#ctx0" brushRef="#br0" timeOffset="20203.07">13322 10546 400 0,'0'0'81'16,"0"0"-79"-16,0 0 13 16,0 0 12-16,0 0-21 15,0 0 15-15,83-11-16 16,-75 47 6-16,-8 11 9 0,0 3-5 16,0 4 11-16,-12-2-23 15,1-6-2-15,5-4 7 16,1-8-8-16,5-4-1 15,0-6 1-15,0-2 0 16,11-7-6-16,0-3 3 16,1-7-16-16,1-5 16 15,0 0-18-15,3 0 11 16,-3 0-1-16,-1-14-8 16,-4 0 19-16,-1 2-4 15,-3 6 4-15,-4 5 12 16,0 1-7-16,0 0 8 15,0 19-9-15,0 16-3 0,4 7 5 16,6 4-6 0,3 4 0-16,-1 4 0 0,-4 5 0 15,-3 2 0-15,-5 2-2 16,-7 2 4-16,-22 0-1 16,-6-7-1-16,-1-10 0 15,9-14 0-15,3-18 0 16,5-7 0-16,6-9-4 15,2 0-71-15,6 0-141 16</inkml:trace>
+  <inkml:trace contextRef="#ctx0" brushRef="#br0" timeOffset="108323.03">29200 8225 372 0,'0'0'3'0,"0"0"3"0,0 0-4 15,0 0 22-15,0 0 29 16,0 0-32 0,0 0-12-16,0 0 10 0,0 0-2 15,-24-39-2-15,24 34 1 16,-2-1-12-16,-1-4 8 16,3 0-11-16,0-6-1 15,0-4 6-15,0-6-6 16,5-2 0-16,9-2 0 15,1-6 1-15,1 0 4 16,-1-2-5-16,-3 1 0 16,1 7 2-16,-5 4-2 15,-2 10 1-15,0 4-1 16,-4 7 0-16,0 3 1 16,0 2-1-16,-2 0-1 0,0 0 0 15,3 0-5-15,-1 6-1 16,2 18 4-16,3 12 3 15,-2 5 9-15,-5 12-9 16,0 1 4-16,0 0 8 16,0 3-5-16,0-10 0 15,0-3-6-15,0-6 2 16,2-7-1-16,0-6-2 16,3-7 0-16,-5-5 1 15,2-4-1-15,-2-5-4 16,2-1-14-16,-2-3-43 15,0 0-57-15,0 0-67 16</inkml:trace>
+  <inkml:trace contextRef="#ctx0" brushRef="#br0" timeOffset="108666.9">29771 8168 413 0,'0'0'52'16,"0"0"-49"-16,0 0-3 15,0 0 0-15,0 0 10 16,0 0-7-16,20 0 0 16,0 0-3-16,5 0 3 15,2 0-4-15,2 0 1 16,0-3-7-16,4-7-21 16,0 0-34-16,1 0-22 0,1 0-65 15</inkml:trace>
+  <inkml:trace contextRef="#ctx0" brushRef="#br0" timeOffset="109177.98">30353 7993 341 0,'0'0'56'15,"0"0"-48"-15,0 0-2 0,0 0 22 16,0 0 1 0,0 0-18-16,-76 18-8 0,61 12 2 15,1 3 11-15,5-2-9 16,7-1 5-16,2-2-1 15,0-2-5-15,0-4-2 16,0-2-4-16,6-4 3 16,10-1 6-16,2-5-8 15,0-4-1-15,3-5 5 16,4-1 1-16,-4 0-1 16,1 0-2-16,0-5-2 15,-2-12 3-15,-2-2-3 0,-3-6-1 16,-4-3 6-1,-9-2-5-15,-2-1-1 16,0 0 0-16,-8 7 2 0,-12 2-4 16,-2 4 2-16,-1 6-5 15,-2 2 5-15,4 2 0 16,1 2-5-16,6 4-18 16,3-1-22-16,2 3-34 15,5 0-32-15,4 0-77 16</inkml:trace>
+  <inkml:trace contextRef="#ctx0" brushRef="#br0" timeOffset="109458.17">30688 7579 398 0,'0'0'15'0,"0"0"-13"15,0 0 5-15,0 0-6 16,0 0 6-16,0 0 2 16,-42 89 2-16,42-57-11 15,0 2 0-15,0 0 2 16,-2 1-2-16,0-6-2 0,2-1-34 15,0-7-68-15,0-5-175 16</inkml:trace>
+  <inkml:trace contextRef="#ctx0" brushRef="#br0" timeOffset="109915.64">30863 7780 69 0,'0'0'322'16,"0"0"-292"-16,0 0-19 15,0 0 20-15,0 0 8 0,0 0-18 16,0-10-21 0,0 24-1-16,0 6 1 0,0 8 7 15,0 4-3-15,0 3-1 16,0-6-3-16,0-3 1 15,0-4 0-15,10-7-1 16,0-5 0-16,-4-4 2 16,1-5-2-16,-3 2 0 15,2-3-2-15,-2 0 2 16,4 0 7-16,3-6-7 16,-3-2 0-16,0 2 1 15,-5 1-1-15,-1 4 0 16,-2 1-1-16,0 0 0 15,4 0-1-15,0 0-2 0,1 14 4 16,0 4 3-16,1 3-2 16,1 2-1-16,-3 1 0 15,3 2 0-15,-5 2 0 16,0-2-7-16,-2-2-48 16,0-2-58-16,0-4-117 15</inkml:trace>
+  <inkml:trace contextRef="#ctx0" brushRef="#br0" timeOffset="110683.57">28984 8861 167 0,'0'0'157'0,"0"0"-131"16,0 0-24-16,0 0 13 16,0 0 16-16,0 0 3 15,0 0-13-15,-10 2-18 16,25-2 4-16,11 0 16 15,14 0 0-15,14 0-4 16,15 0-9-16,18 2-4 16,18-2 7-16,16 0-9 15,16 0-4-15,17-2 9 16,11-12-9-16,7 0 1 16,-8 0-1-16,-8 2 1 15,-17 2 1-15,-19 2-2 16,-16 2 0-16,-17 3 1 15,-11 2-1-15,-11 1 0 0,-16 0-1 16,-16-2 2-16,-4 2-1 16,-6-3 0-16,-8 2 0 15,-4 1 1-15,-8-1-1 16,1 1-1-16,-4 0 0 16,0 0-1-16,0 0 1 15,0 0-19-15,0-5-18 16,0 3-34-16,0 0-63 15</inkml:trace>
+  <inkml:trace contextRef="#ctx0" brushRef="#br0" timeOffset="114159.51">29940 9356 132 0,'0'0'82'16,"0"0"-58"-16,0 0 0 16,0 0 11-16,0 0-19 15,0 0-2-15,-9-5-14 16,9 4 3-16,0 1-2 15,-2-1 1-15,2 1-2 16,-2 0 1-16,2-3 3 16,-2 3 11-16,0-2-5 15,2 1-8-15,-5-4 3 16,5 4-4-16,-3 1 3 16,1 0 1-16,0 0-3 15,2 0 10-15,-2-3-9 0,2 3-2 16,0 0 8-1,0 0-8-15,0 0 3 0,0-2 0 16,-2 0-3-16,2 2 4 16,-2-2-5-16,-1 0 0 15,1 2 5-15,0 0-2 16,2 0 3-16,-2 0-5 16,0 0 0-16,-2 0 6 15,0 0-6-15,2 0-1 16,-2 0 7-16,2 0-7 15,0 0-1-15,-3 0 0 16,1 0 1-16,-6 0 2 16,0 0-2-16,-6 4 0 0,-2 6 6 15,0 4-6-15,3 0 0 16,-1 0 0-16,1 0 1 16,2 3 1-16,-1-4-2 15,5 4 0-15,3-3 0 16,0 4 0-16,0 6 0 15,0 3 0-15,-5 6 0 16,3-4 8-16,2 1-3 16,4-5-3-16,2-3 1 15,0-5-1-15,0-2-2 16,0-3 0-16,6-2 0 16,6-4 4-16,-1-2-4 0,3-2 0 15,1 0 3 1,5-2-2-16,4 0 0 0,3 0 1 15,4-12 0-15,0-4 1 16,-2-2-3-16,-2-1 0 16,-5-2 3-16,-1-1-3 15,-6 2 0-15,-4-3 0 16,-4 2 1-16,-5-2-1 16,-2 0 0-16,0-4 0 15,0 4 2-15,-9-4-2 16,-8 6-1-16,-2 0 1 15,2 6 0-15,-3 2-3 16,1 8 1-16,6-4-1 16,-3 6 0-16,6 2-7 15,-1 0-6-15,-3-2-13 0,5 3-10 16,1 0-4 0,3 0-50-16,5 0-155 0</inkml:trace>
+  <inkml:trace contextRef="#ctx0" brushRef="#br0" timeOffset="115329.06">30121 9150 224 0,'0'0'35'0,"0"0"-23"15,0 0-2-15,0 0 25 16,0 0-3-16,0 0-17 15,0 0-11-15,0 0 1 16,0 0 3-16,0 0 12 16,0 0-5-16,0 0-6 0,0 6 0 15,0 1-6 1,0 6 6-16,0 7 5 0,0 0-11 16,2 4 7-16,0 2-6 15,0-2-4-15,0-2 5 16,1 0-5-16,-1-6-4 15,3 1-25-15,1-6-92 16</inkml:trace>
+  <inkml:trace contextRef="#ctx0" brushRef="#br0" timeOffset="116084.18">30401 9382 322 0,'0'0'69'0,"0"0"-69"16,0 0-24-16,0 0 24 16,0 0 20-16,0 0-9 15,14-76-10-15,12 63 2 0,5-2-2 16,-2 5-1-1,-2 2 9-15,-2 2-1 0,-7 2-4 16,-5 4 5-16,1 0-9 16,-5 0 0-16,-3 7 3 15,-4 18-1-15,-2 3 6 16,0 5-6-16,0 5 7 16,-8 6 16-16,-13 3-19 15,-3 2 10-15,0-1 0 16,-5-2 0-16,0-8 3 15,2-2-12-15,2-1 1 16,7-6 4-16,3-4-11 16,6-3 1-16,5-7-2 15,1-5 1-15,3 1-4 16,0-4 5-16,0 1-2 0,9-2 2 16,4-1-2-16,6-5 0 15,2 0 0-15,8 0-7 16,5-6-5-16,8-14-58 15,5-6-46-15,-4 1-114 16</inkml:trace>
+  <inkml:trace contextRef="#ctx0" brushRef="#br0" timeOffset="-108584.54">18457 870 353 0,'0'0'10'0,"0"0"-7"16,0 0-5-16,0 0 4 15,0 0 2-15,0 0 8 16,0 0-2-16,0 0-3 16,-18-7-6-16,18 7 12 15,0 0 17-15,0 0-17 16,0 0-3-16,0 0-5 15,0 6-4-15,0 19 3 16,-9 21-4-16,-9 22 1 16,-2 2 0-16,5-4-1 15,7-16 0-15,8-19 0 16,10-7-1-16,9-6 1 16,-2-6-21-16,-15-2-49 15,-2-5-18-15</inkml:trace>
+  <inkml:trace contextRef="#ctx0" brushRef="#br0" timeOffset="-108385.33">18519 871 466 0,'0'0'31'15,"0"0"-31"-15,0 0-5 16,0 0 2-16,0 0 3 15,0 0-1-15,20 100-7 16,-15-58-25-16,-3-3-10 16,0-4-18-16,2-8-38 15</inkml:trace>
+  <inkml:trace contextRef="#ctx0" brushRef="#br0" timeOffset="-108056.03">18969 1028 388 0,'0'0'24'0,"0"0"-24"0,-45 113 0 15,17-55 0-15,-1-2 17 16,7-4-15-16,11-4-1 16,6-2 4-16,2 1-4 15,-3-1 0-15,4-2-1 16,2-2 0-16,0-8-3 16,0-6 1-16,16-10-9 15,10-12-16-15,7-6-14 16,1 0-17-16,0-22-84 15</inkml:trace>
+  <inkml:trace contextRef="#ctx0" brushRef="#br0" timeOffset="-107856.2">18916 1351 423 0,'0'0'63'0,"0"0"-57"15,0 0-6-15,0 0-5 16,0 0 1-16,0 0 4 16,43 8 0-16,3-8-21 15,14-6-45-15,5-15 5 16,-7-4 17-16,-16 0-35 16</inkml:trace>
+  <inkml:trace contextRef="#ctx0" brushRef="#br0" timeOffset="-107656.58">18909 1048 389 0,'0'0'5'0,"0"0"6"16,0 0 1-16,0 0-5 16,0 0-6-16,0 0 8 15,38 0-9-15,-3 0 0 16,10 3-5-16,-1-2-10 15,2 4-34-15,-9 1-11 16,-8 0-29-16</inkml:trace>
+  <inkml:trace contextRef="#ctx0" brushRef="#br0" timeOffset="-107319.3">19248 1145 97 0,'0'0'237'16,"0"0"-215"-16,0 0-18 16,0 0 4-16,-121 40 2 15,115-24-8-15,6 6-2 16,6-1-1-16,23 0 1 16,7-1 0-16,4 2 2 0,1 0-2 15,-2 0 0-15,1 4 1 16,-9 5-1-16,-8 0 0 15,-15-3 4-15,-8 1-3 16,0-1 3-16,-8-2-3 16,-19 0 1-16,-2-4 16 15,-7-1-11-15,-1-4 1 16,-1-3-5-16,0-1-3 16,2-6-1-16,5-3-23 15,4-4-24-15,10 0-70 16</inkml:trace>
+  <inkml:trace contextRef="#ctx0" brushRef="#br0" timeOffset="-106852.61">19624 1462 323 0,'0'0'14'15,"0"0"-11"-15,12 134-3 16,5-67 1-16,-3-6 6 16,-12-5 16-16,-2-9-19 15,0-14-3-15,-7-6 2 16,0-15-3-16,5-9 3 0,-2-3 1 16,-7-6 37-1,-12-23-17-15,-8-19-24 16,-4-8 0-16,4-17 0 0,2-13 9 15,4-8 1-15,10-11-7 16,15 1-3-16,0 14 7 16,40 23-6-16,10 25-1 15,6 24 7-15,-6 18-6 16,-4 0 1-16,-3 8-2 16,-8 11 0-16,-6-3 4 15,-4 6-4-15,-12 8 0 16,-11 6 2-16,-2 4-1 15,-4 1 1-15,-21 4-2 16,-8-6 1-16,-5 1 2 16,-4-4-3-16,-5-4-2 15,3-6 1-15,5-13-32 0,18-4-5 16,21-9-26-16,0 0-89 16</inkml:trace>
+  <inkml:trace contextRef="#ctx0" brushRef="#br0" timeOffset="-106086.52">19921 1358 330 0,'0'0'50'0,"0"0"-33"16,0 0 0-16,0 0 17 16,0 0-17-16,0 0-17 0,-65 31 0 15,30 1 1-15,0 0-1 16,12-3 0-16,9-12 0 15,14 0 0-15,0-6-4 16,4-5 0-16,8 3-1 16,1-3 2-16,-1-4-2 15,3-2 5-15,1 0 0 16,1-2 1-16,3-16 5 16,0-6-6-16,0-5 0 15,5-4 3-15,0-2-2 16,-2 2 0-16,2 2-1 15,-9 11 0-15,-5 8 8 16,-7 12-1-16,-4 0 3 0,0 10-3 16,0 11-6-16,0-6 2 15,2 3-1 1,12 6-2-16,-5 7 6 0,-3 4-6 16,-3 4 0-16,-1-6 1 15,3-3-1-15,4-13 0 16,-5-5 0-16,5-6 0 15,-2-6-5-15,4 0 1 16,6-16 4-16,6-16 2 16,8-8-2-16,-2-5-4 15,0 7 2-15,-7 8 2 16,-11 13-1-16,-4 7 1 16,-2 3 0-16,-1 1 0 15,14-4 0-15,2 1 0 0,0-2-5 16,0 10 2-16,-6 1 0 15,-10 6 2-15,-4 15 1 16,0 2 1-16,0-7 0 16,0-5-1-16,9-3 0 15,7 2 0-15,-3-4-1 16,3 0 1-16,-3 0 0 16,-5-3-1-16,2 1 2 15,-1 0-1-15,-1 2 0 16,1 2 0-16,3 4 2 15,1 2-2-15,-2 0 0 16,9-4 0-16,-2-3 2 16,5-4-2-16,-4-3-1 15,-1 0 1-15,-1 0 2 0,2 0-2 16,-4-3-4-16,-1-10-16 16,-8-7-42-16,1 0-33 15</inkml:trace>
+  <inkml:trace contextRef="#ctx0" brushRef="#br0" timeOffset="-105405.22">20576 1626 321 0,'0'0'45'0,"0"0"-43"16,0 0 20-16,80-106-18 16,-51 68 8-16,0-3-11 15,0 5-1-15,-5 4 5 16,-4 4 2-16,1 2 12 0,-2 3 0 16,-3 2 5-16,-1 5-1 15,-5 9-16-15,-8 7 0 16,-2 0-1-16,0 11-6 15,0 5 0-15,0-1 0 16,2-8 1-16,23 3 5 16,6 0-6-16,0 10 0 15,-5 6 5-15,-5 6-2 16,-5 1-2-16,-5-6-1 16,-1-6 2-16,-2-9-3 15,-2-2 1-15,-6-2-2 16,0-2 1-16,0-3-17 15,0-3-34-15,-2 0-34 16,-20-5-113-16</inkml:trace>
+  <inkml:trace contextRef="#ctx0" brushRef="#br0" timeOffset="-105135.5">20235 1189 407 0,'0'0'30'0,"0"0"-24"16,0 0-6 0,0 0 49-16,0 0-17 0,149-76-14 15,-69 50-5-15,-2 2-9 16,-9 9-2-16,-17 5-2 15,-10 5-2-15,-4 2 0 16,-7-1-25-16,-5 2-43 16,-10 2-32-16,-13 0-93 15</inkml:trace>
+  <inkml:trace contextRef="#ctx0" brushRef="#br0" timeOffset="-104606.25">21233 812 193 0,'0'0'203'0,"0"0"-160"16,0 0-37-16,0 0 9 15,0 0-3-15,0 0-7 16,20-14-5-16,-20 14-28 16,0 0 4-16,0 0-2 15,0 0-20-15,-9 0 0 16,1 0 28-16,2 0 18 15,6 0 21-15,0 0 9 16,0 0 0-16,0 0-8 16,0 0-9-16,0 0-13 15,0 0-5-15,0 0-40 16,-4 0-126-16</inkml:trace>
+  <inkml:trace contextRef="#ctx0" brushRef="#br0" timeOffset="-103973.86">21295 1294 163 0,'0'0'98'16,"0"0"-42"-16,0 0-13 15,0 0 12-15,0 0 5 16,16-109-38-16,-16 88 5 15,0 8-8-15,0 8-3 16,-9 5-5-16,-7 0-9 0,-8 0-2 16,-5 18 8-16,-9 13-8 15,-4 9 0-15,-3 4 0 16,3-2 0-16,4-5-1 16,14-13-1-16,19-7-2 15,5-3 2-15,23-4-1 16,17-6 0-16,4-4 3 15,-4 0 5-15,-6-11-5 16,-3-11 0-16,-2-7-9 16,2-7-2-16,-4-4 3 15,-8 2 8-15,-5 8 1 16,-14 10 0-16,0 13 0 0,0 7 5 16,0 0 1-1,0 0-1-15,0 8-6 0,0 3-2 16,0 9 2-16,0 14 0 15,0 14 1-15,0 6-1 16,0-3 0-16,0-13 0 16,3-16 0-16,18-8-4 15,4-9 4-15,0-5-23 16,-5 0-44-16,-7 0-27 16,-9-13-48-16</inkml:trace>
+  <inkml:trace contextRef="#ctx0" brushRef="#br0" timeOffset="-103629.89">21770 648 346 0,'0'0'88'0,"0"0"-57"16,0 0-15-16,0 0 5 0,0 0-12 15,0 0 17-15,15 76 2 16,-15-42-21-16,0-3-7 15,0 0 2-15,0-5-2 16,0-5 0-16,0-6-21 16,0-5-56-16,0-6-40 15,0-4-53-15</inkml:trace>
+  <inkml:trace contextRef="#ctx0" brushRef="#br0" timeOffset="-103455.16">21935 702 363 0,'0'0'127'0,"0"0"-86"16,0 0-31-16,0 0 12 0,0 0-3 16,0 0-11-16,18 25-1 15,-14-4-5-15,-4 7 0 16,0 6-3-16,0 2 1 16,-6 4-50-16,-13 4-73 15,0-16-200-15</inkml:trace>
+  <inkml:trace contextRef="#ctx0" brushRef="#br0" timeOffset="-102883.08">22285 1008 452 0,'0'0'87'0,"0"0"-70"15,0 0-5-15,0 0 23 16,0 0-17-16,0 0-12 15,-7-10-6-15,21 10-5 16,-6 0-13-16,-1 0-12 16,-5 16-32-16,-2 28-63 15</inkml:trace>
+  <inkml:trace contextRef="#ctx0" brushRef="#br0" timeOffset="-102721.12">22192 1458 462 0,'0'0'69'0,"0"0"-67"0,0 0 6 16,0 0 18-1,0 0-26-15,0 0-8 0,35 0-6 16,-18-5-93-16,6-10-214 16</inkml:trace>
+  <inkml:trace contextRef="#ctx0" brushRef="#br0" timeOffset="-102015.7">23225 836 346 0,'0'0'36'0,"0"0"-35"16,0 0-1-16,0 0 8 15,0 0 15-15,0 0-14 16,118-16-8-16,-85 4 0 15,-4 6 1-15,-8 6-4 16,-13 0-2-16,-3 0-29 0,-5 8-38 16,0 2-56-16</inkml:trace>
+  <inkml:trace contextRef="#ctx0" brushRef="#br0" timeOffset="-101689.02">23220 934 299 0,'0'0'24'0,"0"0"-12"15,0 0 17-15,-4 158 6 16,4-89 16-16,-2 3-19 0,-4 2-12 16,-4-8-4-1,1-3-14-15,-2-10 6 0,0-6-4 16,2-7-1-16,3-8 4 15,1-2-7-15,3-5 2 16,-3-8 7-16,5-5-9 16,0-4 3-16,0-4-3 15,0-4-4-15,5 3 3 16,12-3 0-16,6 0 1 16,0 0-2-16,-2 0-32 15,-5 0-43-15,-3 0-59 16</inkml:trace>
+  <inkml:trace contextRef="#ctx0" brushRef="#br0" timeOffset="-101168.9">23775 1389 466 0,'0'0'51'0,"0"0"-51"16,0 0 0-16,0 0 8 15,52-150-5-15,-21 94 7 16,2 4-4-16,-1 8-6 16,-8 12 0-16,-7 11 0 15,-6 10 1-15,-5 4 1 16,-4 4-2-16,-2 3 0 15,0 0 0-15,0 0 0 16,0 3-2-16,0 22 2 0,0 7 0 16,0 9 8-1,-8 12-8-15,-3-3 0 0,-1-2 8 16,4-6-8-16,4-8 0 16,2-4 0-16,-1-2 1 15,1-4 0-15,2-2-1 16,0-5-19-16,0-5-46 15,0-3-63-15,14-4-170 16</inkml:trace>
+  <inkml:trace contextRef="#ctx0" brushRef="#br0" timeOffset="-100935.52">24413 1548 379 0,'0'0'44'16,"0"0"-43"-16,0 0-2 16,0 0 2-16,0 0-1 15,0 0 0-15,15 86-3 16,-11-74-16-16,-2 0-81 15</inkml:trace>
+  <inkml:trace contextRef="#ctx0" brushRef="#br0" timeOffset="-100506.79">25112 1121 492 0,'0'0'15'0,"0"0"-12"16,0 0-6-16,0 0 3 0,-86 108 0 15,69-54 3-15,7 4-3 16,-2 2 0-16,5-8 0 15,7-13-4-15,0-15 2 16,14-19-2-16,10-5 4 16,-6 0 5-16,-5-2 0 15,6-25 5-15,7-16-6 16,6-11-4-16,-6-2 5 16,-8 5-5-16,-16 2 0 15,-2 9 10-15,0 5-2 16,0 10 0-16,0 7-1 15,-4 10-4-15,-1 6-3 16,1 2-2-16,0 0-32 0,-10 3-70 16,-8 28-57-16</inkml:trace>
+  <inkml:trace contextRef="#ctx0" brushRef="#br0" timeOffset="-100296.05">25649 1377 323 0,'0'0'40'15,"0"0"-35"-15,0 0 17 16,0 0 5-16,0 0 3 16,0 0-17-16,38 103-5 0,-38-84-8 15,0-4 0-15,0-8 0 16,6-2-10-16,2-4-58 15,-4 2-65-15</inkml:trace>
+  <inkml:trace contextRef="#ctx0" brushRef="#br0" timeOffset="-99907.08">26239 1208 141 0,'0'0'327'15,"0"0"-285"-15,0 0-38 16,0 0-2-16,0 0 1 0,0 0 19 16,13 87-17-16,-26-50-1 15,5-4-2-15,6-4-2 16,2-11 1-16,0-9-1 15,4-4 0-15,2-5-1 16,-1 0 1-16,-1 0-1 16,8 0 1-16,7-18 12 15,12-14-8-15,3-11-4 0,-3-1 0 16,-13 0-5 0,-13 6 0-16,-5 4-2 0,0 2 0 15,-30 4 3-15,-7 2 0 16,-7 5-31-16,-8 10-26 15,-2 11-13-15,-4 0-39 16</inkml:trace>
+  <inkml:trace contextRef="#ctx0" brushRef="#br0" timeOffset="-99373.35">26445 695 294 0,'0'0'128'0,"0"0"-126"16,0 0-2-16,0 0 9 15,133-72-9-15,-95 57 0 16,-7 6 0-16,-11 6 0 16,-9 3 4-16,-4 3-4 15,-2 13 6-15,1 0 8 16,5 2-12-16,3 4 2 0,-1 6 2 16,-2 12-5-1,-4 10 4-15,-7 9-5 0,0 10 0 16,0 2 3-16,0 4-3 15,0-1 0-15,0-6 1 16,0-4 0-16,0-1-1 16,0-6 0-16,0 2 0 15,0-9 0-15,0-6 0 16,0-6 0-16,0-5 0 16,0-12 1-16,0-7-2 15,0-5 1-15,0-8 0 16,-14-1 1-16,-17 0 7 15,-13 5-6-15,-5-2 2 16,0-3 4-16,11 0-6 16,9 0-2-16,7-2-59 15,8-12-123-15</inkml:trace>
+  <inkml:trace contextRef="#ctx0" brushRef="#br0" timeOffset="-95638.74">18539 2041 116 0,'0'0'290'0,"0"0"-253"16,0 0-32-16,0 0-3 15,0 0 6-15,0 0 0 16,-13 34-2-16,13 2 23 16,-11 8-8-16,2 3-19 15,2-11 6-15,5-8-5 16,0-6-2-16,2-3 0 15,0 0-1-15,0-1-7 0,0-2-16 16,0-7-57 0,0-7-33-16,11-2-102 15</inkml:trace>
+  <inkml:trace contextRef="#ctx0" brushRef="#br0" timeOffset="-95454.66">18726 2226 407 0,'0'0'74'0,"0"0"-68"16,0 0-5-16,0 0-1 15,0 0 1-15,0 0-1 16,3 31 0-16,-3 0-3 16,0 0 3-16,0-4-49 0,0-2-31 15,4-4-55 1</inkml:trace>
+  <inkml:trace contextRef="#ctx0" brushRef="#br0" timeOffset="-94686.59">19175 2346 363 0,'0'0'39'0,"0"0"-37"0,0 0-1 16,0 0 15-16,-2 124 22 16,-10-71-27-16,1-3-10 15,-3 1 6-15,1 0-6 16,-1-9 0-16,8-13-1 16,4-12 0-16,2-13 2 15,0-4-2-15,0 0 0 16,0 0 5-16,0-2 3 15,0-17 27-15,0-14-30 0,0-19-5 16,0-10 3 0,0-5-3-16,2-2 1 15,0 0-3-15,10-5 2 16,11 2-14-16,12 6 14 0,9 11 0 16,0 16-3-16,-3 10 3 15,-8 9 0-15,-6 8 0 16,-6 8 0-16,-7 4-1 15,-5 0 0-15,-5 4-6 16,-4 20 6-16,0 10 1 16,-10 4 0-16,-19 8 6 15,-11 1-5-15,-3-1 2 16,-1 2-3-16,6-4 3 16,13-10-4-16,15-8 1 0,10-8-19 15,0-8-53-15,15-2-70 16,5-4-133-16</inkml:trace>
+  <inkml:trace contextRef="#ctx0" brushRef="#br0" timeOffset="-94336.5">19451 2457 358 0,'0'0'28'0,"0"0"-26"16,0 0-2-16,-91 109 9 15,79-83 6-15,12-8-8 16,0-4-7-16,20-3 0 0,1-5 12 16,-2-2-11-1,-5-3-1-15,1-1 2 0,-1 0-2 16,1 0 14-16,5-23-14 16,0-8-1-16,-4-4 0 15,-5-2-5-15,-9 5 5 16,-2 10 1-16,0 4 6 15,-9 6 22-15,-4 2-15 16,-3 4-8-16,3 2-1 16,-1 4-4-16,1 0 0 15,2 0-11-15,4 0-20 16,7 0 5-16,0 5-19 16,0 1-2-16,14-1-13 15,10-1-20-15</inkml:trace>
+  <inkml:trace contextRef="#ctx0" brushRef="#br0" timeOffset="-94057.8">19705 2513 220 0,'0'0'12'0,"0"0"11"16,0 0 1-16,19 106-2 16,-19-80-3-16,0-4-8 15,0-2-6-15,-6-6 10 16,-1-8 9-16,7-6 23 15,0 0 2-15,0 0-1 16,0-20-3-16,0-10-42 16,0-6 4-16,0-7 9 15,11 2-16-15,5-2 0 0,-3 9 0 16,1 6-3 0,3 9 3-16,1 2-10 0,5 1-16 15,1 0-33-15,0 2-59 16,-1 4-114-16</inkml:trace>
+  <inkml:trace contextRef="#ctx0" brushRef="#br0" timeOffset="-93523.88">20070 2252 279 0,'0'0'1'15,"0"0"13"-15,0 0 22 16,29 104 7-16,-27-47-10 16,-2 1 8-16,0 5-15 15,-2-1-7-15,-20-4-13 16,1-10 8-16,11-12-12 16,7-19 1-16,3-13 0 15,0-4-1-15,3 0 4 16,-1 0-6-16,0-14 1 15,4-8 9-15,10-12-10 16,6-13 4-16,9 0-4 0,-2 3-2 16,-2 9-2-16,-2 9-3 15,-1 10 1-15,-6 11 4 16,-7 2-9-16,-2 3 9 16,-7 3-10-16,-2 24 10 15,0 14 2-15,0 6 0 16,0 4 2-16,-2-4 2 15,-2-6-3-15,4-12 0 16,0-12 3-16,11-13-1 16,9-4 2-16,-5 0-4 15,-1 0 2-15,-1-21 19 16,10-8-19-16,6-15-1 16,4-4-1-16,-4 1 0 15,-7 9-1-15,-4 8-6 0,-7 8-5 16,-4 2 3-16,-3 9-15 15,-2 0-38-15,3 7-11 16,-1 4-61-16</inkml:trace>
+  <inkml:trace contextRef="#ctx0" brushRef="#br0" timeOffset="-93038.82">20808 2471 39 0,'0'0'358'0,"0"0"-350"0,0 0-8 16,0 0 9-16,0 0 7 16,0 0 6-16,-141 95-18 15,118-54-3-15,15-9 0 16,8-17-1-16,2-8-6 15,18-5 4-15,-5-1-5 16,-3-1 5-16,-3 0 1 16,4 0 1-16,7-3 10 15,7-13-10-15,0-1-2 0,-8 10 1 16,2 7 2 0,-3 0-1-16,4 0 0 0,2 10 0 15,-1 11 0-15,-1 9 1 16,-4 9 5-16,-7 1 9 15,-8 1-7-15,-3 3 9 16,-6 1-15-16,-22-4-1 16,-8-6 11-16,-6-3-11 15,0-4 3-15,-3-9 7 16,9-9-2-16,7-10 2 16,12 0-9-16,9-12-2 15,8-15 0-15,0-1-12 16,3 1-37-16,19-2-13 15,9-3-42-15,9-4-181 16</inkml:trace>
+  <inkml:trace contextRef="#ctx0" brushRef="#br0" timeOffset="-92378.86">21278 2488 379 0,'0'0'37'15,"0"0"-7"-15,0 0 15 16,0 0-25-16,0 0-9 16,0 0-10-16,-100 66 0 15,61-25 3-15,6-1-4 16,9-2 2-16,4-9-2 16,15-8 0-16,5-6-1 0,0-12 1 15,5-3-5-15,12 0-4 16,1 0 9-16,5-10 5 15,3-14-5-15,3-8-2 16,-3-1 1-16,-1 4-1 16,-7 7 2-16,-7 9 1 15,-2 8 6-15,-4 2 6 16,-5 3-3-16,0 0 6 16,0 3-3-16,0 16-9 15,0 10 0-15,0-1-2 16,0-4-1-16,0-3 0 15,0-11-1-15,0-6-1 16,15-4 1-16,3 0 1 16,0 0 3-16,-2 0-1 15,3-1-2-15,8-21 5 0,4-14-6 16,8-14 0-16,-4-3 5 16,-6-3-4-16,-5 0-1 15,-8-2 0-15,-7-8 3 16,-5-6-9-16,-4-4 5 15,0 3-4-15,0 13 4 16,0 20-2-16,-4 22 3 16,-1 18 0-16,3 0-5 15,0 23 5-15,0 22-3 16,-4 15 3-16,-6 10 2 16,3 0-1-16,3-2-1 0,-1 2 1 15,-7 7 0 1,-1 7 2-16,1-3-3 0,14-15 0 15,0-20-3-15,38-25 3 16,3-8-1-16,-8-11-18 16,-14-2-22-16,-9 0-62 15,-6-2-12-15</inkml:trace>
+  <inkml:trace contextRef="#ctx0" brushRef="#br0" timeOffset="-92131.33">21859 2113 398 0,'0'0'102'0,"0"0"-85"0,0 0-15 15,0 0-1-15,0 0 2 16,0 0 2-16,-16 135-2 15,1-94-3-15,1-6-1 16,14-11-14-16,0-12-42 16,0-9-14-16,18-3-32 15,-9 0-45-15</inkml:trace>
+  <inkml:trace contextRef="#ctx0" brushRef="#br0" timeOffset="-91968.14">21957 2206 330 0,'0'0'70'0,"0"0"-53"16,0 0 15-16,0 0 7 16,0 0-30-16,0 0-8 15,33 64 2-15,-26-45-3 16,-3-1-24-16,2-1-57 16,-4-1-46-16</inkml:trace>
+  <inkml:trace contextRef="#ctx0" brushRef="#br0" timeOffset="-91786.67">22394 2336 514 0,'0'0'22'0,"0"0"-22"16,0 0-1-16,0 0-1 15,0 0-30-15,0 0-93 16,-61 104-50-16</inkml:trace>
+  <inkml:trace contextRef="#ctx0" brushRef="#br0" timeOffset="-91656.1">22285 2699 378 0,'0'0'54'15,"0"0"-28"1,0 0 22-16,0 0-16 0,0 0-31 15,0 0-1-15,-10 16-69 16,10-16-189-16</inkml:trace>
+  <inkml:trace contextRef="#ctx0" brushRef="#br0" timeOffset="-90988.77">23697 2333 475 0,'0'0'4'0,"0"0"-2"16,0 0 1-16,0 0 2 15,124-17 3-15,-97 17 0 16,0 0-8-16,-2 0-1 16,2 0-6-16,-7 0-6 15,-9 0-21-15,-11 0-61 16,0-9-25-16</inkml:trace>
+  <inkml:trace contextRef="#ctx0" brushRef="#br0" timeOffset="-90723.9">23603 2446 330 0,'0'0'33'15,"0"0"-29"-15,-21 108 19 16,21-54 16-16,-10 9-2 16,-12 5-10-16,-7 4-7 15,0-4-11-15,3-8 2 16,7-11 0-16,11-14-5 15,8-8-3-15,0-7-3 16,0-11-1-16,8-2-3 0,15-5-1 16,2-2 5-1,4 0 8-15,0 0-8 0,2 0-18 16,-2-11-70-16,-2-4-86 16</inkml:trace>
+  <inkml:trace contextRef="#ctx0" brushRef="#br0" timeOffset="-90323.94">24199 2741 402 0,'0'0'49'0,"0"0"-48"15,0 0-1-15,0 0 3 16,0 0 12-16,-114 122 1 16,89-84-16-16,17-7 0 15,8-10-3-15,10-8 0 16,21-6 3-16,1-3 3 16,-1-4-2-16,-4 0 4 15,-3-10-4-15,-3-18 1 16,-6-10 4-16,-6-8-6 15,-4-7-9-15,-3 2 7 16,-2 2 2-16,0 11 3 16,0 13-2-16,0 9 1 15,-7 12 3-15,-9 4 2 16,-4 0-5-16,-1 18-4 0,-2 9-8 16,-2 5-44-16,3 3-32 15,11-7-58-15</inkml:trace>
+  <inkml:trace contextRef="#ctx0" brushRef="#br0" timeOffset="-90127.82">24546 2888 174 0,'0'0'135'0,"0"0"-124"15,0 0-1-15,0 0 1 16,0 0 8-16,0 0 10 15,60 78-20-15,-51-61-2 16,-5-1-7-16,2 1-2 16,-6-6-3-16,2 0-56 15,6-7-119-15</inkml:trace>
+  <inkml:trace contextRef="#ctx0" brushRef="#br0" timeOffset="-89788.87">25244 2685 346 0,'0'0'12'15,"0"0"-11"-15,0 0 20 16,113-101 12-16,-95 87-6 15,-5 8-7-15,-6 6-14 16,-2 0-5-16,-1 0 3 16,-2 0 1-16,3 9 1 15,-5 13 7-15,0 6-6 16,0 6 9-16,0 4-15 0,0-2-1 16,0 2 7-16,0-5-7 15,0 0 0-15,0-5 0 16,0-2-4-16,0-3-27 15,0-9-62-15,8-8-96 16</inkml:trace>
+  <inkml:trace contextRef="#ctx0" brushRef="#br0" timeOffset="-89585.93">25863 2846 397 0,'0'0'17'0,"0"0"-17"16,0 0 0-1,0 0 2-15,0 0 1 0,0 0-3 16,54 102-3-16,-54-84-7 16,0-2-50-16,0-4-86 15</inkml:trace>
+  <inkml:trace contextRef="#ctx0" brushRef="#br0" timeOffset="-89085.24">26431 2560 315 0,'0'0'163'16,"0"0"-152"-16,0 0-5 15,0 0 22-15,0 0-25 16,0 0-3-16,-4 18-1 0,-5 21 1 16,2 7-3-16,7 4 3 15,0-6 0-15,0-10 2 16,3-6 0-16,3-9 0 16,3-11-2-16,-5-1-2 15,6-7-1-15,-4 0 6 16,3 0 8-16,9-18 3 15,4-21-10-15,4-8-2 16,-1-6-2-16,-9 3 2 16,-11 8 0-16,-5 4 1 15,0 10 1-15,-10 4-3 16,-14 4-1-16,-7 10-7 16,-8 8-31-16,2 2-66 15,-1 0-98-15</inkml:trace>
+  <inkml:trace contextRef="#ctx0" brushRef="#br0" timeOffset="-88657.13">26591 2276 458 0,'0'0'29'15,"0"0"-26"-15,123-55 24 16,-80 43 7-16,-14 6-5 16,-5 6-29-16,-2 0 0 15,0 6 2-15,-1 17-2 0,-6 1 3 16,-1 3 3-16,-3-3-5 16,-3 1 5-16,4 3-6 15,-5-2-1-15,-3 7 1 16,-4 2 1-16,0 1 2 15,0 4-3-15,-9 7 2 16,-3-1-2-16,4 6 0 16,-3 2 0-16,-1 0 0 15,-3 2 0-15,3-4 1 16,4-5-1-16,8-12-3 16,0-6 1-16,0-11-18 0,-9-5 0 15,-16-4 17-15,-12-3 3 16,-15-2 0-16,-12 0 0 15,-14 0-33-15,-16 0-86 16</inkml:trace>
+  <inkml:trace contextRef="#ctx0" brushRef="#br0" timeOffset="-87770.06">19096 3088 348 0,'0'0'167'15,"0"0"-141"-15,0 0-22 16,0 0 12-16,0 0-2 16,0 0-12-16,0-9-2 15,0 30 0-15,-6 6 1 16,1-2-1-16,1-1-3 15,4-6-9-15,0-5-36 16,0-4-42-16,0-6-48 0,4-3-144 16</inkml:trace>
+  <inkml:trace contextRef="#ctx0" brushRef="#br0" timeOffset="-87606.26">19270 3064 421 0,'0'0'71'0,"0"0"-66"15,0 0-5-15,0 0 7 16,0 0 17-16,0 0-20 16,7 50 4-16,-7-30-8 15,0 2-1-15,4-1 0 16,-2 9-31-16,0-3-116 16</inkml:trace>
+  <inkml:trace contextRef="#ctx0" brushRef="#br0" timeOffset="-86724.11">19753 3385 340 0,'0'0'70'0,"0"0"-59"15,0 0-10-15,0 0 2 16,0 0 15-16,-29 128 4 15,16-74-8-15,5 2-14 16,-2-2 0-16,3-11 2 16,7-14-1-16,0-11 1 15,0-12-2-15,0-6 0 16,0 0 2-16,0 0-1 16,0-20 36-16,0-20-17 0,0-7-19 15,0-8 0-15,5-4-1 16,7 3 0-1,0 3-1-15,7 1 1 0,5 6-4 16,0 10 4-16,3 9-5 16,0 9-1-16,-2 8 5 15,1 8-18-15,1 2-28 16,-3 0-44-16,-1 0-44 16</inkml:trace>
+  <inkml:trace contextRef="#ctx0" brushRef="#br0" timeOffset="-86544.32">19653 3555 423 0,'0'0'74'0,"0"0"-74"16,0 0-19-16,0 0 19 15,0 0 9-15,0 0-7 16,168 0-2-16,-104-16-64 15,-3-4-4-15,-13 3-29 16</inkml:trace>
+  <inkml:trace contextRef="#ctx0" brushRef="#br0" timeOffset="-85567.25">20081 3559 192 0,'0'0'24'0,"0"0"5"0,0 0 6 15,29 132-9-15,-16-100-10 16,-6 1 3-16,-7-7-10 16,0-2-1-16,0-10 6 15,0-6-6-15,0-7 15 16,-2-1 15-16,-1 0-7 16,1-15-26-16,2-11-5 15,0-6-8-15,0-4 8 16,20 0-6-16,9 0 0 15,3 3 0-15,5 3-21 16,1 4 0-16,3 5 4 0,-1 0 5 16,-5 5 2-1,-4 4 12-15,-6 4-2 0,-12 6-1 16,-6 2 7-16,-7 0 0 16,0 5-6-16,0 12 6 15,-4 7 20-15,-16 8-17 16,-5 6 5-16,-2 6-1 15,0 2-3-15,8 1 0 16,0-3-4-16,13-10 0 16,6-6 0-16,0-10 0 15,0-8-3-15,11-5 1 16,11-5 2-16,1 0 1 0,2-5 0 16,3-23 2-1,1-14-6-15,2-11 1 0,-2-5-5 16,-2-1 6-16,-3 2 1 15,-1 9 3-15,-6 12 2 16,-5 12 1-16,-8 11 9 16,-1 11 6-16,-3 2 2 15,0 0-17-15,0 8-4 16,0 22 5-16,0 9-6 16,0 9 0-16,0 2 8 15,0 2-9-15,0-4 0 16,0-2 3-16,0-6-3 15,0-13 0-15,0-9 0 16,8-11-2-16,6-7 0 16,3 0 0-16,2-17-1 15,0-15-19-15,1-11-26 16,5-4 18-16,2-4-13 0,0 3 23 16,-3 11-7-16,-4 5 27 15,-6 18 1-15,-6 10 29 16,-8 4 5-16,0 0 2 15,0 0-30-15,0 18 0 16,0 14 10-16,0 7-8 16,-6 7-3-16,-1 2 3 15,0-3-5-15,3-11-2 16,4-9-2-16,0-12 0 16,11-9-4-16,11-4 5 0,1 0-1 15,-4-4 9-15,4-16-9 16,3-6 0-16,-1-9-12 15,2 2 12 1,-8 4-4-16,-2 9 5 0,-9 11-1 16,-1 4 3-16,0 5-2 15,0 0-1-15,1 0-1 16,3 5 1-16,1 12-3 16,-4 7 3-16,1 2-2 15,-2 2-37-15,0-1-36 16,2-5-130-16</inkml:trace>
+  <inkml:trace contextRef="#ctx0" brushRef="#br0" timeOffset="-85124.73">21498 3605 350 0,'0'0'39'15,"0"0"-21"-15,0 0-12 16,0 0 6-16,0 0-4 16,0 0-4-16,-112 71 9 15,91-30-10-15,2 2 0 16,9-3 3-16,10-8-6 0,0-8-3 16,10-9 1-1,17-6 1-15,5-1 1 0,-3-4-4 16,2-2 8-1,2-2-20-15,9-2-2 0,3-24-16 16,1-11-10-16,-3-3-3 16,-16 3 12-16,-10 1 35 15,-10 13 40-15,-7 12 11 16,0 8 1-16,0 3 5 16,0 0-24-16,0 9-28 15,0 19-1-15,-4 8 4 16,-1-2-2-16,5-3 8 15,0-4-14-15,0-11 0 16,5-3-1-16,6-6-2 16,2-3-47-16,-2-4-55 15,3 0-145-15</inkml:trace>
+  <inkml:trace contextRef="#ctx0" brushRef="#br0" timeOffset="-84987.61">21748 3469 389 0,'0'0'60'16,"0"0"-60"-16,0 0-17 15,0 0 6-15,0 0-14 16,0 0-66-16</inkml:trace>
+  <inkml:trace contextRef="#ctx0" brushRef="#br0" timeOffset="-84623.98">22075 3592 334 0,'0'0'18'16,"0"0"-12"-16,0 0 26 16,-111 103 8-16,79-50-7 15,6-3-16-15,6-6 9 16,13-10-22-16,7-14-3 15,0-7-1-15,22-13-4 16,9 0 4-16,1 0 8 0,-1-19-6 16,0-8-2-16,2-13-30 15,-4 5 3-15,-4 0 27 16,-9 9 2-16,-7 8 16 16,-3 7 8-16,-4 4-6 15,1 4-5-15,3 3-15 16,4 0 0-16,3 3 0 15,5 18 1-15,1-1-1 16,2 5-2-16,-3-5 2 16,-3 1-1-16,-6-2-50 15,-4-4-30-15,-5-3-163 16</inkml:trace>
+  <inkml:trace contextRef="#ctx0" brushRef="#br0" timeOffset="-84190.1">22421 3307 407 0,'0'0'61'0,"0"0"-61"16,0 0 0-16,0 0 2 15,0 0 8-15,0 0-8 0,-21 125-2 16,21-92-4 0,0-10-16-16,12-15-30 0,7-8-37 15,0 0-46 1</inkml:trace>
+  <inkml:trace contextRef="#ctx0" brushRef="#br0" timeOffset="-84034.95">22634 3369 135 0,'0'0'362'0,"0"0"-340"0,0 0-21 15,0 0 23-15,0 0-11 16,0 0-12-16,-16 96-1 15,16-73-17-15,0-4-54 16,0-3-61-16</inkml:trace>
+  <inkml:trace contextRef="#ctx0" brushRef="#br0" timeOffset="-83838.51">22906 3445 372 0,'0'0'8'0,"0"0"-5"16,0 0 1-16,0 0-4 16,0 0-41-16,0 0-154 15</inkml:trace>
+  <inkml:trace contextRef="#ctx0" brushRef="#br0" timeOffset="-83666.08">22801 3773 381 0,'0'0'34'16,"0"0"3"-16,0 0 35 16,0 0-22-16,0 0-12 15,0 0-16-15,-2-11-17 16,2 6-4-16,0 0-1 0,0-5-18 15,0 0-142 1</inkml:trace>
+  <inkml:trace contextRef="#ctx0" brushRef="#br0" timeOffset="-83302.16">23624 3414 218 0,'0'0'319'0,"0"0"-304"16,0 0-8-16,0 0-7 15,0 0 2-15,138-12-6 16,-116 11-29-16,-8 1-64 15,-14 0-20-15</inkml:trace>
+  <inkml:trace contextRef="#ctx0" brushRef="#br0" timeOffset="-82950.79">23592 3469 367 0,'0'0'21'0,"0"0"-21"15,0 0 0-15,0 0 11 16,0 0 23-16,0 0-9 16,-8 77 14-16,1-48-11 15,-2 1-2-15,-2 3-2 16,-3 5-10-16,3-1-3 16,0 3 0-16,5-1-10 15,1-8 5-15,3-2-6 0,2-5 0 16,0-6 2-16,0-3-1 15,0-4-2-15,0 1 0 16,2 0 1-16,7-2-2 16,0 0 2-16,0-3 0 15,0 2 0-15,4-7-25 16,2 2-4-16,6-4-8 16,3 0-24-16,5 0-33 15,0 0-117-15</inkml:trace>
+  <inkml:trace contextRef="#ctx0" brushRef="#br0" timeOffset="-82423.57">24118 3695 156 0,'0'0'289'16,"0"0"-272"-16,0 0-16 16,0 0 38-16,0 0-13 15,0 0-8-15,-62 105-8 16,62-69-8-16,0-2 18 16,0-1-20-16,14-8 2 15,9-9-6-15,9-7 7 16,1-9-3-16,1 0 7 15,-2-13-6-15,-11-17 7 16,-1-4-8-16,-9-8 0 0,-9 0-1 16,-2 3 2-1,-2 7 8-15,-17 4-3 0,-4 4-4 16,5 6 7-16,5 8-9 16,2 4-4-16,4 6-2 15,3 0-18-15,-1 0-21 16,5 10-48-16,0 11-37 15</inkml:trace>
+  <inkml:trace contextRef="#ctx0" brushRef="#br0" timeOffset="-82214.95">24713 3776 451 0,'0'0'82'0,"0"0"-72"15,0 0 8-15,0 0 13 16,0 0-22-16,0 0-6 16,76 30-1-16,-63-20-2 15,-1 3-9-15,-4 0-18 16,-3-1-45-16,1 0-6 16,4-11-84-16</inkml:trace>
+  <inkml:trace contextRef="#ctx0" brushRef="#br0" timeOffset="-81858.18">25286 3634 399 0,'0'0'83'15,"0"0"-83"-15,0 0 0 16,0 0 47-16,0 0-6 15,-29 101-12-15,12-63-17 16,0-9-7-16,11-8 2 16,6-6-7-16,0-7-1 15,9-8-1-15,11 0-1 16,-1 0 3-16,8-4 20 16,0-24-19-16,0-9 4 0,-7-5-5 15,-11-2 0-15,-9 4 5 16,0 2-4-16,0 10-1 15,-13 8 1-15,-3 7-1 16,0 10-4-16,1 3-23 16,-1 0-27-16,1 14-2 15,2 18-34-15,1 7 4 16,8-4-122-16</inkml:trace>
+  <inkml:trace contextRef="#ctx0" brushRef="#br0" timeOffset="-81662.3">25542 3802 248 0,'0'0'54'0,"0"0"-15"15,0 0 16-15,0 0-15 16,0 0-7-16,0 0-15 16,22 84-18-16,-22-66 1 15,0-2 1-15,0-2-2 16,0-2-6-16,0 1-30 15,0-2-59-15,-6-3-70 16</inkml:trace>
+  <inkml:trace contextRef="#ctx0" brushRef="#br0" timeOffset="-81354.31">26048 3662 373 0,'0'0'10'0,"0"0"5"15,0 0 26-15,0 0-1 16,0 0-17-16,0 0-18 16,48-80 4-16,-48 80 13 15,0 0-8-15,0 0-2 16,0 10-2-16,0 13-4 0,0 5 4 15,0 5-10 1,0-3 0-16,0 2 1 0,0-4-1 16,0-1 0-1,-4-4-1-15,-2-3-2 0,1-2-25 16,-1-2-54-16,2-4-75 16</inkml:trace>
+  <inkml:trace contextRef="#ctx0" brushRef="#br0" timeOffset="-80890.99">26215 3270 528 0,'0'0'14'0,"0"0"-6"15,0 0-6-15,0 0 7 16,145-50-9-16,-114 46 0 16,-4 4-2-16,-8 0 4 15,-7 0-2-15,-5 0 0 16,-1 0 0-16,-2 12 18 16,6 4-10-16,-1 4-3 15,1 4-2-15,2 1-3 16,-3 4 2-16,-1 3-2 15,-1 1 0-15,-2 5 3 0,-3 2-3 16,-2 10 1-16,0 4-1 16,0 0 1-16,0 5 0 15,0-8-1-15,0-6-13 16,0-7 0-16,-4-10-8 16,-6-4 17-16,-5-3 3 15,-7-9 1-15,-9 1 6 16,-5-7-2-16,-2 0 13 15,2-4-3-15,3 0-14 16,9-2-17-16,-1 0-79 16,-2 0-130-16</inkml:trace>
+</inkml:ink>
+</file>
+
+<file path=ppt/ink/ink2.xml><?xml version="1.0" encoding="utf-8"?>
+<inkml:ink xmlns:inkml="http://www.w3.org/2003/InkML">
+  <inkml:definitions>
+    <inkml:context xml:id="ctx0">
+      <inkml:inkSource xml:id="inkSrc0">
+        <inkml:traceFormat>
+          <inkml:channel name="X" type="integer" max="32767" units="cm"/>
+          <inkml:channel name="Y" type="integer" max="32767" units="cm"/>
+          <inkml:channel name="F" type="integer" max="1023" units="deg"/>
+          <inkml:channel name="T" type="integer" max="2.14748E9" units="dev"/>
+        </inkml:traceFormat>
+        <inkml:channelProperties>
+          <inkml:channelProperty channel="X" name="resolution" value="2155.72363" units="1/cm"/>
+          <inkml:channelProperty channel="Y" name="resolution" value="3449.15796" units="1/cm"/>
+          <inkml:channelProperty channel="F" name="resolution" value="2.84167" units="1/deg"/>
+          <inkml:channelProperty channel="T" name="resolution" value="1" units="1/dev"/>
+        </inkml:channelProperties>
+      </inkml:inkSource>
+      <inkml:timestamp xml:id="ts0" timeString="2023-05-12T10:24:04.857"/>
+    </inkml:context>
+    <inkml:brush xml:id="br0">
+      <inkml:brushProperty name="width" value="0.05292" units="cm"/>
+      <inkml:brushProperty name="height" value="0.05292" units="cm"/>
+      <inkml:brushProperty name="color" value="#FF0000"/>
+    </inkml:brush>
+  </inkml:definitions>
+  <inkml:trace contextRef="#ctx0" brushRef="#br0">24276 10064 42 0,'0'0'33'0,"0"0"-9"15,0 0-12-15,0 0 5 16,0 0-13-16,0 0-4 16,0 0 1-16,0 0-1 15,0 0-1-15,-4-4 1 16,4 4 0-16,0 0 0 16,0 0 0-16,-2 0 0 15,2 0 4-15,0 0-4 16,0 0 6-16,0 0 2 15,0 0 2-15,-2 0 6 16,2 0-13-16,0 0 0 16,0 0 10-16,0 0-9 15,0 0 5-15,0 0-4 0,0 0-2 16,0 0 10-16,0 0-13 16,0 0 0-16,0 0 4 15,0 0-4-15,0 0 0 16,0 0-1-16,0 0 1 15,0 0 0-15,0 0 0 16,0 0 0-16,0 0 3 16,0 0-1-16,0 0-2 15,0 0 0-15,0 0 1 16,0 0 6-16,0 0-7 16,0 0 0-16,0 0 1 15,0 0 0-15,0 0-1 0,0 0 0 16,0 0 0-1,0 0 2-15,-3 0-2 16,3 0 0-16,0 0 8 0,0 0-7 16,0 0 1-16,0 0 6 15,0 0-4-15,0 0 9 16,0 0-7-16,0-4 5 16,11-2 18-16,1-6-14 15,3-2-12-15,1 0 6 16,1-6-8-16,0 0 8 15,-2-4-9-15,1-3 0 16,-3-2 5-16,1-2-4 16,-4 8-1-16,-1-1 1 0,1 4 0 15,-6 3 9 1,2 4-10-16,-1 2 0 0,-1 2 6 16,-2 0-2-16,0 2-4 15,-2 2 0-15,0 3 3 16,3 1-2-16,-3-2-1 15,0 3 0-15,0 0-3 16,0 0 3-16,0 0-1 16,0 0-1-16,0 0 2 15,0 0 4-15,0 0-4 16,0 9 0-16,0-2 8 16,0 1-8-16,0-4 4 15,0 0-4-15,0 0 2 16,0 1 2-16,0-1-4 15,0 4 0-15,0 5 4 0,0 6-3 16,-5 5 7-16,-1 8 4 16,-5 6-5-16,1 4 14 15,-5 4-20-15,-3 2 2 16,3 0 14-16,-1-4-15 16,5-8 1-16,7-1-3 15,-1-7 2-15,1-9 5 16,4-1-7-16,-3-7 0 15,3-6 5-15,-2-3-5 16,2-2 0-16,0 0 0 16,0 0 1-16,0 0 4 15,0 0-5-15,0 0 0 0,0 0 7 16,0 0-6-16,0 0 0 16,0 0-1-16,0 0 0 15,0 0-7-15,0 0 2 16,0 0-19-16,0 0 13 15,0 0-9-15,0 0 3 16,0 0 6-16,0 0-4 16,0 0 12-16,0 0-8 15,0 0-3-15,0 0-12 16,0 0-52-16,0 0-47 16</inkml:trace>
+  <inkml:trace contextRef="#ctx0" brushRef="#br0" timeOffset="1743.49">25676 9851 1 0,'0'0'106'16,"0"0"-77"-16,0 0-14 15,0 0 1-15,0 0 3 16,0 0 17-16,0 0-27 15,2-38-3-15,0 35 14 16,1-4 0-16,-3 1-5 16,2 2-4-16,-2-2-6 15,0 4 28-15,0 0-24 16,0 2-4-16,0 0 11 16,0-2-7-16,0 2 1 15,0 0 4-15,0 0-11 0,-5 0 21 16,-9 0-21-1,2 0 6-15,-7 0 8 0,0 0-6 16,-2 0-3-16,4 0-5 16,3 0-2-16,1 0 18 15,-1 0-19-15,1 6 0 16,0 0 3-16,0 4-3 16,-3 5 1-16,0 0-1 15,2 6 0-15,2 3 1 16,-1 2-1-16,3 2 0 15,4-1 2-15,-1 7-1 16,5-3-1-16,2 1 0 16,0 0 0-16,0-2 1 15,0 2-1-15,0-6 0 0,13-2 2 16,3-2-2 0,1-1 0-16,4-2-2 0,-1 1 4 15,4-3-3-15,-2-1 1 16,3-5 0-16,-2 0 0 15,-2-3 0-15,2-2 0 16,1 0 0-16,1-4 5 16,2-2-4-16,-3 0-1 15,0 0 0-15,3 0 1 16,0 0 0-16,2-2 1 16,2-8-2-16,0-3 0 15,1-4 0-15,1-1 0 0,-4-5 0 16,0 1 1-1,-4-1 0-15,-8-1-2 0,-1-2 1 16,-5-1 0-16,-5-1 2 16,-4 1-2-16,-2-2 0 15,0-1 0-15,0 2 3 16,-8 0-5-16,-9 0 2 16,-4 0 0-16,-3 4 4 15,-1 2-4-15,0 2 0 16,4 5 2-16,0 1-2 15,4 5 0-15,3-2 0 16,3 5 1-16,-1 2-2 16,4 1 1-16,-7 0-9 15,-6 3-23-15,-1 0-51 16,2 4-53-16</inkml:trace>
+  <inkml:trace contextRef="#ctx0" brushRef="#br0" timeOffset="4998.85">24252 9003 60 0,'0'0'22'0,"0"0"0"16,0 0-7-16,0 0 7 15,0 0 5-15,0 0-13 16,20-46-8-16,-16 42 15 16,1-2-21-16,2 2 0 0,-5 0 9 15,0 2-3 1,-2 0 5-16,0-1 3 0,0 3-5 16,0 0 19-16,0-1-13 15,0-1 11-15,0-2 4 16,0-2-19-16,0 0 0 15,0 2 4-15,-11 0-12 16,-5 0 33-16,-4 4-35 16,-1 0-1-16,-6 0 11 15,-5 4-6-15,-1 12-3 16,-1 8-2-16,3 6 1 16,-1 7 4-16,7 4-5 15,4 2 0-15,5-6 9 16,7-1-8-16,5-4-1 0,4-3 0 15,0-3 1-15,4-4 1 16,19-6-2-16,4 0-3 16,4-6-3-16,5-4-10 15,1-4-31-15,3-2-19 16,-1 0-40-16</inkml:trace>
+  <inkml:trace contextRef="#ctx0" brushRef="#br0" timeOffset="5364.85">24495 9075 307 0,'0'0'7'0,"0"0"-6"15,0 0 0-15,29-104-1 16,-16 76 0-16,5 0 3 15,-2 4 0-15,1 2-3 16,1 4 0-16,-5 8 1 16,-3 4 3-16,-6 3-4 15,-2 3 0-15,-2 0 1 16,0 15 15-16,0 14-11 16,0 13 9-16,0 2 4 15,-6 4-5-15,-10-2-3 16,1-2-1-16,1-6-8 15,3-7 8-15,2 0-9 0,2-7 0 16,3-4 0-16,4-2 0 16,0-4-4-16,0-2-12 15,0 1-57-15,9-7-80 16</inkml:trace>
+  <inkml:trace contextRef="#ctx0" brushRef="#br0" timeOffset="5925.98">25855 8932 321 0,'0'0'2'0,"0"0"6"16,0 0-4-16,0 0 12 15,0 0 13-15,0 0-4 16,-99-75 0-16,90 75-15 16,-6 0 7-16,-5 0-16 15,-16 19 4-15,-7 14 1 16,-3 7-6-16,-6 10 0 15,4 4 12-15,1 0-10 16,9-4 5-16,9-6-5 16,11-9 1-16,13-7 3 15,5-5-6-15,0-6 0 0,2 1 2 16,19-6-2 0,6-2-2-16,4-3 1 0,2-7-39 15,1 0-7-15,3 0-52 16,1 0-64-16</inkml:trace>
+  <inkml:trace contextRef="#ctx0" brushRef="#br0" timeOffset="6343.81">25948 8912 244 0,'0'0'23'16,"0"0"-19"-16,0 0 6 15,0 0 26-15,0 0-13 16,0 0-14-16,131-105-5 16,-97 93-2-16,-5 4 17 15,-7 6-15-15,-7 2-3 16,-6 0 11-16,-9 8-7 15,0 16 12-15,-7 12 0 16,-19 4 1-16,-12 4 18 16,-2 2-29-16,-3-1-3 15,3-4 8-15,7-3-10 16,6-5 4-16,7-7-6 0,7-4 2 16,6-3 0-16,1-4-2 15,6 1 0-15,0-3 0 16,0 0 0-16,0-1-4 15,15-1-10-15,8-8-21 16,6 0-7-16,6-3-42 16,5 0-58-16</inkml:trace>
+  <inkml:trace contextRef="#ctx0" brushRef="#br0" timeOffset="7294.88">27706 8821 278 0,'0'0'9'15,"0"0"-3"-15,0 0 20 16,0 0 18-16,0 0-8 16,0 0 3-16,-39-52-18 15,22 52 1-15,-3 0-22 16,-9 0 0-16,-11 12 12 16,-5 14-10-16,-6 10 0 15,0 3 7-15,2 8-5 16,6-1 9-16,10 0-13 0,10-4 0 15,8-1 10 1,7-7-8-16,4-3-2 0,4 0 0 16,0-7 1-16,0-4 1 15,12-2-2-15,5-6 0 16,6 1-3-16,4-6 3 16,2-1-11-16,4-2-31 15,7-4-66-15,5 0-24 16</inkml:trace>
+  <inkml:trace contextRef="#ctx0" brushRef="#br0" timeOffset="7914.47">27975 8811 306 0,'0'0'28'0,"0"0"-21"15,0 0 11-15,0 0 3 0,114-76-2 16,-83 67-2-16,-4 8-10 15,-9 1 0-15,-9 0-6 16,-3 0 1-16,-6 7 11 16,0 14-12-16,-2 5 14 15,-27 6 11-15,-4 4-24 16,-7-1 3-16,-1 1-5 16,3-7 5-16,5-2-1 15,8-6-4-15,8-4 0 16,5-8 1-16,8-1-1 15,4-4-1-15,0-2 0 16,0 1 1-16,0 1-5 16,11-3 5-16,9 3 0 0,9-1 8 15,7-2-8 1,7 1 0-16,-6 5 0 0,-6-1 1 16,-6 3-2-1,-10 2 1-15,-6 3-1 0,-4-1-3 16,-5 6 4-16,0-1 0 15,0 1-1-15,-20 0 1 16,-9-1 13-16,-7-2-10 16,-4-2 0-16,0-4 16 15,0-2-14-15,6-5 4 16,5 2-9-16,9-3 5 16,5-2-5-16,3 0 0 15,4 4-21-15,5-2-69 16,3-2-223-16</inkml:trace>
+  <inkml:trace contextRef="#ctx0" brushRef="#br0" timeOffset="13359.94">28031 9900 141 0,'0'0'24'0,"0"0"39"15,0 0-24-15,0 0 14 16,0 0-13-16,0 0-20 16,-58-60 10-16,53 56-30 15,1 1 10-15,-2 3 1 16,-4 0-9-16,-1 0 3 15,-6 0-5-15,-4 0 0 16,-1 10 1-16,-3 1-1 16,-1 4 0-16,2 3 4 15,-1 8-1-15,0 1 3 16,8 1-6-16,5 3 0 0,6-2 10 16,4 5-9-16,2-2-1 15,0 0 5-15,0 4-5 16,4-5 3-16,12 2-3 15,1-2 0-15,1-4 5 16,4 0-5-16,1-7-4 16,-1 0 4-16,1-3 3 15,-2-4 1-15,4-3-4 16,2-6 0-16,4-2 4 16,0-2-4-16,3 0 0 15,5-2 3-15,4-17-2 16,1-2 2-16,1-8-3 0,-3 0 0 15,-8-3 1-15,-5-1-1 16,-7-3 0-16,-4-2 2 16,-4-2 0-16,-6-6 1 15,-1 2-3-15,-7 0 0 16,0 0 15-16,0 4-15 16,-9 3 1-16,-14 6 7 15,0 6-7-15,-8 5 7 16,-2 7-8-16,0 4 0 15,0 4 1-15,-1 5-1 16,1 0-4-16,2 0 1 16,-2 0-32-16,6 9-57 15,7 7-55-15</inkml:trace>
+  <inkml:trace contextRef="#ctx0" brushRef="#br0" timeOffset="15130.48">24562 11214 180 0,'0'0'16'16,"0"0"-4"-16,0 0-12 0,0 0 7 15,0 0 29-15,0 0-18 16,34-75-3-16,-32 67 2 16,-2 3 10-16,0 0 8 15,0 3-16-15,0-2-4 16,0 3 18-16,0 1-30 16,0 0 11-16,0 0 1 15,-16 0-7-15,-9 0-2 16,-11 12-6-16,-8 9 0 15,-3 3 0-15,-1 2 0 16,2 2 0-16,5-2 1 16,7 1 0-16,9-2-1 15,7 1 0-15,12 2 0 16,4 2 2-16,2 1-2 16,0-2 0-16,10 0 1 0,15-5-1 15,4 0 3-15,7-4-3 16,4-8 0-16,2-6-5 15,0-6 5-15,3 0 0 16,-3-11 2-16,-1-12 1 16,-5-2 0-16,-7-2-3 15,-6-3 0-15,-4-4 3 16,-3 1-3-16,-8 1 0 16,-3 0 2-16,-3 0-2 15,-2-2 1-15,0-1-1 0,0 0 0 16,-15 5 2-16,-1 3-2 15,-7 6-3-15,6 4 3 16,-1 6 1-16,3 5-1 16,3 3-10-16,3 3-37 15,5 0 14-15,4 0-33 16,0 12 4-16,0 7-19 16</inkml:trace>
+  <inkml:trace contextRef="#ctx0" brushRef="#br0" timeOffset="15925.64">25727 11339 312 0,'0'0'24'0,"0"0"-24"15,0 0 0-15,0 0 4 0,31-118 22 16,-6 84 0-16,4 2-12 16,-3-2-9-16,1 2 23 15,0 2-27-15,-2 2 7 16,-4 5 4-16,-2 8-2 15,-9 4 3-15,-3 7-13 16,-2 2 0-16,-5 2 9 16,0 0-9-16,0 0 0 15,0 0-2-15,0 0 4 16,0 18-1-16,0 12 6 16,0 1-4-16,0 9 20 15,0 2-20-15,0 2 3 16,-9 0 2-16,-2 0-3 15,0-4 2-15,1-3-7 0,4-7 0 16,0 0 4-16,-1-4-4 16,-3-2 0-1,6-2 2-15,-2-4-2 0,1-2 1 16,3-4-1-16,0 1 0 16,2-4-3-16,0-4 3 15,0 0-27-15,0-3-37 16,0-2-74-16,17 0-128 15</inkml:trace>
+  <inkml:trace contextRef="#ctx0" brushRef="#br0" timeOffset="16913.87">26923 8635 29 0,'0'0'288'15,"0"0"-288"-15,0 0 20 16,0 0-14-16,0 0 22 16,0 0-3-16,-4-29-24 15,4 49 6-15,0 17-4 0,-7 8 6 16,-1 16 46-1,-4 11-44-15,3 11 4 0,-1 11 6 16,-2 12-14-16,-3 14 6 16,-6 12-5-16,-1 13-4 15,0 16 21-15,4 19-23 16,5 2-2-16,6 3 11 16,4-9-3-16,3-16-1 15,0-13-7-15,0-16 3 16,0-13 13-16,0-14-16 15,0-7 0-15,0-12 5 16,0-7-3-16,-10-7 3 16,-4-5-5-16,1-8 0 15,0-8 4-15,5-12-4 16,2-9 0-16,6-13 0 0,0-11 1 16,0-3-2-16,0-2 1 15,0 0 0-15,0 0-1 16,0 0 1-16,0 0 0 15,0 0 4-15,0 0-3 16,0 0 0-16,0 0-1 16,0 0-1-16,0 0-9 15,0 0 5-15,0 0-7 16,0-12 6-16,0-3-14 16,0-4-6-16,12-1-23 15,-1 0-18-15,6-3-85 16</inkml:trace>
+  <inkml:trace contextRef="#ctx0" brushRef="#br0" timeOffset="19911.99">28080 11164 183 0,'0'0'54'16,"0"0"-20"-16,0 0-17 16,0 0 19-16,0 0-2 15,0 0 4-15,0 0-23 16,-112-49 7-16,92 49 7 16,0 0-11-16,-2 3-9 15,-3 16-3-15,2 6-6 16,-4 2 27-16,4 6-27 15,5 4 0-15,5 1 6 16,6 4-6-16,7 1 3 16,0-6-3-16,3-5 0 0,23-5 0 15,8-8 0 1,6-6-1-16,7-7 1 0,1-6 6 16,6 0-2-16,0-16-4 15,-1-10 4-15,-4-6 8 16,0-7-12-16,-5 0 0 15,-6-6 5-15,-9 4-3 16,-11 2 5-16,-11 5 4 16,-7 0-4-16,0 4 21 15,-16 0-28-15,-10 3 0 16,-13 4 2-16,-3 5-2 16,-14 7-20-16,-4 11-39 15,-15 0-116-15</inkml:trace>
+  <inkml:trace contextRef="#ctx0" brushRef="#br0" timeOffset="20794.45">24550 12166 317 0,'0'0'56'16,"0"0"-33"-16,0 0-8 0,0 0 27 16,-142-34-17-16,102 34-23 15,2 9 9-15,-2 14-9 16,-1 7 11-16,2 8-3 15,-1 8-9-15,-1 4 25 16,13 0-25-16,10-4 1 16,11-2 13-16,7-8-15 15,0-1 1-15,7-9-1 16,15-8 0-16,2-4-3 16,5-8 3-16,2-6 0 15,4 0 4-15,2-6-4 16,3-19 2-16,2-6-2 0,1-9 5 15,-1-4-4 1,-7-5-1-16,-6-1 0 0,-6 2-3 16,-12 4 3-16,-11 8 0 15,0 6-3-15,-7 6 0 16,-12 6-9-16,-4 4 12 16,3 7-22-16,-1 6 5 15,9 1-54-15,3 0-38 16,5 20-84-16</inkml:trace>
+  <inkml:trace contextRef="#ctx0" brushRef="#br0" timeOffset="21466.8">25892 12241 281 0,'0'0'49'0,"0"0"-15"16,0 0-15-16,0 0 35 15,0 0-19-15,0 0-23 16,-49-25 8-16,34 25-20 15,-6 0 0-15,-3 10 3 16,-1 10-1-16,-6 8-1 16,2 2 2-16,1 5-2 15,1 3 17-15,8-1-18 16,7 2 0-16,6-3 6 0,6-3-5 16,0 0-1-1,16-4 0-15,16-6 2 0,3-5-3 16,8-8 1-16,-1-6 0 15,0-4 0-15,1 0 3 16,-6-23 0-16,-1-9-3 16,-5-5 0-16,-6-6 5 15,-8 1-5-15,-9 1 0 16,-8 1 2-16,0 0 1 16,-3 7-3-16,-15 1 0 15,-4 3 0-15,-3 10 6 16,6 0-6-16,-2 7 0 0,6 5-6 15,3 1 3 1,4 6-39-16,5 0-44 0,3 0-53 16</inkml:trace>
+  <inkml:trace contextRef="#ctx0" brushRef="#br0" timeOffset="22472.59">26705 11359 125 0,'0'0'26'16,"0"0"6"-16,0 0-4 16,0 0-4-16,0 0 18 15,0 0-27-15,0-26-10 16,0 26 0-16,0 0-1 0,0-1 17 16,0 1-12-16,0 0 0 15,0 0 16-15,0 0-17 16,0 0-4-16,0 0 11 15,0 0 1-15,0 15 19 16,0 11-11-16,0 9 2 16,0 7 1-16,-2 9-14 15,-2 4-4-15,1 3-4 16,3 2-1-16,0-1 5 16,0-9-9-16,0-7 0 15,0-3 7-15,0-3-6 16,0 1 13-16,-4 0-9 0,-3 4-3 15,0 6 21-15,-1 6-22 16,1 3 3-16,1 2 8 16,0-8-12-16,2-4 2 15,2-10-2-15,2-8 0 16,0-10 1-16,0-2-1 16,-2-6 0-16,-3 0 3 15,1-1-2-15,0 2 1 16,2-1-2-16,-1 3 3 15,3 0 3-15,0 1-6 16,0-1 0-16,0 0 5 0,0 2-4 16,5-4 1-1,1 0-2-15,-2-3 0 0,1-8 1 16,-3 0-1-16,-2-1 0 16,0 3 0-16,0-1 0 15,0 4 0-15,0 0 0 16,0-2 2-16,0 4-2 15,0-4 0-15,0 0-10 16,0 1 5-16,0-2-32 16,0 2-49-16,0-5-131 15</inkml:trace>
+  <inkml:trace contextRef="#ctx0" brushRef="#br0" timeOffset="24409.45">27886 12362 132 0,'0'0'86'16,"0"0"-82"-16,0 0 9 15,0 0 20-15,0 0-26 16,0 0-4-16,-3-6 3 15,3 6-6-15,0 0 7 16,0 0-7-16,0 0 0 16,-2 0 2-16,2 0 11 15,-2 0-2-15,2 0 6 16,-2 0-3-16,2 0 16 16,0 0-22-16,0 0-6 15,0 0 13-15,0 0-11 16,0 0 5-16,0 0-3 0,0 0-5 15,0 0 21-15,0 0-18 16,0 0-3-16,0 0 11 16,0 0-3-16,0 0 4 15,0-4-2-15,0-1-8 16,4-2 28-16,6-3-30 16,3-2 0-16,3-2 8 15,3-4-8-15,4-2-1 16,4-2 0-16,2-4 1 15,2-2 0-15,-4 0-1 16,-4 2 0-16,-4 4 1 16,-3 1 0-16,-3 1-1 15,-2 3 0-15,0 0 2 16,-4 1-1-16,-1 5-1 16,-1 0 0-16,-3 3 9 0,0 2-8 15,0 2 2-15,1 0-3 16,-3 1 3-16,2 2 0 15,-2-2-3-15,0 3 0 16,0 0 1-16,0 0-1 16,0 0 0-16,0 0-1 15,0 0 1-15,0 0-5 16,0 0 5-16,0 0 0 16,0 0 0-16,0 0 0 15,0 0 0-15,0 9-1 16,0 7 2-16,0 3 16 15,0 4-17-15,0 2 0 16,0 0 12-16,-5 8-9 16,1-2 0-16,-1 3 0 15,-1 3-3-15,2-5 17 0,-1 1-17 16,5-6 0-16,0-2 6 16,0 2-5-16,0-4-1 15,0 2 0-15,0-2 1 16,0-4 1-16,0 6-2 15,0 0 0-15,0 0 0 16,0 3 1-16,0-5-1 16,0 0 0-16,-2-3 0 0,0-4 0 15,2 0 0 1,0-3 0-16,0 2 1 0,0-1 1 16,0 0-2-16,0 0 0 15,0 0 0-15,0 1 4 16,0-7-4-16,0-1 0 15,0-1 1-15,0-4-1 16,0 0 0-16,0-2 0 16,0 0 0-16,0 0 4 15,0 0-4-15,0 0 0 16,0 0 2-16,0 0-2 16,0 0-27-16,0-12-57 15,0-3-174-15</inkml:trace>
+  <inkml:trace contextRef="#ctx0" brushRef="#br0" timeOffset="34613.79">29855 10117 343 0,'0'0'60'0,"0"0"-53"0,0 0 15 16,0 0 55-16,0 0-15 15,0 0-20-15,0 0-14 16,-53-23 4-16,53 23-21 16,0-4 1-16,0-2 10 15,0-4-3-15,0-10-8 16,0-4-11-16,9-6 1 16,6-4 3-16,3 0-4 15,-1 2 0-15,-5 0 2 16,1 6-2-16,1-4 1 15,-1 5-1-15,3 1 0 16,4 3-1-16,0 3 1 16,-2 6-4-16,-5 3 4 0,-6 5 0 15,-3 4-1-15,-4 0-1 16,0 0-3-16,0 0 2 16,0 19-1-16,0 8 4 15,0 6 3-15,-11 7 0 16,1-2-2-16,-4 0-1 15,3 0 0-15,4-8 1 16,3 1-1-16,4-6-3 16,0 0 2-16,0-4-26 15,9-7-40-15,18-4-108 16</inkml:trace>
+  <inkml:trace contextRef="#ctx0" brushRef="#br0" timeOffset="34883.67">30426 9978 431 0,'0'0'29'0,"0"0"-27"15,0 0 16-15,0 0-15 16,0 0 4-16,138-28 8 16,-93 28-10-16,-3 0-3 0,1 0-2 15,-8 0 0-15,3 0-3 16,2 0-20-16,-11-1-153 16</inkml:trace>
+  <inkml:trace contextRef="#ctx0" brushRef="#br0" timeOffset="36136.69">31444 9472 350 0,'0'0'33'0,"0"0"-25"16,0 0-7-16,-149 99 28 15,105-51 1-15,-4 9 14 16,4 14-9-16,1 3-15 15,8 1-7-15,8-1 7 16,12-4-20-16,11-2 2 16,4-5-4-16,2-8 2 15,29-10-5-15,11-11-22 16,14-13-34-16,4-9-27 16,9-12-69-16</inkml:trace>
+  <inkml:trace contextRef="#ctx0" brushRef="#br0" timeOffset="36459.69">31976 9713 160 0,'0'0'213'0,"0"0"-189"15,0 0 6-15,0 0-8 0,0 0-11 16,-131-6 12 0,91 34-5-16,-7 8-10 0,3 5 2 15,-1 6-1-15,5 7 6 16,5 7-15-16,6 5 1 16,15 0 2-16,12-10-3 15,2-7-4-15,13-13 4 16,21-7-4-16,10-11 2 15,10-5-38-15,8-9-37 16,7-4-20-16,-5-4-200 16</inkml:trace>
+  <inkml:trace contextRef="#ctx0" brushRef="#br0" timeOffset="36925.96">32157 9883 420 0,'0'0'2'15,"0"0"16"-15,0 0 4 16,0 0-8-16,0 0-2 0,83-115 3 16,-64 94-15-1,2 0 4-15,-3 4-4 0,-3 3 0 16,-9 6 4-16,-2 6-1 16,-4 2 12-16,0 0-6 15,0 0-6-15,0 4-3 16,-6 14 9-16,-2 8-6 15,1 6 6-15,1 6-6 16,-2 5 3-16,2 1-1 16,-1 4-5-16,1-4 6 15,-1-2-6-15,2-4 0 16,5-4 0-16,0-10 0 16,0-6-6-16,0-10-3 15,0-1-7-15,5-7-5 16,4 0-66-16,6 0-43 0</inkml:trace>
+  <inkml:trace contextRef="#ctx0" brushRef="#br0" timeOffset="43014.6">29733 9643 166 0,'0'0'22'0,"0"0"12"16,0 0 1-16,0 0-8 15,0 0-3-15,0 0-2 16,0 0-16-16,78-94-1 16,-74 94 5-16,-4 0-4 15,0 0 1-15,0 0-1 0,0 14-3 16,-8 18 20-16,-15 8 15 15,-1 4-13-15,2 2 0 16,6 0-9-16,9-2-6 16,7-5-6-16,7-6-3 15,35-8 9-15,18-9-9 16,23-12 8-16,12-4 1 16,17-10-2-16,2-20-5 15,-1-6-1-15,-8-1-1 16,-13 1 1-16,-17 0-2 15,-10 4 0-15,-12 6 2 16,-6 8-2-16,-11 9-1 16,-10 6 1-16,-6 3-3 15,-9 15 3-15,-1 16-6 0,-10 11 6 16,0 4 6-16,0 4-4 16,0-1-1-16,0-3-1 15,2-8 2-15,21-8-3 16,12-10 3-16,11-8-2 15,17-10 8-15,13-2-7 16,8-8-1-16,7-17 0 16,3 2 0-16,-7 1 0 15,-4 2 0-15,-1 4 0 16,-8 2-1-16,-1 2 1 16,1 4 0-16,-3-1-2 15,2 8 1-15,-3 1-2 16,-1 0 3-16,-9 22 0 15,-4 10-3-15,-12 6 4 16,-9 2-1-16,-4 0 3 0,-8-6-2 16,-3-2 2-16,-7-8-3 15,-2-6 0-15,-3-2-2 16,-6-4-7-16,-2-3-32 16,-7-8-113-16</inkml:trace>
+  <inkml:trace contextRef="#ctx0" brushRef="#br0" timeOffset="43791.67">29822 8626 129 0,'0'0'32'0,"0"0"-4"0,0 0 14 16,0 0 12-1,0 0-12-15,0 0-12 0,-89 0 7 16,82-2-7-16,1-4 15 16,-1-2 4-16,3-6-22 15,0-8-11-15,0-5-12 16,4-13 1-16,0-1-4 15,8-5-1-15,11 0 0 16,6 0 1-16,2 1-1 16,0 5 6-16,0 6-5 15,-8 4 1-15,-3 8-2 16,-7 6 0-16,-5 6 1 16,-2 4-1-16,-2 6 0 15,0 0-2-15,0 1-3 16,0 24 1-16,-6 9 2 0,-7 6 4 15,-1 3 1-15,1 5-3 16,4-1 0-16,2 0 3 16,0-3-3-16,5-5 0 15,2-8 0-15,0-4 0 16,0-2-2-16,7-5-6 16,15-3-15-16,7-10-49 15,9-3-42-15,0-2-63 16</inkml:trace>
+  <inkml:trace contextRef="#ctx0" brushRef="#br0" timeOffset="44010.09">30190 8538 113 0,'0'0'217'15,"0"0"-216"-15,0 0 2 16,0 0 3-16,0 0 3 16,126 0 5-16,-89 0-5 15,-2 0-9-15,-1-4 2 16,-5 2-2-16,-5 0-10 16,-2 2-81-16</inkml:trace>
+  <inkml:trace contextRef="#ctx0" brushRef="#br0" timeOffset="44742.43">30723 8219 306 0,'0'0'42'0,"0"0"-23"0,0 0-7 16,0 0 0-16,0 0-9 16,0 0-3-16,0 60 12 15,0-17 3-15,-8-2 3 16,4 3-11-16,2-5-4 15,2-3 8-15,0-11-9 16,0-4-1-16,0-5 1 16,4-9-1-16,8-2 2 15,3-5-2-15,3 0-1 16,2-6 14-16,0-18-14 16,0-5 3-16,-4-2-3 15,-3 1 1-15,-2 4 0 16,-2 4-1-16,1 8 0 0,-6 6 0 15,-2 4 0-15,0 4-1 16,-2 0-5-16,0 10-5 16,0 17 9-16,0 6 3 15,0 1-1-15,0-1 6 16,0-4-5-16,0-6-1 16,0-2 0-16,11-5 0 15,3-8-1-15,1-4 3 16,10-4-2-16,2 0 6 15,4 0-2-15,0-9-3 16,-2-12 0-16,-4-2 0 16,-6 0 3-16,-5 3-4 0,-1 2 0 15,-7 12 2-15,-6 2 1 16,0 4-3-16,0 0 0 16,0 0-2-16,0 2 2 15,0 19 0-15,0 2 3 16,0 4-6-16,3-2 3 15,10-3-5-15,10-5-7 16,3-6-10-16,5-3-10 16,2-5-25-16,0-3-5 15,-5 0-11-15,-2-3-82 16</inkml:trace>
+  <inkml:trace contextRef="#ctx0" brushRef="#br0" timeOffset="45142.83">31451 8446 227 0,'0'0'41'15,"0"0"26"-15,0 0-24 16,0 0-7-16,0 0-16 16,0 0-5-16,-38-10-9 15,18 31-6-15,0 8 0 16,0 5 0-16,7-4 1 16,5-2-5-16,8-5 4 15,0-4 0-15,0-4 3 16,10-4-3-16,3-7 0 15,3-4 0-15,1 0 4 16,4-4-4-16,1-18 0 0,2-6-14 16,-4-2 3-1,1 1-1-15,-8-2 12 0,-2 7 1 16,-2 4-1-16,-5 8 10 16,-1 4-5-16,-3 6 2 15,0 2 8-15,0 0-15 16,0 9-4-16,0 12 4 15,-9 3 1-15,5 4 10 16,4-3-11-16,0-4 0 16,0-1 3-16,0-7-3 15,6 0-3-15,5-3 2 16,3-6-18-16,3-4-6 16,6 0-55-16,6 0-64 15</inkml:trace>
+  <inkml:trace contextRef="#ctx0" brushRef="#br0" timeOffset="45456.41">31961 8324 254 0,'0'0'40'0,"0"0"-7"0,0 0 10 15,-105 102 3-15,67-65-3 16,1 0-25-16,-3 1-2 16,3 2-4-16,4-1-11 15,9-3-2-15,6-4 1 16,10-9-10-16,5-6-5 15,3-11-18-15,0-6-31 16,9 0-9-16,9-6-31 16</inkml:trace>
+  <inkml:trace contextRef="#ctx0" brushRef="#br0" timeOffset="45625.78">31733 8501 202 0,'0'0'141'0,"0"0"-128"16,0 0-5-16,0 0-5 15,0 0 9-15,0 0 15 16,-19 36-22-16,38-17-4 16,10-3-1-16,5-4 0 15,2-8-14-15,0-4-51 16,-1 0-97-16</inkml:trace>
+  <inkml:trace contextRef="#ctx0" brushRef="#br0" timeOffset="46044.22">32224 8081 307 0,'0'0'33'0,"0"0"-33"15,0 0 0-15,0 0 9 16,4 122-1-16,-4-76 2 15,0 8 3-15,0 5-10 16,-15 1 5-16,-16 0 1 16,-5-12 1-16,5-10 1 15,6-12-11-15,12-10 0 16,6-6 2-16,5-6-2 16,2-4-1-16,0 0 1 15,0 0 0-15,12-2 7 16,5-3-7-16,-1-2 1 0,-1 7-1 15,-5 0 0-15,-2 0-1 16,-3 0-3-16,1 7 4 16,3 7 0-16,0 4 2 15,0 1 0-15,0 6 2 16,0-1 0-16,0 2-5 16,2-2 1-16,0-3-5 15,7-2-10-15,0-7-22 16,9-6-90-16</inkml:trace>
+  <inkml:trace contextRef="#ctx0" brushRef="#br0" timeOffset="46344.37">32581 8282 322 0,'0'0'46'0,"0"0"-35"16,0 0-8-16,0 0 17 15,0 0 14-15,0 0-13 16,-90 118-9-16,77-78 3 16,4 0-7-16,-2 0 9 15,7-2-17-15,2-3 1 0,2-8-4 16,0-3 0-16,2-5-9 15,17-6-9-15,6-7-5 16,2-3-16-16,4-3-39 16,2 0-91-16</inkml:trace>
+  <inkml:trace contextRef="#ctx0" brushRef="#br0" timeOffset="46674.83">32705 8620 321 0,'0'0'29'0,"0"0"-13"16,0 0 8-16,0 0-8 0,0 0-11 16,32-119 6-1,-17 92-10-15,-1-1 1 0,-6 2 2 16,-1 0 1-16,0 4 11 16,-5 1-14-16,-2 6 1 15,2 7 1-15,-2 4-1 16,0 4 2-16,0 0-5 15,0 0-8-15,0 18 8 16,0 9 4-16,0 8-4 16,-2 3 13-16,-2-2-10 15,4-2-1-15,-5-3-2 16,5-6 0-16,-5-2 0 16,3-6-1-16,2-7-22 15,0-4-30-15,0-4-29 16,12-2-124-16</inkml:trace>
+  <inkml:trace contextRef="#ctx0" brushRef="#br0" timeOffset="46866.96">33004 8646 302 0,'0'0'29'16,"0"0"-15"-16,0 0 4 15,0 0 10-15,0 0-8 0,-51 112-18 16,46-91 0 0,5-1-2-16,0-6-5 0,9-3-27 15,16-9-30-15,8 1-68 16</inkml:trace>
+  <inkml:trace contextRef="#ctx0" brushRef="#br0" timeOffset="47237.08">33445 8300 281 0,'0'0'24'15,"0"0"-1"-15,0 0 7 16,-141 33 12-16,108-4-15 16,4 8-21-16,7 4 2 15,2 3 3-15,9 0 4 16,7-4-3-16,4-2-9 15,0-3-2-15,0-8-2 16,4-4 1-16,7-6-16 0,2-4-12 16,3-3-14-1,9-6-40-15,4-4-175 0</inkml:trace>
+  <inkml:trace contextRef="#ctx0" brushRef="#br0" timeOffset="47556.79">33501 8399 195 0,'0'0'127'16,"0"0"-114"-16,0 0-5 16,0 0 20-16,0 0-9 15,0 0-13-15,0 0-6 16,17-31 0-16,-15 41 0 0,4 11 11 15,-6 4-1-15,0 2 0 16,0 2 3-16,-6-2-2 16,-4-2 0-16,-1-1-4 15,-1-4-5-15,1 3 4 16,7-5-6-16,4-3 0 16,0 2 0-16,0-6-10 15,11-3 5-15,9-4-19 16,7-4-18-16,0 0-18 15,2-4-173-15</inkml:trace>
+  <inkml:trace contextRef="#ctx0" brushRef="#br0" timeOffset="48114.87">33672 8126 227 0,'0'0'26'0,"0"0"-4"16,0 0 17-16,0 0 4 15,0 0-27-15,0 0-10 16,-40 37 18-16,40-24-8 0,0 2-1 15,0 1-6-15,0 1-4 16,0-2 3-16,0 3-8 16,0 4 0-16,0-1 3 15,0 3-3-15,0-5 0 16,2 0-3-16,12-5 3 16,-1-7-3-16,8 0 3 15,-6-7 0-15,1 0 5 16,-1 0-4-16,-1-2-1 15,-1-10-9-15,-9-2-4 16,0 2 10-16,1 0 0 16,-5 3 3-16,3 4-2 15,-3 5 2-15,0 0-5 0,0 0-11 16,-6 16 16-16,-9 10 6 16,-1 8-4-16,8 6 3 15,-1 4 10-15,7 2-8 16,2 2-3-16,0 0 0 15,0 2-4-15,0-4 5 16,0-3-5-16,0-3-1 16,0-7-2-16,0 0-8 15,0-1-16-15,-4-6-92 16</inkml:trace>
+</inkml:ink>
+</file>
+
+<file path=ppt/ink/ink3.xml><?xml version="1.0" encoding="utf-8"?>
+<inkml:ink xmlns:inkml="http://www.w3.org/2003/InkML">
+  <inkml:definitions>
+    <inkml:context xml:id="ctx0">
+      <inkml:inkSource xml:id="inkSrc0">
+        <inkml:traceFormat>
+          <inkml:channel name="X" type="integer" max="32767" units="cm"/>
+          <inkml:channel name="Y" type="integer" max="32767" units="cm"/>
+          <inkml:channel name="F" type="integer" max="1023" units="deg"/>
+          <inkml:channel name="T" type="integer" max="2.14748E9" units="dev"/>
+        </inkml:traceFormat>
+        <inkml:channelProperties>
+          <inkml:channelProperty channel="X" name="resolution" value="2155.72363" units="1/cm"/>
+          <inkml:channelProperty channel="Y" name="resolution" value="3449.15796" units="1/cm"/>
+          <inkml:channelProperty channel="F" name="resolution" value="2.84167" units="1/deg"/>
+          <inkml:channelProperty channel="T" name="resolution" value="1" units="1/dev"/>
+        </inkml:channelProperties>
+      </inkml:inkSource>
+      <inkml:timestamp xml:id="ts0" timeString="2023-05-12T10:26:41.170"/>
+    </inkml:context>
+    <inkml:brush xml:id="br0">
+      <inkml:brushProperty name="width" value="0.05292" units="cm"/>
+      <inkml:brushProperty name="height" value="0.05292" units="cm"/>
+      <inkml:brushProperty name="color" value="#FF0000"/>
+    </inkml:brush>
+  </inkml:definitions>
+  <inkml:trace contextRef="#ctx0" brushRef="#br0">24818 695 258 0,'0'0'48'0,"0"0"-24"16,0 0-18-16,0 0 7 15,0 0-3-15,0 0 1 16,0 0 2-16,0 0-4 15,9-76 15-15,-5 70-19 16,-2 2 4-16,4 3 8 16,-6 1-2-16,0 0-1 15,0 0-14-15,0 0 4 16,0 3-8-16,8 17 10 16,1 8-6-16,2 8 8 15,-2 5-8-15,-5 3 15 16,1 0-14-16,-5 3 6 15,0 3 8-15,0 3-14 16,0-1 0-16,-5 0-1 0,-13-3 5 16,-3-3-3-16,-4-6-2 15,2-8 0-15,3-10 3 16,5-7-3-16,8-9 0 16,3-5 0-16,4-1 3 15,-3 0 2-15,1 0-5 16,-5-7 0-16,3-10-6 15,0 1 6-15,4-2-2 16,0 2 0-16,0 2 2 16,0 0 0-16,0 2 0 15,0 0 0-15,0 1 5 16,6 4-5-16,1 1 0 0,7 4 0 16,-1 2 0-1,5 0-1-15,1 0-1 0,-1 8 2 16,5 20-5-16,-4 14 5 15,-3 10 0-15,-3 14 2 16,-5 4-1-16,-8 3 13 16,0 1-11-16,0-4 0 15,-12-4 17-15,-1-12-18 16,1-10 1-16,6-14 1 16,2-6-3-16,-1-7-1 15,-1-1 0-15,-4 0 0 16,-5-1-6-16,-3 8-40 15,-4-11-110-15</inkml:trace>
+  <inkml:trace contextRef="#ctx0" brushRef="#br0" timeOffset="687.97">25498 780 341 0,'0'0'76'16,"0"0"-55"-16,0 0 22 0,0 0-11 15,0 0-6-15,0 0-15 16,0 16-3-16,-3 12-5 15,1 12-3-15,-2 0 0 16,4-4 0-16,0-5 0 16,0 3 0-16,0-6-5 15,11 0-21-15,2-5-54 16,-2-2-71-16</inkml:trace>
+  <inkml:trace contextRef="#ctx0" brushRef="#br0" timeOffset="894.68">25641 882 152 0,'0'0'295'0,"0"0"-262"16,0 0-29-16,0 0-2 16,0 0-2-16,0 0-4 15,21-11 2-15,-3 26 2 16,7 3 0-16,-8 2-10 15,2 0-36-15,-2 2-48 16,1-5-50-16</inkml:trace>
+  <inkml:trace contextRef="#ctx0" brushRef="#br0" timeOffset="1198.46">26133 932 408 0,'0'0'19'0,"0"0"-17"15,-54 106-2-15,27-49 0 16,-2 6 29-16,0 6-5 16,5-1-6-16,6-4-7 15,7-6-8-15,6-8 1 16,5-7-4-16,0-9 0 15,12-8-1-15,7-6 1 0,4-6-4 16,4-8-2 0,4-6 2-16,9 0 4 0,5-10 0 15,1-19-28 1,-2-4-10-16,-1 1-54 0,-11-3-11 16</inkml:trace>
+  <inkml:trace contextRef="#ctx0" brushRef="#br0" timeOffset="1380.04">26133 1305 396 0,'0'0'29'0,"0"0"-20"0,0 0-9 16,0 0-1-16,0 0 1 16,0 0 0-16,44 0 6 15,-11 0-2-15,3-4-1 16,-3-18 3-16,-6-8-6 15,-11-6-70-15,-11-8-119 16</inkml:trace>
+  <inkml:trace contextRef="#ctx0" brushRef="#br0" timeOffset="1547.3">26071 874 392 0,'0'0'15'0,"0"0"-15"15,0 0 0-15,0 0 4 16,0 0-3-16,0 0-1 0,162-80-5 16,-102 69-39-16,0 8-33 15,-9 3-46-15</inkml:trace>
+  <inkml:trace contextRef="#ctx0" brushRef="#br0" timeOffset="1897.26">26408 970 206 0,'0'0'67'16,"0"0"-56"-16,0 0-9 0,0 0 3 16,-73 107 5-16,73-82-3 15,9 4 6-15,18-5-11 16,6-2 2-16,6 0 0 15,-2 2 9-15,-1 2-8 16,-1 4-5-16,-4 2 0 16,-4 1 2-16,-8-6-2 15,-9-3 0-15,-10-3 2 16,0 1 5-16,-8-4 27 16,-21 2-3-16,-10 2-18 15,-1-6 11-15,3 0-20 16,-3-2-4-16,9-6 0 15,8-2-4-15,9-6-18 16,14 0-29-16,0-10-25 0,14-17-53 16</inkml:trace>
+  <inkml:trace contextRef="#ctx0" brushRef="#br0" timeOffset="2334.85">26723 1439 145 0,'0'0'70'0,"0"0"-52"16,111 137-11-16,-80-86 7 15,-8 6 10-15,-7-5-14 16,-3-1 16-16,-5-7-2 16,-3-11-17-16,0-3-3 15,-5-11 2-15,0-9 9 0,0-6 9 16,0-4-3-16,0 0 17 16,-7-13 10-1,-13-16-48-15,0-15 0 0,2-14 1 16,-2-17 8-16,4-9-5 15,3-7-4-15,9-1 0 16,4 0 1-16,0 4-1 16,11 8-9-16,15 13 9 15,10 14 0-15,-3 12 2 16,-2 15-2-16,-2 15 0 16,-4 6-7-16,-2 5 6 15,-4 0-7-15,-3 20 4 16,-5 8 3-16,-5 3 0 15,-6 7-2-15,0 2 3 16,-6 0 5-16,-17-2-5 0,-2-5 0 16,-4-2 2-16,-3-1-1 15,1-4-1-15,4-6-1 16,3-4-35-16,11-9-23 16,10-7-55-16,3 0-129 15</inkml:trace>
+  <inkml:trace contextRef="#ctx0" brushRef="#br0" timeOffset="3152.63">27264 1107 413 0,'0'0'21'0,"0"0"-18"16,0 0 11-16,0 0 1 15,-115 62-11-15,95-29 2 16,1 6-6-16,6 2 0 15,5-4 1-15,6-5-1 16,2-6-1-16,0-5 1 16,0-10-4-16,15-4 0 15,3-7-7-15,-1 0 11 16,4-17-1-16,-2-13 12 16,-3-6-11-16,-3-6 3 15,-1 2-2-15,-8 0 1 16,0 4-2-16,1 5 0 15,1 4 6-15,2 6-6 16,-2 12 0-16,-2 5-1 16,-1 4 1-16,-1 4-6 0,2 23 2 15,0 14 4-15,4 5 18 16,-2-1-18-16,-1 3 0 16,1-9 3-16,6-5-3 15,1-7 2-15,5-9-2 16,-1-7 0-16,4-8-5 15,-2-3 8-15,4-3-3 16,6-22 6-16,0-14-3 16,2-7-3-16,-2-4-8 15,-2 4-16-15,-10 4 20 0,-1 11-6 16,-5 6 10 0,-1 11 0-16,-6 5 0 15,-4 9 0-15,0 0-3 0,0 15 3 16,0 19-2-16,0 8 3 15,0 2-1-15,0 0 3 16,0-8-1-16,0-3 0 16,0-10-2-16,6-7 0 15,7-4-2-15,5-6 2 16,-1-6-2-16,0 0 2 16,-1 0 2-16,-3-18 3 15,5-10 2-15,2-10-5 16,2-6 2-16,5-2-4 15,0 0-2-15,0 9 2 16,-8 10 0-16,-3 11 0 0,-7 10-2 16,-7 6 2-1,-2 0-5-15,0 4-2 0,0 20 7 16,2 8 7-16,2 7 8 16,1 0-4-16,2-5-6 15,0-5-3-15,1-4 12 16,4-5-14-16,-5-6 0 15,3-6 0-15,-1-6 0 16,1-2-19-16,0 0-55 16,-5-24-97-16</inkml:trace>
+  <inkml:trace contextRef="#ctx0" brushRef="#br0" timeOffset="3367.81">27338 950 457 0,'0'0'34'0,"0"0"-30"16,113-16-2-16,-30 3 2 16,6 6-4-16,5 1 0 15,1 0-8-15,1 2-4 16,-7 4-57-16,-10 0-38 15,-17 0-137-15</inkml:trace>
+  <inkml:trace contextRef="#ctx0" brushRef="#br0" timeOffset="3814.36">28390 966 189 0,'0'0'181'16,"0"0"-176"-16,0 0 9 16,0 0-9-16,-135 76 11 15,93-30 10-15,7 5 5 0,4 1-11 16,6 1-16-16,10-6-4 16,5-9 11-1,10-8-11-15,0-13-4 0,14-11 3 16,15-6 1-16,5 0 14 15,-3-9-9-15,-2-20-4 16,-4-13 7-16,-2-1-8 16,-2-1-2-16,-8 2 2 15,-4 10 1-15,-9 10 1 16,0 8-2-16,0 8 0 16,0 6 33-16,0 0-30 15,0 0-3-15,0 2 0 16,0 20 2-16,7 7 1 15,6 4-3-15,5-5 0 16,2-2-6-16,0-2 6 0,0-5-10 16,-5-7-13-16,-5-5-25 15,-2-6-16-15,-1-1-70 16</inkml:trace>
+  <inkml:trace contextRef="#ctx0" brushRef="#br0" timeOffset="4108.89">28608 567 259 0,'0'0'250'16,"0"0"-229"-16,0 0-21 16,0 0-2-16,0 0 2 15,0 0-3-15,0 113 3 16,0-66 4-16,0-5-4 16,2-11-1-16,7-10-1 15,3-9-20-15,0-7-30 16,5-5-40-16,-2 0-16 15</inkml:trace>
+  <inkml:trace contextRef="#ctx0" brushRef="#br0" timeOffset="4277.97">28835 505 433 0,'0'0'44'0,"0"0"-42"15,0 0 3-15,0 121 2 16,0-76 9-16,0 1 9 15,0 1-25-15,2-1-2 16,2-2-11-16,2 0-126 16</inkml:trace>
+  <inkml:trace contextRef="#ctx0" brushRef="#br0" timeOffset="4676.3">29042 988 533 0,'0'0'34'0,"0"0"-32"16,0 0-1-16,0 0-1 16,0 0-23-16,0 0-12 0,-53 50-74 15,50-18-76 1</inkml:trace>
+  <inkml:trace contextRef="#ctx0" brushRef="#br0" timeOffset="4832.97">28960 1403 122 0,'0'0'454'0,"0"0"-423"0,0 0-24 15,0 0 13-15,0 0 7 16,0 0-24-16,-63 5-3 16,63-5-65-16,16-9-136 15</inkml:trace>
+  <inkml:trace contextRef="#ctx0" brushRef="#br0" timeOffset="5949.92">29647 802 274 0,'0'0'77'0,"0"0"-50"16,0 0 1-16,0 0 13 16,0 0 0-16,0 0-12 15,21-33-3-15,12 20-26 16,8 3 18-16,3 2-18 15,1 2 0-15,0 0 3 16,0 4-3-16,-5-2 0 16,-5 1-1-16,-4 2-9 15,-10 1 4-15,-15 0-41 16,-4 0-50-16,-2 0-12 16,-6 0-90-16</inkml:trace>
+  <inkml:trace contextRef="#ctx0" brushRef="#br0" timeOffset="6315.29">29736 820 288 0,'0'0'32'0,"0"0"-32"15,0 0 0-15,-8 151 51 16,0-81-17-16,-3 8 9 15,-5 8-9-15,-1 5-9 16,0 1-4-16,-1-6-4 16,1-8-10-16,3-9 9 0,1-8-16 15,5-9 0 1,3-10 3-16,3-8-3 0,2-10 1 16,0-9-1-16,0-4 0 15,0-7-3-15,0 1 3 16,0-1-8-16,15-3 8 15,3-1 4-15,4 0 3 16,7 0-7-16,2 0 2 16,5 0-8-16,0-3 0 15,2-1-49-15,-5-3-65 16,-4-2-218-16</inkml:trace>
+  <inkml:trace contextRef="#ctx0" brushRef="#br0" timeOffset="7097.44">30233 1346 479 0,'0'0'40'0,"0"0"-36"16,0 0 5-16,0 0 15 15,0 0-6-15,0 0 7 16,54-123-20-16,-22 77 0 16,-8 0 0-16,1-2-3 0,-5 3 0 15,-4 5-2 1,0 8 0-16,-3 8 0 0,-5 9 0 16,-3 8 0-16,-2 6-1 15,-3 1 1-15,0 0-2 16,0 0-3-16,0 2 5 15,2 21 1-15,4 4 0 16,-1 4-1-16,-1 1 5 16,0 0-4-16,-2 3-1 15,-2 3 0-15,3 0 0 16,-3 4 1-16,3 0-1 16,-3-4-22-16,2-1-55 15,4-8-27-15,5-6-50 16</inkml:trace>
+  <inkml:trace contextRef="#ctx0" brushRef="#br0" timeOffset="7307.24">30867 1288 310 0,'0'0'120'0,"0"0"-107"16,0 0-6-16,0 0-4 15,0 0 0-15,0 0-3 16,0 77 6-16,0-54-6 16,0-3 0-16,2-7-4 15,2-1-41-15,-4-6-20 0,6-4-63 16</inkml:trace>
+  <inkml:trace contextRef="#ctx0" brushRef="#br0" timeOffset="7677.83">31197 1133 349 0,'0'0'80'16,"0"0"-52"-16,0 0-18 16,0 0-10-16,0 0 5 15,0 0 1-15,-4 90-5 16,1-54 12-16,3-4-10 0,0-4-3 15,0-6 12 1,9-5-7-16,7-8-3 0,-1 0 1 16,4-9-1-16,-2 0 8 15,1 0-7-15,5-25-2 16,-6-7 11-16,-3-5-9 16,-1-4 0-16,-11 1-3 15,-2 3 2-15,0 6 8 16,0 3-9-16,-11 4 2 15,-5 1 3-15,-1 3-6 16,-4 5-2-16,1 3-13 16,-5 6-30-16,4 3-6 15,0 3-82-15,4 0-153 16</inkml:trace>
+  <inkml:trace contextRef="#ctx0" brushRef="#br0" timeOffset="8132.71">31384 611 310 0,'0'0'102'0,"0"0"-99"16,0 0-1-16,0 0 13 15,0 0 20-15,141-115-22 16,-95 96-3-16,1 5 2 15,-7 3-10-15,-6 5 1 0,-12 6-3 16,-9 0 3-16,-7 5-4 16,-3 23 5-16,0 14 1 15,-3 14 12-15,0 9-2 16,0 9-9-16,0-1 3 16,0 7-7-16,2-1 6 15,15-1-8-15,4 1 0 16,1-3 3-16,0-8-3 15,-2-2 1-15,3-5-1 16,-10-7 0-16,1-8 2 16,-4-6-2-16,-5-6 0 15,-3-8 2-15,-2-4-2 0,0-4 4 16,-27 2 11 0,-11-4-2-16,-8 1 7 15,-3-6-19-15,1-5 4 0,8-4 2 16,9-2-7-16,4 0-3 15,8 0-52-15,3 0-135 16</inkml:trace>
+  <inkml:trace contextRef="#ctx0" brushRef="#br0" timeOffset="8461.81">32184 1482 507 0,'0'0'113'16,"0"0"-113"-16,0 0 2 0,0 116-2 15,0-74 3 1,-15 4-1-16,-6 6 2 0,-3 2-4 16,-10 3-99-16,-10-10-334 15</inkml:trace>
+  <inkml:trace contextRef="#ctx0" brushRef="#br0" timeOffset="9370.57">26159 2396 403 0,'0'0'33'16,"0"0"-29"-16,0 0 16 15,0 0-9-15,0 0 13 16,0 0-12-16,-20-8-10 16,20 28 3-16,0 8-4 15,0 5 4-15,0 0 5 16,0 2-10-16,0-2 0 16,0-1 0-16,0-2 1 15,0-1-4-15,0-8-25 16,0-7-50-16,3-8-44 15,14-6-60-15</inkml:trace>
+  <inkml:trace contextRef="#ctx0" brushRef="#br0" timeOffset="9547.1">26327 2484 389 0,'0'0'95'15,"0"0"-82"-15,0 0-13 16,0 0 13-16,0 0-5 15,0 0-3-15,-9 53-5 16,4-16 1-16,2 6-3 16,1 4 2-16,2 0-18 15,0-7-53-15,0-6-67 0</inkml:trace>
+  <inkml:trace contextRef="#ctx0" brushRef="#br0" timeOffset="10800.42">26678 2519 213 0,'0'0'22'16,"0"0"-22"-16,0 0 0 16,0 0 2-16,0 0-2 15,0 0 0-15,2-12-34 16,-2 12 17-16,0 0 15 16,0 0 4-16,0 0 2 15,0 0 27-15,0 0 2 16,0 0 0-16,0 0-14 0,0 0-8 15,0 1 17 1,0 17-15-16,0 16 18 0,0 14-4 16,0 13-6-16,0 9 9 15,0 2-22-15,0 0-4 16,-2-3 18-16,0-4-20 16,-2-5-1-16,2-5-1 15,-1-11 2-15,1-11 1 16,2-16-3-16,0-7 0 15,0-8 1-15,0-2 1 16,0 0 0-16,-2-10 6 16,-2-22-8-16,-4-16 1 15,0-10-1-15,-1-11 1 16,0-4-6-16,2-6 6 0,7 5-2 16,0 2-5-16,0 10 6 15,14 9 1-15,7 8-1 16,6 5-1-16,2 3 0 15,2 8 1-15,-1 4-2 16,1 6-19-16,-4 8-28 16,-5 7 11-16,-7 4-70 15,-5 0-69-15</inkml:trace>
+  <inkml:trace contextRef="#ctx0" brushRef="#br0" timeOffset="11010.77">26565 2863 315 0,'0'0'18'0,"0"0"-18"0,0 0-3 16,0 0 3-16,0 0 7 15,113-40-7-15,-72 19 1 16,-1 0-8-16,-3-3-10 15,-5 6-18-15,-8 4-32 16,-11 10-50-16</inkml:trace>
+  <inkml:trace contextRef="#ctx0" brushRef="#br0" timeOffset="11798.34">26865 2994 147 0,'0'0'1'0,"0"0"9"16,0 102 9-16,5-72 5 15,2-6-1-15,-5-4-9 16,0-6-1-16,-2-6-10 16,0-8 4-16,0 0 25 15,0 0 24-15,0-2-2 16,0-18-54-16,0-6 5 16,0-4 0-16,0-2-5 15,0-2-3-15,0-2 1 16,18 3 2-16,8 3-6 15,3 4 2-15,3 2 8 16,1 2-8-16,-4 4 0 0,2 4-8 16,-2 4 11-16,-2 2-7 15,-2 4 1-15,-5 2-2 16,-9 2 7-16,-5 0-4 16,-6 0 5-16,0 0-6 15,0 6 7-15,0 12 4 16,-20 10 3-16,-4 6-6 15,0 4 1-15,-1 0 1 16,8-1-3-16,3-7 0 16,9-4-1-16,3-2 1 15,2-5-2-15,0-4 0 16,0-3-1-16,9-6 1 0,5-2-1 16,1-4 2-1,1 0 1-15,-1-8 5 0,-1-17-1 16,-1-2-4-16,-2-9-3 15,-2-3 1-15,0 1-2 16,-5-1 4-16,3 2 7 16,-1 6-7-16,0 6 6 15,0 7 5-15,-4 8-8 16,0 6 12-16,-2 4-14 16,0 0 0-16,2 0-2 15,3 16 2-15,-1 10 1 16,4 7 5-16,-2 2-7 15,-2 3 7-15,3-3-7 0,-3-5 0 16,0-6 1-16,2-9-1 16,-2-4 0-16,-2-5 0 15,0-6 1-15,3 0-2 16,1 0 1-16,-2-11 0 16,8-14 17-16,-1-10-17 15,3-3-2-15,-3 0-1 16,-5 4 3-16,-2 10-3 15,-4 12 3-15,0 6-17 16,0 2-8-16,0 4-4 16,-10 0 3-16,-6 0 1 15,-2 4-46-15</inkml:trace>
+  <inkml:trace contextRef="#ctx0" brushRef="#br0" timeOffset="12413.79">26740 2513 6 0,'0'0'382'0,"0"0"-353"16,0 0-7-16,0 0-11 15,0 0-11-15,0 0 0 16,-48 138 17-16,38-58-9 16,2 6 5-16,4-2 2 15,1-3 1-15,1-11 0 16,0-12-13-16,2-12-3 15,0-14 7-15,0-13-7 16,0-12 0-16,0-5 1 16,0-2 1-16,0-9 44 0,0-29-36 15,9-23-1 1,7-15 3-16,5-11-10 16,2-7-2-16,2-6-2 15,1 1-4-15,6 10 2 0,-1 12-17 16,0 21 2-16,-2 18 19 15,-2 16-13-15,-10 15 12 16,-1 7 1-16,-3 0-2 16,-2 11-4-16,1 19 0 15,-8 12 6-15,-4 10 6 16,0 10-3-16,-27 5-3 16,-10 2 2-16,-13 2-2 15,-6-6 9-15,-1-9-9 16,6-6 0-16,8-11 2 15,15-10-2-15,11-14-5 16,15-10-31-16,2-5-46 0,2 0-70 16,23-5-10-16</inkml:trace>
+  <inkml:trace contextRef="#ctx0" brushRef="#br0" timeOffset="13127.31">27108 2889 343 0,'0'0'17'0,"0"0"-14"16,0 0-3-16,-131 123 0 16,104-81 11-16,10-4-2 15,7-7-5-15,10-4-2 16,0-8-2-16,0-6-7 15,16-3 7-15,4-6 4 16,2-4 7-16,5 0-10 16,2 0 11-16,0-16 1 15,0-8-11-15,-2-6-2 16,-7-2 0-16,-7-5 4 16,-8 1-4-16,-5 3 0 15,0 2 0-15,-2 7 11 16,-14 7 4-16,-2 4-12 0,0 9 6 15,-7 4 1 1,-2 0-7-16,-4 8-3 0,-4 12 0 16,4 5 0-16,7-1 0 15,10-4 0-15,12-4 0 16,2-5-9-16,0-1 8 16,22-5-14-16,10-5-3 15,5 0 13-15,5-5-3 16,5-14-1-16,0-7-14 15,-2 1-3-15,-3 1 18 16,-7 6-5-16,-10 6 12 16,-7 2 1-16,-5 9 19 15,-4 1-2-15,-2 0-10 16,0 1-6-16,-1 19 18 0,1 9-9 16,2 2-3-16,-4 7 8 15,-3 1-14-15,2-3 4 16,-4-5-4-16,0-8 1 15,0-6 2-15,0-10-1 16,0-6 0-16,0-1 31 16,0 0 4-16,-2-15 3 15,-7-20-36-15,2-7-1 16,5-11 7-16,2-7-8 16,0-5-3-16,0-3 3 15,16 4-3-15,3 8 0 16,2 7-7-16,-1 12-31 15,7 9-52-15,0 10-57 16</inkml:trace>
+  <inkml:trace contextRef="#ctx0" brushRef="#br0" timeOffset="13679.97">27574 2195 456 0,'0'0'46'0,"0"0"-46"16,0 0-12-16,0 0 12 15,0 0 0-15,49 145 12 0,-20-72-4 16,2 4-7-16,-4 11 19 16,-7-2-20-16,-4 2 4 15,-10-2-1-15,-6-11-2 16,0-15 2-16,0-17-3 15,0-20 0-15,0-14-1 16,0-9 2-16,0 0-2 16,0-16 0-16,2-22-21 15,14-15-8-15,8-3 11 16,5 0 0-16,2 10-4 16,1 12 2-16,-8 12 18 15,-6 14 3-15,-7 8 0 16,-4 0 4-16,-5 8-3 0,1 20 7 15,-1 11 25 1,-2 5-17-16,0 1-5 0,0-1-5 16,0-4-4-16,2-9 7 15,7-12-7-15,0-7-2 16,0-8 15-16,-2-4-15 16,1 0 15-16,6-23 22 15,4-20-18-15,2-8-8 16,-1-6-11-16,-5 3 0 15,-5 10 0-15,-5 4 0 16,0 10-2-16,-1 8-13 16,2 4-22-16,1 6-15 15,5 5-54-15,3 7-68 16</inkml:trace>
+  <inkml:trace contextRef="#ctx0" brushRef="#br0" timeOffset="14227.8">28477 2704 188 0,'0'0'131'16,"0"0"-74"-16,0 0-16 15,0 0 15-15,0 0-15 16,0 0-27-16,-70-65-3 15,44 83-11-15,-3 16 0 0,0 6-1 16,2 6 2 0,9-4-2-16,5-2 1 0,7-10 0 15,6-7-7-15,0-9 7 16,0-8-9-16,15-5-12 16,9-1 4-16,8-1 17 15,5-19-35-15,1-1 17 16,0 1-10-16,-4 6-4 15,-10 8 18-15,-6 6 10 16,-2 0 0-16,-3 14 4 16,2 16 0-16,1 10 10 15,4 8 28-15,2 5-11 0,3 7-12 16,-3 4-7-16,-5 4-6 16,-3 2 5-1,-14 1-7-15,0-9 0 16,-14-5 10-16,-21-10-7 0,-7-9 6 15,-3-12 0-15,-1-10 8 16,4-14 16-16,-6-2-15 16,4-10-14-16,1-20 8 15,8-8-12-15,8-8-6 16,16-4-7-16,11-4-26 16,0-3 1-16,21 1-25 15,16 1-16-15,7 0 7 16</inkml:trace>
+  <inkml:trace contextRef="#ctx0" brushRef="#br0" timeOffset="14852.05">28891 2721 67 0,'0'0'275'15,"0"0"-261"-15,0 0-14 16,-125 18 22-16,98 0 4 15,5 6-3-15,7 4-4 16,2 4-19-16,7 0 0 16,6 2 0-16,0-6 0 0,0-4 0 15,2-7-3 1,12-8-4-16,1-5 5 0,4-4-5 16,1 0 7-16,4-12-4 15,1-8 4-15,-1 1-11 16,-6 4 11-16,-7 5 0 15,-6 4 2-15,-3 4-2 16,-2 2 0-16,0 0 18 16,0 0-17-16,0 4 5 15,0 16-2-15,0 0-1 16,0 4 0-16,0-3-3 16,0-3 0-16,0-7 1 15,6-7 1-15,10-4-2 0,-3 0 10 16,10-11 28-1,4-22-8-15,0-11-30 16,-3-10 3-16,-2-4 0 16,-6-8-3-16,-5-4-1 0,-7-4-2 15,-2 3-1-15,-2 7 4 16,0 12 0-16,0 16 0 16,0 18 3-16,-4 11-2 15,0 7-2-15,-3 7 2 16,-2 25 4-16,-2 18 0 15,2 11-5-15,3 7 0 16,6 2 4-16,0 2-4 16,0-5 0-16,2-4 4 15,11-15-4-15,3-11 0 0,1-14-3 16,-1-11-8-16,-3-8 11 16,1-4-30-1,-8 0-23-15,3-20-18 0,-3-10-113 16</inkml:trace>
+  <inkml:trace contextRef="#ctx0" brushRef="#br0" timeOffset="15062.76">29341 2316 408 0,'0'0'107'16,"0"0"-102"-16,0 0-5 0,0 0 0 15,0 0 0 1,0 0 0-16,0 98-1 0,0-74 0 16,7-5-3-16,3-5-42 15,4-7-56-15,-1-5-13 16,3-2-74-16</inkml:trace>
+  <inkml:trace contextRef="#ctx0" brushRef="#br0" timeOffset="15234.35">29577 2289 467 0,'0'0'0'0,"0"0"5"16,0 0-4-16,0 0-1 0,-13 115 0 16,13-81 3-16,0 2-3 15,0 6-31-15,0-6-140 16</inkml:trace>
+  <inkml:trace contextRef="#ctx0" brushRef="#br0" timeOffset="15407">29934 2507 489 0,'0'0'0'0,"0"0"-8"16,0 0-25-16,0 0-58 16,0 0-29-16</inkml:trace>
+  <inkml:trace contextRef="#ctx0" brushRef="#br0" timeOffset="15556.98">29882 2988 248 0,'0'0'140'16,"0"0"-140"-16,0 0 1 15,0 0-7-15,0 0-28 0,0 0-86 16</inkml:trace>
+  <inkml:trace contextRef="#ctx0" brushRef="#br0" timeOffset="15858.96">30553 2262 406 0,'0'0'92'16,"0"0"-92"-16,0 0 12 15,0 0-12-15,0 0 16 16,0 0-11-16,83-55-5 16,-62 51-1-16,4-4-16 15,-5 2-27-15,-5 0-62 16,-3 3-29-16</inkml:trace>
+  <inkml:trace contextRef="#ctx0" brushRef="#br0" timeOffset="16112">30495 2342 331 0,'0'0'29'0,"0"0"-6"0,-40 144 31 16,34-79-25-16,-2 5 7 15,8 8-14-15,0-2-15 16,0-2-7-16,0-7 11 16,0-12-11-16,0-10 0 15,0-11 1-15,0-8-1 16,0-10 0-16,5-6 0 16,6-6-7-16,7-4 3 0,4 0-12 15,9-4-45 1,5-16-22-16,5-12-131 15</inkml:trace>
+  <inkml:trace contextRef="#ctx0" brushRef="#br0" timeOffset="16463.79">31018 2492 366 0,'0'0'159'15,"0"0"-159"-15,0 0 0 16,0 0-5-16,0 0 13 16,-55 125-3-16,50-71 17 15,3-2-13-15,2-6 2 0,0-8-11 16,2-10 0-16,8-10 8 16,-1-8-8-16,1-10-6 15,6 0 6-15,13-25 25 16,7-25-2-16,4-17-23 15,-7-5 0-15,-13 0-6 16,-11 9 6-16,-9 13 0 16,0 12 2-16,-4 12-1 15,-17 12-2-15,-2 12 1 16,-10 2-4-16,-2 6 3 16,-3 24-68-16,9 13-55 15</inkml:trace>
+  <inkml:trace contextRef="#ctx0" brushRef="#br0" timeOffset="16651.68">31438 2841 323 0,'0'0'145'15,"0"0"-142"-15,0 0 5 16,0 0-8-16,0 0 1 15,0 0 5-15,0 108-6 16,0-94-3-16,0-6-72 16,0 0-54-16</inkml:trace>
+  <inkml:trace contextRef="#ctx0" brushRef="#br0" timeOffset="16949.29">31669 2658 303 0,'0'0'72'16,"0"0"-28"-16,35-106 9 16,-23 74 6-16,-1 8-35 15,3 4-3-15,-3 7 18 16,-3 4-35-16,-3 5 4 16,-2 4 6-16,-3 0-4 15,0 0-10-15,0 10-2 0,0 14 2 16,2 11 17-1,-2 6-17-15,0 3 0 16,0 3 3-16,0 1-3 16,0-6 0-16,0-6-17 0,0-8-37 15,6-14 7-15,1-6-37 16,-1-8-1-16,4 0-104 16</inkml:trace>
+  <inkml:trace contextRef="#ctx0" brushRef="#br0" timeOffset="17367.5">31830 2289 67 0,'0'0'353'0,"0"0"-335"0,0 0-3 16,0 0 27-16,36-107-23 15,-13 88-5-15,10 4 1 16,-2 0-13-16,-3 5 4 15,-4 2 6-15,-7 4-7 16,-7 4 1-16,-5 0-6 16,-1 0 0-16,3 4 2 15,0 14-2-15,2 12 0 16,-1 5 2-16,4 6-1 16,-3 8 0-16,-3 1-1 15,6 4 0-15,-1 2 2 16,-1 3-2-16,2 0 0 15,-3 3 1-15,-3-3-1 16,-1-2 2-16,-5-6-2 0,0-1 0 16,0-6 5-1,0-4-3-15,0-6 6 0,-9-3 5 16,-2-9-8 0,-1-2-3-16,6-8-2 0,2-4 0 15,-1-4-6-15,1-4-47 16,-4 2-31-16,0-2-78 15</inkml:trace>
+  <inkml:trace contextRef="#ctx0" brushRef="#br0" timeOffset="17619.79">32485 2825 136 0,'0'0'439'16,"0"0"-427"-16,0 0-7 16,0 0-5-16,-10 116 37 15,-9-68-28-15,-12 7-5 16,-17 3-4-16,-10 4-22 15,-10-2-123-15</inkml:trace>
+  <inkml:trace contextRef="#ctx0" brushRef="#br0" timeOffset="18436.09">26175 3832 452 0,'0'0'80'0,"0"0"-62"16,0 0-13-16,0 0-4 15,0 0 16-15,0 0-17 16,0 39 1-16,-4 7 0 15,-3 4-1-15,0-3 0 0,5-7 1 16,-1-3-1 0,3-11-3-16,0-4-46 0,0-7-36 15,0-8-42-15,14-7-126 16</inkml:trace>
+  <inkml:trace contextRef="#ctx0" brushRef="#br0" timeOffset="18615.4">26346 3928 425 0,'0'0'70'16,"0"0"-68"-16,0 0 5 15,0 0-5-15,0 0 1 16,0 125-3-16,0-77 3 0,0-1-2 16,0-3-1-16,0-1 0 15,14-7-23-15,1-9-36 16,-3 0-66-16,1-11-120 15</inkml:trace>
+  <inkml:trace contextRef="#ctx0" brushRef="#br0" timeOffset="19028.99">26709 4275 349 0,'0'0'31'0,"0"0"-24"16,-6 161-6-16,-5-94 0 15,1 2 46-15,0-3-32 16,-1-6-11-16,3-11-1 15,6-18-2-15,2-15-1 16,0-12-2-16,0-4 2 16,0-4 27-16,0-26 11 15,10-20-14-15,-1-14-19 16,1-14-5-16,6-18 0 16,-1-11 0-16,8 1 0 0,6 10-1 15,2 16 1-15,5 19-3 16,-3 17-1-16,-4 15 1 15,-2 10-7-15,-7 11-27 16,-5 8-19-16,-8 4-35 16,-7 30-76-16</inkml:trace>
+  <inkml:trace contextRef="#ctx0" brushRef="#br0" timeOffset="19198.88">26628 4463 54 0,'0'0'391'16,"0"0"-387"-16,0 0-8 0,0 0 8 16,0 0-4-16,131-27 2 15,-87 14-2-15,3-1-47 16,-1-2-56-16,-3 2-53 16</inkml:trace>
+  <inkml:trace contextRef="#ctx0" brushRef="#br0" timeOffset="20180.61">27108 4441 247 0,'0'0'4'0,"0"0"-1"0,5 151-3 16,-5-93 15 0,0 1 16-16,0-9-30 15,0-15 7-15,0-13 0 16,0-11 6-16,0-11-2 0,0 0 5 15,0-16 42-15,7-19-5 16,-1-9-52-16,3-8-2 16,0-5 0-16,2 4-2 15,5-1-3-15,2 8-8 16,4 4-12-16,12 3 12 16,5 7-21-16,11 3 18 15,3 6 13-15,0 4 3 16,-3 11 0-16,-13 3 0 15,-10 5 0-15,-9 0-7 16,-7 8 1-16,-8 18 3 0,-3 9 3 16,0 9 0-16,-17 6 0 15,-9 3 0-15,-6 0 0 16,1-3 1-16,2-2-1 16,2-6 0-16,10-8 1 15,11-12 0-15,3-9-2 16,3-10 0-16,5-3-2 15,22 0 0-15,10-26 6 16,3-8-6-16,5-12-5 16,-3-2-17-16,-2-2 25 15,-5 2-1-15,-3 3 2 16,-10 7 4-16,-4 8-3 0,-5 8 5 16,-4 10 20-16,-4 6-18 15,-3 6 12-15,3 0-21 16,1 8 5-16,5 21 11 15,1 11-1-15,-1 6-10 16,-5 5 2-16,-1 2-3 16,0-6 0-16,-3-6-4 15,2-9 0-15,0-14 0 16,1-6 0-16,1-8-3 16,0-4 2-16,4 0 1 15,5-30 7-15,8-9-7 16,2-8-18-16,4-3 7 15,-5 0-1-15,-2-1 9 16,1 5-2-16,-3 5-4 16,-5 7 7-16,-1 15 2 0,-8 9 0 15,-3 10-2-15,-3 0 2 16,0 15 0-16,0 18 14 16,0 11 10-16,0 3-13 15,2-3-11-15,2-6 0 16,5-8 2-16,5-8-2 15,1-8-2-15,1-5 0 16,4-9 2-16,0 0-2 16,6-21-7-16,6-13 9 15,-1-9-8-15,2-5-23 16,-4 4 22-16,-2 4 6 0,-4 10 3 16,-4 9 2-1,-5 10-2-15,-8 7 11 0,-1 4 15 16,-1 0-23-16,0 10-2 15,6 13 22-15,1 4-21 16,3-1-1-16,-4 4-1 16,3-3-8-16,-1-4-49 15,1-4-76-15</inkml:trace>
+  <inkml:trace contextRef="#ctx0" brushRef="#br0" timeOffset="20580.57">28775 4207 371 0,'0'0'67'0,"0"0"-65"15,0 0 10-15,0 0 31 16,0 0-16-16,0 0-19 16,-24 12-8-16,14 28 0 15,-3 8 2-15,-1-2-2 16,6-4 0-16,4-5 1 15,4-12-1-15,0-4 0 16,0-7-2-16,4-7 1 16,10-3-5-16,1-4-2 15,10 0-10-15,4-19 15 16,4-9-15-16,-4 0 1 0,-4 1-13 16,-8 8 20-1,-5 4 3-15,-6 7 7 0,-2 8 0 16,-4 0-1-16,3 6 3 15,-1 18 9-15,0 6 16 16,0 3-21-16,0-6 5 16,3-3-11-16,0-7 0 15,1-9 0-15,3-4 0 16,0-4-13-16,5 0-100 16,-4-16-214-16</inkml:trace>
+  <inkml:trace contextRef="#ctx0" brushRef="#br0" timeOffset="20731.63">29000 3984 462 0,'0'0'54'0,"0"0"-48"16,0 0-6-16,0 0 0 16,0 0-6-16,0 0-19 15,-2 6-27-15,24 17-71 16,3 2-35-16</inkml:trace>
+  <inkml:trace contextRef="#ctx0" brushRef="#br0" timeOffset="21111.6">29250 4229 180 0,'0'0'61'15,"0"0"-17"-15,0 0 17 0,0 0 13 16,0 0-46-16,0 0-16 15,-76 140-2-15,47-92 20 16,5 1-25-16,10-9 1 16,7-8-1-16,7-9-4 15,0-6-1-15,3-7-2 16,17-8 2-16,4-2-2 16,10-6 2-16,2-26-3 15,-3-10-6-15,-2-7-39 16,-9 1 8-16,-6 6 33 15,-8 6 7-15,0 12 28 16,-6 9-17-16,-2 11 11 0,0 4 6 16,0 0-21-16,0 4-4 15,2 21-2-15,2 7-1 16,3 4 12-16,1-2-12 16,6 0 0-16,1-3-1 15,4-5 1-15,0-6-44 16,-5-4-79-16,-3-9-73 15</inkml:trace>
+  <inkml:trace contextRef="#ctx0" brushRef="#br0" timeOffset="21336.7">29711 3782 470 0,'0'0'80'0,"0"0"-79"16,0 0-2-16,0 0-1 15,-2 118 2-15,2-84-2 16,0-2 2-16,0-2-20 16,0-3-29-16,4-8-32 0,3-7-67 15</inkml:trace>
+  <inkml:trace contextRef="#ctx0" brushRef="#br0" timeOffset="21512.46">29902 3859 445 0,'0'0'30'0,"0"0"-30"0,0 0 8 16,0 0 24-16,-49 121-18 15,47-85-14-15,2 1 0 16,0-3-5-16,2 0-15 15,16-4-93-15,5-8-128 16</inkml:trace>
+  <inkml:trace contextRef="#ctx0" brushRef="#br0" timeOffset="21872.78">30437 3930 594 0,'0'0'33'0,"0"0"-26"16,0 0 5-16,0 0 5 16,0 0-17-16,0 0-15 15,-44 29-9-15,21 16-41 16,6 4-46-16,5 1-18 15,6-2-47-15</inkml:trace>
+  <inkml:trace contextRef="#ctx0" brushRef="#br0" timeOffset="22012.68">30322 4407 239 0,'0'0'46'0,"0"0"11"0,0 0 12 16,0 0-18-16,0 0 15 15,0 0-36-15,-16 42-17 16,16-42-7-16,0 0-6 15,0 0 0-15,0 0-64 16,4-8-108-16</inkml:trace>
+  <inkml:trace contextRef="#ctx0" brushRef="#br0" timeOffset="22323.92">30805 3782 450 0,'0'0'38'16,"0"0"-36"-16,0 0 27 15,0 0 3-15,0 0-18 16,0 0-1-16,78-29-13 16,-43 29 0-16,1-1 1 15,-3-3-1-15,-8-1-14 0,-7 4-56 16,-11 1-75-16,-5 0-205 16</inkml:trace>
+  <inkml:trace contextRef="#ctx0" brushRef="#br0" timeOffset="22579.9">30852 3890 355 0,'0'0'23'15,"0"0"1"-15,-31 147 27 16,24-88-1-16,-2 8-1 16,2 4-33-16,-4 2-10 15,0-4 14-15,2-9-11 16,2-8 5-16,5-17-14 15,2-8 3-15,0-7 8 0,0-8-11 16,2-2-2-16,11-2 0 16,3-4 4-16,9-4-7 15,6 0-8-15,7 0-51 16,8-12-35-16,4-10-85 16</inkml:trace>
+  <inkml:trace contextRef="#ctx0" brushRef="#br0" timeOffset="22963.75">31330 4114 394 0,'0'0'128'0,"0"0"-115"15,0 0-7-15,0 0-6 16,0 0 0-16,0 0 21 15,-71 117-20-15,65-73-1 16,6 0 6-16,0-4-5 16,0-10 1-16,0-3-2 15,17-9 0-15,6-9-9 16,-1-9 7-16,5 0 2 16,0-17 3-16,-3-23 11 15,-8-11-14-15,-10-6-9 0,-6-6 1 16,0 1 2-1,-27 5 3-15,0 14 3 0,-2 6 13 16,4 13-4-16,0 10-7 16,2 7-2-16,1 7 0 15,2 7-5-15,9 22 1 16,4 2-59-16,7 1-29 16,2 2-65-16</inkml:trace>
+  <inkml:trace contextRef="#ctx0" brushRef="#br0" timeOffset="23130.75">31618 4285 365 0,'0'0'64'0,"0"0"-25"16,0 0 15-16,0 0-34 16,27 116-4-16,-25-96-11 15,5 0-1-15,-3-4 0 16,-2 0-4-16,3-1-2 15,-3-4-39-15,2-3-106 16</inkml:trace>
+  <inkml:trace contextRef="#ctx0" brushRef="#br0" timeOffset="23495.57">32017 4154 437 0,'0'0'139'0,"0"0"-135"16,0 0-4-16,0 0 2 15,0 0-2-15,-20 124 18 16,20-91-6-16,0-5-5 16,0-4-7-16,6-5 0 15,-1-6 1-15,-1-5-1 16,1-6-2-16,2-2-2 15,6-4 4-15,5-26 13 16,7-13-13-16,-2-7-11 16,-4-1 4-16,-11 6-13 15,-8 8 20-15,0 2 2 16,-8 6-1-16,-19 1 7 0,-7 1-6 16,-3 8-2-16,-3 2 8 15,-3 7-8-15,3 8-41 16,5 2-66-16,8 0-124 15</inkml:trace>
+  <inkml:trace contextRef="#ctx0" brushRef="#br0" timeOffset="23928.05">32072 3716 459 0,'0'0'64'0,"0"0"-64"15,0 0 27-15,0 0 11 16,141-63-30-16,-108 58-5 16,-6 0 8-16,-4 5-11 15,-8 0 0-15,-7 0 3 16,0 6 1-16,-4 21 10 15,3 6-7-15,-7 11-2 16,0 9 20-16,4 4-23 16,-2 0-1-16,5 1 2 15,-2 1-3-15,-1-4 3 0,-4 6-3 16,0-3 0 0,0 0 4-16,0-2-2 15,0-5-2-15,0-10 6 0,0-6-5 16,-4-11 0-16,-1-11-1 15,-2-4 0-15,3-8 4 16,-3-1-4-16,-9 0-2 16,-3-1-19-16,-10-15-40 15,4-9-81-15</inkml:trace>
+  <inkml:trace contextRef="#ctx0" brushRef="#br0" timeOffset="24680.13">32805 3421 523 0,'0'0'10'0,"0"0"0"0,0 0 10 15,0 0 24 1,0 0 6-16,0 0-23 0,5-23-27 16,-5 56-8-16,0 13 8 15,0 16 35-15,-11 10-34 16,-5 6 5-16,1 4 0 16,-1 1-3-16,3-5 0 15,4-12-3-15,5-11 0 16,4-13-2-16,0-14 2 15,15-10-2-15,7-6-1 16,5-12-4-16,4 0-3 16,3 0-12-16,-1-8-4 15,-6-2 26-15,-14 10-24 16,-7 0 17-16,-3 13 0 16,-3 28 7-16,0 9 2 15,0 14-2-15,0 6 0 16,0 9 5-16,0 4-1 0,0 4-4 15,-16 0 9-15,-15-4-3 16,-6-4 4-16,-6-8-10 16,3-6-3-16,4-7-1 15,7-10-75-15,2-16-132 16</inkml:trace>
+  <inkml:trace contextRef="#ctx0" brushRef="#br0" timeOffset="-135539.28">15556 794 411 0,'0'0'77'15,"0"0"-77"-15,0 0-15 16,0 0 14-16,0 0 2 16,0 0 3-16,47 123 12 15,-40-88-4-15,-3 3-3 16,-2 6 5-16,-2 3-7 15,0 3 6-15,-13 6 3 16,-16 3-6-16,-12 4 1 16,-5 4-8-16,-10-5-2 15,0-4 4-15,6-12-5 16,2-8 0-16,15-16 0 16,8-8 1-16,10-10 2 15,11-4-2-15,-1 0 3 0,2-7 4 16,3-23-5-16,0-7-3 15,0-7 0-15,19 1 0 16,-2 7-3-16,5 8 3 16,-3 13 0-16,0 2-1 15,-1 9 0-15,1 4-2 16,-2 0-2-16,5 8 0 16,3 19 5-16,-3 11-6 15,0 8 6-15,-6 11 5 16,-5 6-4-16,-7 1 15 15,-4 0-9-15,0-3-2 0,0-7 2 16,0-8-7-16,-2-8 0 16,-2-10 0-1,4-8 0-15,-2-8-4 0,2-10-19 16,0-2-46-16,0-3-42 16,0-28-138-16</inkml:trace>
+  <inkml:trace contextRef="#ctx0" brushRef="#br0" timeOffset="-135146.86">16048 766 518 0,'0'0'47'0,"0"0"-44"15,0 0-3-15,0 0 0 16,0 0 3-16,-4 126-2 16,0-70 1-16,1 1-2 15,3-5 1-15,0-8-2 16,0-14-1-16,0-10-15 16,13-13-10-16,1-7-38 15,6-1-15-15,2-33-44 16</inkml:trace>
+  <inkml:trace contextRef="#ctx0" brushRef="#br0" timeOffset="-134963.5">16233 830 273 0,'0'0'207'15,"0"0"-144"1,0 0-58-16,0 0 8 0,0 0 1 16,0 0-4-16,0 0-9 15,0 10-1-15,0 13-3 16,0 0 2-16,0 1-13 15,0-4-18-15,0-4-23 16,7-4-30-16,7-1-9 16,5-10-83-16</inkml:trace>
+  <inkml:trace contextRef="#ctx0" brushRef="#br0" timeOffset="-134686.4">16465 863 271 0,'0'0'99'0,"0"0"-79"0,0 0-7 16,0 0 17-16,-18 123 19 16,3-63-14-16,-5 7-10 15,1 7-12 1,4 0-6-16,3-3 4 0,8-4-8 16,4-4 0-16,0-6-3 15,0-10 1-15,2-7-2 16,17-8 1-16,-1-7 0 15,1-8 0-15,4-7-7 16,-1-6-7-16,4-4-1 16,3 0 3-16,6-25 5 15,2-12-27-15,3-12-39 16,0-1-58-16</inkml:trace>
+  <inkml:trace contextRef="#ctx0" brushRef="#br0" timeOffset="-134518.77">16565 1430 419 0,'0'0'22'0,"0"0"-20"16,0 0 18-16,0 0 22 15,0 0-29-15,0 0-1 16,-24 8-11-16,50-19 6 16,12-15-2-16,9-12-5 15,0-8-23-15,-2-4-67 0,-5 0-61 16</inkml:trace>
+  <inkml:trace contextRef="#ctx0" brushRef="#br0" timeOffset="-134322.33">16441 1041 327 0,'0'0'125'0,"0"0"-67"16,0 0-23-16,0 0 8 15,0 0-31-15,0 0-3 16,-3-121-2-16,35 101-7 15,7 0-1-15,9 3 0 16,9-2-4-16,3 7-8 16,2 6-22-16,-4 6-85 15,-13 0-35-15</inkml:trace>
+  <inkml:trace contextRef="#ctx0" brushRef="#br0" timeOffset="-133968.61">16971 1038 350 0,'0'0'26'0,"0"0"-15"15,0 0 0-15,0 0 18 16,0 0-17-16,-121 7-10 16,104 12 2-16,7 8-4 15,10 1 0-15,0 2 4 16,0 2-2-16,10 0 0 15,16 1-2-15,5-2 0 16,10-1 4-16,3-4-4 0,3 0 0 16,-5-2 5-16,-6 1-5 15,-14 0 0-15,-13 4-2 16,-9 5-5-16,-4-3 7 16,-30 4 9-16,-6-5-5 15,-5-3 10-15,1-8-5 16,4-7-6-16,6-4-2 15,12-8-1-15,6 0-4 16,10-6-47-16,6-19-53 16,0-4-223-16</inkml:trace>
+  <inkml:trace contextRef="#ctx0" brushRef="#br0" timeOffset="-133528.91">17316 1702 297 0,'0'0'8'0,"37"132"0"16,-18-70 21-16,-11-7 10 15,-2-5-12-15,-6-7-6 16,0-10-3-16,0-11-16 16,0-12 1-16,-19-10 33 15,-8 0 11-15,-10-30-35 16,-8-22-12-16,3-17 1 15,4-18 8-15,7-15-9 0,15-9 2 16,14 5 1-16,2 7-1 16,4 15-1-1,21 11-1-15,4 15 2 0,4 9-4 16,0 12 1-16,1 12 1 16,-5 12 0-16,-2 13 0 15,0 0-2-15,-7 9 1 16,-7 23-9-16,-7 8 5 15,-6 9 3-15,-2 1 2 16,-29 0 9-16,-9-3-1 16,-2 1-7-16,-3-5 1 15,7-13-1-15,12-9-2 16,11-12 1-16,5-9-9 16,10 0-22-16,0-10-55 15,4-16-107-15</inkml:trace>
+  <inkml:trace contextRef="#ctx0" brushRef="#br0" timeOffset="-133088.09">17695 1199 34 0,'0'0'390'16,"0"0"-356"-16,0 0-14 15,0 0 16-15,0 0-21 16,0 0 9-16,-109 53-20 15,77-11 4-15,3 2 0 16,5 4-8-16,6 2 0 16,7 3 0-16,4 4 1 0,7-11-2 15,0-6 1-15,5-14-3 16,19-14 0-16,-1-8 1 16,-2-4-1-16,-2-4 2 15,-3-26 1-15,-1-12-11 16,-4-12-2-16,-2 2 8 15,-5 1 5-15,1 11-1 16,-5 6 1-16,0 3 1 16,2 4-1-16,2 6 1 15,1 6-1-15,0 9 0 16,-1 6 7-16,-2 0-7 16,5 12-4-16,1 22 0 0,2 8 4 15,-3 4 4-15,-1 2-1 16,5-5-3-16,5-9 1 15,1-10-1-15,6-8-11 16,1-11-29-16,1-5-71 16,2-1-176-16</inkml:trace>
+  <inkml:trace contextRef="#ctx0" brushRef="#br0" timeOffset="-132715.21">18034 1187 519 0,'0'0'45'16,"0"0"-44"-16,0 0-1 16,0 0 0-16,0 0 0 15,-8 152 13-15,0-86-12 16,1 3 3-16,1-16-4 16,4-6 0-16,2-19 0 15,0-10-2-15,0-8 2 16,6-8 0-16,5-2 4 15,5-8-4-15,3-22 9 16,6-12-9-16,2-4 2 16,-2-1-2-16,-4 8 0 15,0 10 1-15,-5 9 0 16,-5 10 0-16,-3 8-1 0,2 2-2 16,-4 0 0-1,1 21-2-15,-1 2 4 0,-1 0 0 16,0 0 3-16,-3-5-3 15,-2-8 0-15,2-5-5 16,-2-5-28-16,0 0-47 16,0-8-51-16</inkml:trace>
+  <inkml:trace contextRef="#ctx0" brushRef="#br0" timeOffset="-132492.77">17940 1057 359 0,'0'0'183'0,"0"0"-158"0,0 0-5 16,0 0 30-16,0 0-30 15,0 0-11-15,13-20-9 16,27 17 2-16,7 3-4 16,9 0 1-16,1 0-7 15,1 0-10-15,-2-1-42 16,-4-4-36-16,-6 5-73 15</inkml:trace>
+  <inkml:trace contextRef="#ctx0" brushRef="#br0" timeOffset="-132124.02">18459 1139 327 0,'0'0'45'16,"0"0"-44"-16,0 0 13 15,0 0 15-15,0 0 24 16,-40 138-22-16,25-90-13 15,-3 9 6-15,5-1-5 16,1-11-12-16,10-4 1 16,2-17-8-16,0-10 0 15,16-6 0-15,3-8 1 16,-1 0-1-16,3-16-4 16,-4-18 4-16,1-9-1 15,-3-2 0-15,-3-5-1 16,-3 7 2-16,-3 6 0 15,-1 17 6-15,-3 7 5 16,-2 11 4-16,0 2 17 0,0 0-23 16,2 0-9-16,0 8-8 15,5 13 8-15,4 10 5 16,2 5-5-16,1 2 1 16,3-1-1-16,-1-5 0 15,5-6-4-15,-6-12-26 16,3-5-41-16,-3-9-59 15,1-3-40-15</inkml:trace>
+  <inkml:trace contextRef="#ctx0" brushRef="#br0" timeOffset="-131884.79">18691 588 295 0,'0'0'307'0,"0"0"-303"16,0 0-4-16,0 0 0 15,0 0-3-15,33 106 3 16,-22-67 0-16,-1-1 1 16,-6-7-1-16,-2-9-4 15,0-13-6-15,3-9-34 16,-1 0-46-16,8-21-59 0</inkml:trace>
+  <inkml:trace contextRef="#ctx0" brushRef="#br0" timeOffset="-131738.91">18691 588 410 0,'158'38'47'0,"-158"-11"-34"16,-2 2 10-16,2-1-5 15,0 1-16-15,2 1 4 16,14-3-6-16,1-4-87 15,4-15-193-15</inkml:trace>
+  <inkml:trace contextRef="#ctx0" brushRef="#br0" timeOffset="-131561.84">19214 870 599 0,'0'0'0'16,"0"0"-12"-16,0 0-45 15,0 0 10-15,0 0-7 16,0 0-215-16</inkml:trace>
+  <inkml:trace contextRef="#ctx0" brushRef="#br0" timeOffset="-131413.22">19177 1503 380 0,'0'0'50'0,"0"0"-42"15,0 0 4-15,0 0 0 16,0 0-12-16,0 0 0 16,-8-7-80-16,27-18-167 15</inkml:trace>
+  <inkml:trace contextRef="#ctx0" brushRef="#br0" timeOffset="-131114.95">19624 808 511 0,'0'0'61'16,"0"0"-58"-16,0 0-3 16,0 0 5-16,0 0-5 0,147 0 1 15,-109-2-3 1,-9-2 2-16,-11 0-24 0,-11-5-33 15,-5 2-20-15,-2-4-10 16</inkml:trace>
+  <inkml:trace contextRef="#ctx0" brushRef="#br0" timeOffset="-130855.85">19671 914 382 0,'0'0'52'16,"0"0"-46"-16,-51 127 23 15,42-73 13-15,3 9-7 16,-4 8-12-16,1 7-13 16,-7 3 5-16,-1-3-9 15,1-8 11-15,3-10-3 0,9-12-12 16,4-12 7 0,0-9-7-16,0-10-1 0,15-5 1 15,1-6-2-15,7-4-3 16,6-2-8-16,4 0-4 15,7-14-11-15,4-18-96 16,3-8-245-16</inkml:trace>
+  <inkml:trace contextRef="#ctx0" brushRef="#br0" timeOffset="-130487.55">20166 1121 547 0,'0'0'50'0,"0"0"-50"0,0 0-3 15,0 0 3-15,0 0 8 16,0 140 3-16,0-90-10 16,0-6 1-16,0-5-2 15,6-12 0-15,11-9 0 16,0-8 0-16,3-10 4 15,7 0-4-15,-3-17 2 16,0-21-5-16,-5-15 3 16,-13-3-2-16,-6-2-4 15,0 2 1-15,-18 6 5 16,-4 10-4-16,2 10 4 0,2 13 5 16,3 11-5-16,2 6-7 15,-1 0 7-15,1 6-5 16,1 15 5-16,6 7-25 15,6-3-73-15,0-5-52 16</inkml:trace>
+  <inkml:trace contextRef="#ctx0" brushRef="#br0" timeOffset="-130326.34">20596 1321 352 0,'0'0'52'16,"0"0"2"-16,0 0-23 0,33 112-10 15,-28-87 14-15,-3-6-29 16,-2-2-5-16,0-8-1 16,2-4-14-16,0-5-93 15,7-2-233-15</inkml:trace>
+  <inkml:trace contextRef="#ctx0" brushRef="#br0" timeOffset="-129956.14">21086 1099 224 0,'0'0'371'0,"0"0"-357"0,0 0-9 16,0 0-5-16,-14 136 13 15,10-94 6-15,2-8-11 16,2-4-7-16,0-8 2 15,0-8-3-15,0-8 0 16,4-6 2-16,8 0-2 16,3-18 14-16,5-24-11 15,0-16-1-15,-6-5 0 16,-8 2-2-16,-6 4 0 16,0 10 2-16,-2 6-1 15,-16 9 8-15,-2 8-5 16,0 10-4-16,-7 8 0 15,-2 5-8-15,-2 1-7 0,0 0-34 16,2 2-13-16,14 11-62 16,8-5-40-16</inkml:trace>
+  <inkml:trace contextRef="#ctx0" brushRef="#br0" timeOffset="-129551.7">21230 609 505 0,'0'0'41'0,"0"0"-36"16,0 0 0-16,0 0 1 0,0 0-4 16,0 0 1-16,143-80-3 15,-114 78 0-15,-4 2 0 16,-6 4 1-16,-2 24-1 15,-2 14 11-15,-6 15 13 16,-4 6-6-16,-5 10-5 16,0 2-12-16,2 4 8 15,9 3-8-15,7 1-1 16,4-2 3-16,-2-12-2 16,-6-7 0-16,-8-5-1 15,-4-9 0-15,-2-8 1 16,0-7-1-16,0-4 0 0,-10-7 4 15,-13-7 4-15,0-7 9 16,-3 1-9-16,-1-7-7 16,1-2 3-16,1 0-4 15,5 0-12-15,7 0-25 16,5-14-65-16,8-10-132 16</inkml:trace>
+  <inkml:trace contextRef="#ctx0" brushRef="#br0" timeOffset="-129201.02">21961 1277 438 0,'0'0'88'0,"0"0"-58"0,0 0 37 16,14 106-16-1,-14-73 3-15,0 3-28 0,-3 6-21 16,-23 3-2-16,-14 2-3 16,-9 1-36-16,-11-5-94 15,-16-16-413-15</inkml:trace>
+  <inkml:trace contextRef="#ctx0" brushRef="#br0" timeOffset="-128414.98">16218 2246 495 0,'0'0'63'0,"0"0"-63"15,0 0 0-15,0 0 0 16,0 0 1-16,-39 134-1 16,39-104 0-16,0-2-4 15,0-6 0-15,10-6-43 16,7-10-32-16,4-6-12 16,-1 0-182-16</inkml:trace>
+  <inkml:trace contextRef="#ctx0" brushRef="#br0" timeOffset="-128240.14">16329 2298 495 0,'0'0'33'0,"0"0"-33"16,0 0 0-16,0 0 0 0,0 0 0 16,0 0-2-16,0 96 2 15,12-58-3-15,1-4-4 16,3-6-85-16,1-6-34 15,8-12-143-15</inkml:trace>
+  <inkml:trace contextRef="#ctx0" brushRef="#br0" timeOffset="-127755.85">16567 2546 345 0,'0'0'31'0,"-16"133"-26"15,14-57-3-15,2-4 3 16,0-5 11-16,0-9 26 16,0-11-19-16,0-8-13 15,0-11 3-15,0-15-10 16,0-6 3-16,0-7 2 15,0 0 20-15,0-32-3 16,-8-16-25-16,-5-17 0 16,1-13 2-16,-3-8-1 15,3-9-1-15,6 4 2 16,1-2-2-16,5 11 0 16,0 10-2-16,5 11 1 0,15 20-2 15,-3 15 3-15,-1 12 0 16,3 14 0-16,-2 0-3 15,5 11 2-15,5 22-4 16,-3 9 5-16,-4 3 0 16,-6 2 0-16,-12-6 0 15,-2-2 7-15,0-3-4 16,-16-6 4-16,-8-5-4 16,-3-3-2-16,-4-3 1 15,5-3-2-15,1-1-19 16,9-10-58-16,7-5-66 0</inkml:trace>
+  <inkml:trace contextRef="#ctx0" brushRef="#br0" timeOffset="-127234.85">16875 2601 358 0,'0'0'81'15,"0"0"-54"-15,0 0 27 16,0 0-9-16,0 0-12 16,0 0-7-16,-94 34-21 15,61-8-2-15,2 12-3 16,2 14 0-16,4 4-3 16,12 4 3-16,13-8-2 0,0-8 2 15,9-8 0 1,20-12-3-16,2-8 3 0,0-9 0 15,-2-7-2-15,-2-2 3 16,-5-30-2-16,-4-13-1 16,-12-9-3-16,-6-10 0 15,0 0-5-15,-2 8 8 16,-18 6-1-16,-4 13 3 16,2 12-1-16,-1 10-1 15,-2 12-1-15,6 3-14 16,-6 0 17-16,5 15-11 15,3 12-27-15,5-4-94 16,12-2-85-16</inkml:trace>
+  <inkml:trace contextRef="#ctx0" brushRef="#br0" timeOffset="-126898.5">17018 2682 330 0,'0'0'3'0,"0"0"-1"16,64 106 1-16,-44-67 8 16,-2-1 15-16,-3 0-9 15,-1-6-12-15,-5-4 4 16,-5-8-2-16,-4-9 11 16,0-6 7-16,0-5 11 15,0 0 12-15,-4-14-8 0,-17-18-39 16,0-12 17-16,0-2-15 15,6-4 5-15,3-4-1 16,8 6 0-16,4 1-6 16,0 7-1-16,14 8 0 15,6 4 0-15,4 8 0 16,3 4-4-16,-2 8-13 16,2 4-46-16,-4 4-45 15,-2 0-68-15</inkml:trace>
+  <inkml:trace contextRef="#ctx0" brushRef="#br0" timeOffset="-126222.78">17320 2300 268 0,'0'0'223'0,"0"0"-209"15,0 0-14-15,0 0 0 16,0 0 5-16,0 0 21 16,23 158 3-16,6-93-16 15,0 4-8-15,-2 6 7 16,-12-3-12-16,-6 0 1 0,-9-10 2 15,0-9 2-15,0-13-3 16,0-17-2-16,-2-10 0 16,2-12 9-16,-2-1-9 15,-1 0 20-15,-1-20 2 16,-1-15-6-16,1-14-15 16,4-1-1-16,0-3 0 15,0 8 0-15,6 1 0 16,13 8-4-16,0 7 3 15,4 6 0-15,-3 6-2 16,-1 7-7-16,-3 2 3 16,-5 8 6-16,-1 0-7 15,-2 0 4-15,5 17 1 16,3 13-1-16,0 8 3 16,-2 8-1-16,-4 2 2 0,2 2 2 15,-1-4-2-15,2-6 0 16,1-4 0-16,-1-9 0 15,1-7 0-15,-1-6 0 16,-5-8 0-16,2-5 1 16,-6-1-1-16,5 0 0 15,-1-20 6-15,2-15-2 16,-1-10-1-16,-5-3-3 16,0 0 0-16,-4 4 1 15,0 4-1-15,0 2-1 16,0 2 1-16,-11 4-7 0,1 6-10 15,2 5-12-15,4 9-21 16,2 11-59-16,0 1-133 16</inkml:trace>
+  <inkml:trace contextRef="#ctx0" brushRef="#br0" timeOffset="-125606.59">18151 2528 411 0,'0'0'27'0,"0"0"-19"15,0 0 34-15,0 0-8 16,0 0-27-16,-137 30 2 16,112 0-1-16,2 6-3 15,6 3-1-15,3 0-4 16,5 0 1-16,5-7-1 16,4-6 0-16,0-8-4 0,0-8 4 15,2-4 1 1,9-4-1-16,3-2 0 0,1 0 4 15,3-2 3-15,7-12-7 16,-1 4 1-16,10 2-1 16,2 6 0-16,3 2 0 15,6 10-4-15,0 25 4 16,1 6-2-16,-1 6 2 16,-7 3-3-16,-5 0 2 15,-10 0 1-15,-11-5-2 16,-6-1-1-16,-6-5 0 15,-3-5 3-15,-25-5 14 16,-11-6-3-16,-7-5-1 16,-4-4-4-16,-3-10 7 15,4-4 3-15,2-1 3 0,3-21-3 16,6-5-13-16,9-4-3 16,7 0-2-16,5-3 1 15,15-2 1-15,2-4-19 16,0 0-20-16,23-1-2 15,8 0-43-15,0-2-51 16</inkml:trace>
+  <inkml:trace contextRef="#ctx0" brushRef="#br0" timeOffset="-124573.79">18620 2632 371 0,'0'0'56'16,"0"0"-14"-16,0 0 17 0,0 0-5 15,0 0-16-15,0 0-14 16,-128-40-24-16,100 67 1 16,1 11 1-16,0 9-2 15,3 6-1-15,5 1 1 16,6-2-1-16,7-10 1 16,6-9-3-16,0-15-7 15,0-12 1-15,6-6 5 16,9 0 4-16,4-18 3 15,-1-19-3-15,-3-1-7 16,3 2-8-16,-5 8 12 16,-4 11 0-16,-2 10 3 15,-2 7-3-15,-3 0-10 0,4 7-4 16,1 12 17-16,7 7-3 16,-1 2 3-16,5-1 3 15,1-8-3-15,4-3 0 16,1-6 0-16,-3-4 0 15,-2-6 4-15,6 0 0 16,0-18 1-16,6-18 10 16,2-10-12-16,1-10-1 15,-1-8 1-15,-2-6-3 16,0-2 0-16,-4-1-3 16,-4 3-3-16,-8 13 4 15,-9 7 1-15,-6 19 1 16,0 9 1-16,0 10 0 15,-6 12 2-15,-11 0-3 0,-8 17 5 16,-4 18-3-16,0 11-2 16,0 14 0-16,4 14-1 15,0 14 2-15,2 9 2 16,7-1 0-16,9-6 5 16,7-17 3-16,0-15-6 15,9-18-4-15,11-12 9 16,5-10-10-16,-4-8 1 15,2-10-1-15,-1 0-4 16,-2 0-6-16,-2-9-36 16,5-10-20-16,1-12-53 15,-2-6-94-15</inkml:trace>
+  <inkml:trace contextRef="#ctx0" brushRef="#br0" timeOffset="-124130.8">19173 2173 425 0,'0'0'80'0,"0"0"-71"15,0 0-7-15,0 0 15 0,0 0 5 16,0 129-20-16,0-104-2 16,0 0 0-16,0-7-5 15,0-11-23-15,0-4-60 16,0-3-81-16</inkml:trace>
+  <inkml:trace contextRef="#ctx0" brushRef="#br0" timeOffset="-123956.95">19225 2213 381 0,'0'0'69'0,"0"0"-56"15,0 0 17-15,0 0 0 0,-40 123-16 16,40-96-9-1,0-4-5-15,13-3 0 0,12-2-10 16,6-8-41-16,0-2-50 16,7-8-124-16</inkml:trace>
+  <inkml:trace contextRef="#ctx0" brushRef="#br0" timeOffset="-123764.89">19755 2257 559 0,'0'0'60'16,"0"0"-56"-16,0 0-3 0,0 0 2 16,0 0-3-16,0 0-13 15,0 17-29-15,3 3-15 16,-3 5-118-16</inkml:trace>
+  <inkml:trace contextRef="#ctx0" brushRef="#br0" timeOffset="-123598.36">19722 2796 342 0,'0'0'71'0,"0"0"-51"15,0 0 28 1,0 0-1-16,0 0-23 0,0 0-20 15,-26 65-4-15,26-65-25 16,0 0-46-16,11-6-59 16</inkml:trace>
+  <inkml:trace contextRef="#ctx0" brushRef="#br0" timeOffset="-123170.14">20081 2233 437 0,'0'0'85'0,"0"0"-79"0,0 0-4 16,0 0 14-16,0 0-14 16,139-35 1-16,-102 35-1 15,-8 0-2-15,-7 0 0 16,-12 1-16-16,-8-1-63 16,-2 3-97-16</inkml:trace>
+  <inkml:trace contextRef="#ctx0" brushRef="#br0" timeOffset="-122840.84">20046 2327 392 0,'0'0'24'0,"0"0"-17"15,-9 115 32-15,7-59 3 16,-1 6-4-16,0 6-19 15,1 0-9-15,0-1 10 16,0-11-16-16,2-6 4 16,-2-3 5-16,0-6-11 15,-3 0 3-15,-1-1-5 16,-2-7 0-16,6-4 1 16,2-8-1-16,0-4-2 15,0-5 2-15,2-4 3 16,19-3 0-16,4-5-3 0,4 0 0 15,6 0-1-15,5-17-45 16,3-8-79-16,-10 0-228 16</inkml:trace>
+  <inkml:trace contextRef="#ctx0" brushRef="#br0" timeOffset="-121066.58">20380 2627 420 0,'0'0'83'16,"0"0"-61"-16,0 0-4 15,0 0-10-15,0 0 20 16,0 0 5-16,42-131-24 15,-26 98-1-15,1-4-8 16,-1 1 0-16,-1 4 4 16,-1 1-4-16,-5 11 5 15,0 9-5-15,-5 4 0 0,-2 7-3 16,3 0 3-16,2 9-8 16,-1 25 8-16,5 10 16 15,1 7 6-15,-4 4-12 16,1-5-7-16,-1-8 8 15,-2-2-11-15,0-8 0 16,-1-3 0-16,-1-5-2 16,3-8-6-16,7-8-31 15,6-8-62-15,11 0-55 16</inkml:trace>
+  <inkml:trace contextRef="#ctx0" brushRef="#br0" timeOffset="-120882.75">21057 2667 459 0,'0'0'23'0,"0"0"-19"15,0 0 19-15,0 0-10 16,0 0-9-16,0 0-2 16,0 100-2-16,0-96-26 15,2-4-73-15,18 0-27 16,14-14-33-16</inkml:trace>
+  <inkml:trace contextRef="#ctx0" brushRef="#br0" timeOffset="-120555.2">21442 2464 480 0,'0'0'46'15,"0"0"-44"-15,0 0 1 16,0 0 3-16,0 0 10 15,0 0-5-15,-8 123-4 16,8-87-2-16,0-8-5 16,15-6 0-16,3-10 6 15,-5-8-3-15,-1-4 1 16,-6 0-1-16,-2-4 11 16,-4-24 4-16,0-12-18 15,0-7 1-15,-10 0 1 16,-13-5-2-16,-6 5 0 0,0 5 8 15,-2 2 3 1,2 5-6-16,2 4-5 0,3 8-5 16,6 8 4-1,3 4-24-15,-1 11-34 0,3 0-32 16,1 0-65-16</inkml:trace>
+  <inkml:trace contextRef="#ctx0" brushRef="#br0" timeOffset="-120173.8">21407 2083 398 0,'0'0'22'0,"0"0"-13"16,0 0 9-16,0 0 11 0,0 0-5 15,0 0-18-15,122-89-5 16,-101 89 1-16,-2 0-1 15,1 15 12-15,5 9 0 16,0 4-6-16,8 2 5 16,3 9-11-16,1 4 0 15,-1 10 0-15,-5 4-1 16,-8 6 0-16,-10 1 7 16,-2 0-3-16,-2 0 9 15,-5 0-10-15,1-5-2 0,-3-12 0 16,3-6 0-1,-1-11 1-15,-4-10-2 0,0-2 0 16,0-2 5-16,-11 0 11 16,-18 0 0-16,-9-2-12 15,-6-4-4-15,-4 2-14 16,-2-4-92-16,-6-5-184 16</inkml:trace>
+  <inkml:trace contextRef="#ctx0" brushRef="#br0" timeOffset="-119371.24">16362 3226 199 0,'0'0'301'16,"0"0"-273"-16,0 0-28 15,0 0 4-15,0 0-1 16,0 0-3-16,-71 81 5 16,63-47-4-16,0-1 2 15,6-3-3-15,2-7-6 16,0-5-10-16,0-6-55 15,16-8-34-15,-1-4-213 16</inkml:trace>
+  <inkml:trace contextRef="#ctx0" brushRef="#br0" timeOffset="-119189.93">16467 3364 452 0,'0'0'58'16,"0"0"-58"-16,0 0 0 15,0 0 0-15,0 0 2 16,0 0-5-16,-49 97-1 16,49-89-43-16,6-8-15 15,15 0-42-15,8 0-102 16</inkml:trace>
+  <inkml:trace contextRef="#ctx0" brushRef="#br0" timeOffset="-118872">16667 3461 331 0,'0'0'9'16,"0"0"-3"-16,3 108-6 15,-1-68 0-15,0 0 7 16,0-4-2-16,-2-5 0 16,0-12-5-16,0-8 0 15,0-9 8-15,0-2 32 16,0-5 18-16,0-18-32 15,0-15-19-15,0-9-3 16,-4 0 2-16,2-6 0 16,2-1 7-16,0 2-4 15,0 1-4-15,0 5-3 0,20 8-1 16,5 8 1 0,4 6-2-16,4 5 0 0,3 7-4 15,-3 3-1-15,-2 9-14 16,-4 0-41-16,-12 4-31 15,-13 24-148-15</inkml:trace>
+  <inkml:trace contextRef="#ctx0" brushRef="#br0" timeOffset="-118680.66">16636 3552 346 0,'0'0'111'0,"0"0"-111"16,0 0 5-16,0 0-5 15,0 0 4-15,0 0-2 16,135-37-2-16,-83 18 0 16,2 0-18-16,-4 1-33 15,-11 2 0-15,-3 8-26 16,-5 2-32-16</inkml:trace>
+  <inkml:trace contextRef="#ctx0" brushRef="#br0" timeOffset="-117488.72">17166 3413 404 0,'0'0'20'0,"0"0"-17"15,0 0 8-15,0 0 4 16,0 0-10-16,0 0 13 16,-2 72-1-16,2-38-8 15,0 2-8-15,0 1-1 16,0 3 9-16,0-5-7 16,0-7-1-16,-4-10 1 15,2-10-2-15,0-6 5 16,2-2-4-16,0 0 4 15,0-17-4-15,0-13-1 16,0-7-1-16,8 3-4 16,19 2-4-16,6 4 0 15,6 4-7-15,1-1 0 16,2 2 8-16,3 1-7 16,-3 3 5-16,-4 4 2 0,-9 7-3 15,-5 3 4-15,-5 5 4 16,-9 0 3-16,-1 0-3 15,-7 9 0-15,-2 10 3 16,0 8 7-16,-2 3 0 16,-15 0 3-16,-2 2-10 15,-1 6 0-15,5 0 2 16,4-3-2-16,4-6 0 16,7-11 0-16,0-10 0 15,0-5-2-15,0-3 2 0,11 0 0 16,2-11 14-1,6-10-11-15,-2-12-2 0,1-1 0 16,-1-5-1-16,2-2 2 16,-3 1-2-16,-1-2 0 15,-4 6 1-15,-2 5-1 16,-4 10 0-16,-1 9 0 16,-2 5 0-16,0 7 7 15,0 0-7-15,0 12 2 16,1 16 1-16,1 11 16 15,6 3-8-15,2 0-7 16,5-2-4-16,2-4 6 16,4-6-6-16,-3-3 1 15,-3-9 1-15,-1-8-2 16,-7-7 0-16,-3-3 0 0,2 0 3 16,-4-16 7-1,0-13-10-15,1-10 3 0,-1-5-3 16,0 4 0-16,1 0-5 15,2 12 3-15,0 10-2 16,-3 11 3-16,-2 7 0 16,2 0-10-16,1 14 4 15,2 15 7-15,-3 3 9 16,1 2-6-16,1-4-3 16,3-3 3-16,1-6-3 15,0-5 0-15,-1-10 3 16,1-1-3-16,0-5 0 0,5 0 1 15,6-21 0 1,1-5 10-16,5-7-11 0,-3 6 0 16,-4 3 1-16,-4 8-1 15,-7 6 0-15,-5 6-1 16,1 4 1-16,-1 0-3 16,1 4-5-16,4 16 8 15,0 0 3-15,-1 3-3 16,4 0-2-16,3-5-45 15,3-1-62-15,2-2-230 16</inkml:trace>
+  <inkml:trace contextRef="#ctx0" brushRef="#br0" timeOffset="-117068.98">18495 3328 431 0,'0'0'46'0,"0"0"-9"16,0 0-7-16,0 0 11 16,0 0-32-16,0 0-3 15,-78 23-6-15,67 13 0 16,1 6 1-16,6 0-1 16,4-2 0-16,0-5 5 15,0-4-5-15,0-7-3 16,10-10 0-16,3-6 2 15,-1-8-1-15,9 0-1 0,4 0 3 16,6-18 8-16,0-8-7 16,2-1 2-16,-4 6-3 15,-6 5 0-15,-8 8 1 16,-6 3-1-16,-4 5 0 16,-1 0-4-16,3 0 5 15,3 0-1-15,7 5 7 16,-2 5-6-16,3 2 3 15,-3 0-4-15,-1-1-1 16,-5-4-1-16,-3-3-7 16,-4-4-22-16,2 0-69 15,6-6-60-15</inkml:trace>
+  <inkml:trace contextRef="#ctx0" brushRef="#br0" timeOffset="-116947.31">18766 3296 264 0,'0'0'103'15,"0"0"-92"-15,0 0 15 16,0 0-26-16,0 0 0 16,0 0-8-16,8-8-25 15,23 14-124-15</inkml:trace>
+  <inkml:trace contextRef="#ctx0" brushRef="#br0" timeOffset="-116558.62">19030 3389 365 0,'0'0'42'0,"0"0"-11"0,0 0 14 16,0 0-6-16,-108 126-26 16,97-96-4-16,5-2-1 15,4-2-7-15,2-6-1 16,0-4-2-16,4-6 2 15,16-6 4-15,6-4-4 16,5 0-2-16,4-10-3 16,-4-14-13-16,-3-3 8 15,-5-4-23-15,-7 1-25 16,-8 1 56-16,-1 6 2 16,-5 7 6-16,-2 5 13 0,2 9 22 15,0 2 6-15,0 0-40 16,6 0-4-16,0 2-6 15,5 19 6-15,8 3-3 16,-3 6 0-16,-1-1 2 16,1 1-6-16,-7-7 4 15,5-5-41-15,-3-7-64 16,3-10-123-16</inkml:trace>
+  <inkml:trace contextRef="#ctx0" brushRef="#br0" timeOffset="-116370.42">19410 3200 471 0,'0'0'81'16,"0"0"-68"-16,0 0-9 16,0 0-2-16,0 0-3 15,0 0 1-15,-15 57-8 16,11-36-39-16,2-1-92 15,2-5-86-15</inkml:trace>
+  <inkml:trace contextRef="#ctx0" brushRef="#br0" timeOffset="-116218.7">19410 3200 353 0,'87'40'83'0,"-87"-40"-68"0,2 2 0 16,-2 16-1-16,3 6 18 15,-3 5-26-15,4-1-6 16,8-2-4-16,3-4-44 16,9-7-77-16</inkml:trace>
+  <inkml:trace contextRef="#ctx0" brushRef="#br0" timeOffset="-116014.5">19883 3260 536 0,'0'0'17'16,"0"0"-17"-16,0 0-17 15,0 0-15-15,0 0-75 16,0 0-178-16</inkml:trace>
+  <inkml:trace contextRef="#ctx0" brushRef="#br0" timeOffset="-115874.05">19832 3666 330 0,'0'0'30'0,"0"0"-8"16,0 0 11-16,0 0 1 15,0 0-6-15,0 0-28 16,-9 25-29-16,28-37-56 15</inkml:trace>
+  <inkml:trace contextRef="#ctx0" brushRef="#br0" timeOffset="-115579.77">20442 3254 538 0,'0'0'45'16,"0"0"-41"-16,0 0-6 15,0 0 2-15,0 0-6 16,0 0 5-16,102 9-16 16,-93-8-27-16,1 1-51 0,-6-2-79 15</inkml:trace>
+  <inkml:trace contextRef="#ctx0" brushRef="#br0" timeOffset="-115304.85">20442 3254 446 0,'-116'159'58'0,"108"-137"-53"0,3 8 24 15,-2 6 21-15,-2 5-32 16,3 6-9-16,-3-1-1 16,-3 3-8-16,6-6 4 15,-1-4 4-15,5-7 1 16,2-9 0-16,0-2-8 0,0-4 0 15,2-6-2-15,13 1 2 16,4-4-2-16,3-2-6 16,2-6-18-16,9 0-16 15,10 0-25-15,6-16-41 16,7-1-82-16</inkml:trace>
+  <inkml:trace contextRef="#ctx0" brushRef="#br0" timeOffset="-114636.24">20956 3463 278 0,'0'0'89'15,"0"0"-37"-15,0 0 42 16,0 0-20-16,0 0-24 15,0 0-16-15,-59 0-14 16,49 0-12-16,-5 10-3 16,-3 18-5-16,-1 6 0 15,3 6 2-15,9 2-2 16,7-4-3-16,0-2 3 0,0-4-1 16,9-7-1-16,7-7 0 15,5-11-5-15,6-4 6 16,9-3-4-16,2-10 4 15,4-22-13-15,0-9-13 16,-6-3 6-16,-7-2-11 16,-9 0 11-16,-11 4 15 15,-9 4 4-15,0 7 2 16,0 8 0-16,-17 4 0 16,-2 11 1-16,2 8-1 15,-1 0-5-15,-3 0-15 16,9 11-57-16,1 7-61 0</inkml:trace>
+  <inkml:trace contextRef="#ctx0" brushRef="#br0" timeOffset="-114397.08">21485 3549 368 0,'0'0'2'16,"0"0"8"-16,0 0 22 15,0 0 25-15,13 102-20 0,-15-71-34 16,-9-6 5-16,-1 3-8 16,2-6-7-16,3-3-20 15,0-6-67-15,4-6-128 16</inkml:trace>
+  <inkml:trace contextRef="#ctx0" brushRef="#br0" timeOffset="-112239.08">21663 3479 400 0,'0'0'65'15,"0"0"-46"-15,0 0 8 16,0 0 5-16,0 0-12 15,0 0-8-15,31-72-5 16,-11 46-1-16,1 2 7 16,-4-2 11-16,-3-1-4 15,1 3 4-15,-1 1-20 16,-1 2 1-16,-2 6 0 16,-2 8-4-16,-5 3 1 15,-1 4-2-15,-3 0 1 16,0 0 2-16,2 3-3 0,4 18 0 15,1 11 22-15,2 6 1 16,0 0-7-16,0 2-3 16,-2-1-8-16,-1-8 5 15,-1-2-10-15,1-9 0 16,-1-8 1-16,-3-4 0 16,0-4-2-16,1-4-1 15,-3 0-2-15,0 0 3 16,4 0-21-16,5-4-29 15,4-12-57-15,-1-5-204 16</inkml:trace>
+  <inkml:trace contextRef="#ctx0" brushRef="#br0" timeOffset="-110389.42">21913 3086 275 0,'0'0'154'16,"0"0"-116"-16,0 0-17 15,0 0 17-15,0 0-2 16,0 0-8-16,-5 2-21 16,21-8-6-16,1-5 5 15,1 6-6-15,-2 1 0 0,-7 4 3 16,0 0 1-16,-5-2-1 16,2 2-3-16,2 0 0 15,-2 0 2-15,1 0-2 16,1 0-1-16,4 0 1 15,1 9 0-15,5 12 4 16,-2 10-4-16,-3 11 2 16,0 2 4-16,-1 6-4 15,-1 2-2-15,0 2 4 16,0-3-4-16,-2 0 1 16,-2-3-1-16,-5-4 0 15,-2-5 6-15,0-6-4 16,0-5 6-16,0-6 8 15,-2-6 2-15,-9-2-7 0,-3-3-9 16,-3-2-1-16,-4 0 7 16,-3-1-8-16,-6-2-1 15,-3 2 0-15,2-4-6 16,2-2-4-16,10-2-22 16,5 0-14-16,7 0 10 15,5-2-19-15,2-20-34 16,6 0-126-16</inkml:trace>
+  <inkml:trace contextRef="#ctx0" brushRef="#br0" timeOffset="-109572.84">22321 2979 375 0,'0'0'5'0,"0"0"-4"15,0 0 14-15,0 0 11 16,0 0 1-16,0 0-17 15,-5-3 3-15,5 3 31 16,0 0-10-16,0 0-5 16,0 0-1-16,0 0-10 15,0-5 2-15,0 0-12 0,9 1-6 16,-3-1 14 0,-1 4-14-16,-3 1-1 0,0 0 3 15,0 0 1-15,3 0-3 16,-2 11 1-16,3 16-2 15,0 8 12-15,1 9-10 16,-3 6 5-16,2 4-4 16,-4 3-2-16,0 5 0 15,0-4-2-15,2-3 0 16,1-13 0-16,3-12 0 16,4-10-5-16,-1-10 2 15,1-2-4-15,3-8 6 16,3 0-2-16,6-6 3 0,3-22-3 15,-5-3 3-15,-1-2-6 16,-11-1 0-16,-3 7 6 16,-3 9 0-16,0 8 0 15,0 10 0-15,-4 0-3 16,0 5-13-16,0 25 15 16,-4 14 1-16,-13 10 2 15,-3 8 2-15,0 6-4 16,0 3 0-16,0 2 2 15,0-5-2-15,0-8 0 16,5-10 1-16,1-13-1 16,5-9 0-16,5-9-34 15,4-7-90-15,-8-12-133 16</inkml:trace>
+  <inkml:trace contextRef="#ctx0" brushRef="#br0" timeOffset="-93257.26">20438 2342 260 0,'0'0'13'16,"0"0"0"-16,0 0-13 16,0 0 2-16,0 0 24 15,0 0 10-15,0 0-21 16,0 0 10-16,-85-46-24 16,73 46 2-16,-1 0-3 15,-5 0 2-15,-3 16 4 16,-4 12-6-16,-4 9 0 15,-2 7 4-15,4 9-4 16,2-1 0-16,8-4 0 16,3-3 1-16,7-3 4 0,7-7-5 15,0-2 0 1,14-3 3-16,12-4-2 0,5-6-1 16,8-6 0-16,5-6 3 15,3-6-8-15,2-2 13 16,-2 0-8-16,-5-16 2 15,-4-3-2-15,-11-2-4 16,-5-1 3-16,-7 0 2 16,-7-3 3-16,-6 0-4 15,-2-3 0-15,0 0 17 16,-2-4-10-16,-17-2 1 16,-1-3-5-16,-2 1-2 15,-2 4 4-15,1 1-5 16,4 10 0-16,3 5 7 0,3 3-4 15,3 8-3-15,4 3 0 16,4 1 0-16,-1 1 8 16,1 0-8-16,-6 0 0 15,-6 1 5-15,-4 15-5 16,-4 8 0-16,-1 4 0 16,3 6 0-16,-2 7 0 15,4-2 0-15,5 2 0 16,4-4 0-16,9-3 0 15,0-1-1-15,0-5 0 16,9 2 1-16,11 0 0 16,4-4 0-16,3-4 0 0,4-8-4 15,3-9 5-15,-1-2-2 16,0-3 2-16,1 0-1 16,-3-14 5-16,-4-8-5 15,0-8 0-15,-5-4 3 16,-7-4-2-16,-3-4-1 15,-10 1 0-15,-2 1 1 16,0 0 4-16,-20 0-5 16,-3 2 0-16,-3 8 3 15,-1 6-2-15,3 6-1 16,-1 8 0-16,2 4 2 16,8 4-5-16,-1 2 3 15,6 0-12-15,3 0-14 16,7 22-40-16,0 2-43 15</inkml:trace>
+  <inkml:trace contextRef="#ctx0" brushRef="#br0" timeOffset="-92406.72">21329 2610 293 0,'0'0'34'0,"0"0"-31"15,0 0 8-15,0 0-7 16,0 0 41-16,0 0 13 16,-22-22-20-16,24-2-22 15,6-6-2-15,1-6-5 16,1-5 18-16,-2-3-15 16,-3 0-4-16,-3-4 6 15,-2 3-14-15,0 1 1 16,0 3-1-16,0 9 1 0,-7 12 5 15,-3 7-6-15,5 6 0 16,2 5 4-16,3 0-4 16,0 2 0-16,0 0-2 15,0 0 0-15,0 6-5 16,5 14 6-16,10 10 1 16,2 8 2-16,0 6-2 15,-1 5 0-15,1 5 0 16,-1 0 1-16,-5 2-1 15,-2 1 0-15,-4-3 0 0,-5 0 1 16,0-3 0 0,0-2-1-16,0-9 0 0,0-6 1 15,0-7 1-15,2-10-2 16,0-5 0-16,0-4 0 16,1-6 0-16,-3-2 0 15,0 0 1-15,0 0-1 16,0-14 36-16,-17-14-36 15,-4-10 0-15,-4-8 1 16,1-10-1-16,1-6 0 16,6-1-1-16,3 3 1 15,3 8 0-15,2 8 0 16,0 10 0-16,2 10 1 16,3 6-1-16,0 10 0 15,4 5 0-15,0 3 1 0,0 0-10 16,0 11 5-16,8 20 4 15,11 6-1-15,-2 5 1 16,3 4 0-16,-2 3 0 16,-2-5 1-16,-4 2-2 15,-4-4 1-15,-2-3-4 16,-6 4-5-16,0-3-57 16,-4 2-66-16,-27-8-171 15</inkml:trace>
+  <inkml:trace contextRef="#ctx0" brushRef="#br0" timeOffset="-91523.12">20671 3515 219 0,'0'0'30'0,"0"0"-25"16,0 0 14-16,0 0 6 15,0 0 20-15,0 0-24 16,19 10-2-16,-9-10 3 0,4-12 16 15,8-12 8-15,3-8-12 16,1-4-24-16,6-8 20 16,-1-2-26-16,-2-5 2 15,2-1 4-15,-6-2-10 16,-6 3 2-16,-5 10-2 16,-5 11 2-16,-5 7 15 15,-4 14-12-15,0 3 0 16,0 6 6-16,0 0-9 15,0 0-2-15,0 13-2 16,0 16 2-16,0 9 2 16,0 8-2-16,0 6 0 0,0 4 1 15,0 6-1 1,6 5 1-16,2 1-1 0,-2 4 0 16,1-1 2-16,-1-2-2 15,2-6 0-15,-2-12 0 16,-1-8 1-16,1-9-1 15,0-9 0-15,0-4 0 16,-2-9-1-16,-2-4 1 16,0-2 0-16,1-2 1 15,-3-4-1-15,0 0 0 16,0 0 0-16,0 0 1 16,0 0 4-16,0 0-4 15,0 0-1-15,-7-7 5 0,-13-1-4 16,-5-5-1-1,-8 3 0-15,-5 4 0 0,-7 2-1 16,1 4 1-16,0 0 0 16,1 0 1-16,3 0-1 15,7 0 0-15,8 0 0 16,12 0 0-16,5 0-1 16,8 0 1-16,0 0-3 15,0 0 1-15,0 0-3 16,10 0 5-16,9 0-1 15,4 0 8-15,6 0-2 16,2 0-5-16,7-3 0 16,3 1 2-16,3-3-2 0,2-1 0 15,-3 0 0 1,-3-2 0-16,-3 0-9 0,-3-2 5 16,-3-4-47-16,-4 0-20 15,2-7-83-15</inkml:trace>
+  <inkml:trace contextRef="#ctx0" brushRef="#br0" timeOffset="-90973.68">21926 3246 510 0,'0'0'29'0,"0"0"-29"15,0 0 0-15,0 0 4 16,0 0 4-16,0 0-8 16,-107-37 8-16,94 48-8 15,-6 15 2-15,-4 10-2 16,0 9 0-16,-2 2 0 15,5 6 0-15,5 1 0 16,4 3 2-16,9-3-2 16,2 2 0-16,0-9 0 15,19-7 0-15,12-8 0 0,5-10 0 16,3-7 0-16,-2-9 2 16,3-6 0-16,3 0-1 15,-3-10-1-15,0-17 2 16,-5-8 0-16,-4-8-2 15,-10-7 0-15,-15-3 2 16,-6 2 0-16,-6 1 1 16,-25 4-2-16,-7 5 1 15,-3 6 17-15,3 7-19 16,3 6 0-16,6 7 6 16,4 7-4-16,10 6-2 15,1 0-2-15,8 2 2 16,1 0-4-16,1 0 4 15,2 0-6-15,0 15 3 0,-6 6-40 16,4 8-79 0,-7-1-171-16</inkml:trace>
+  <inkml:trace contextRef="#ctx0" brushRef="#br0" timeOffset="-83073.28">15509 7778 337 0,'0'0'0'16,"0"0"-1"-16,0 0 1 15,0 0 1-15,0 0 6 16,0 0-3-16,0 0-4 15,-60 8 24-15,60 10-23 16,0 6 24-16,0 6 6 16,0 9-9-16,0 8 7 15,0 12-18-15,0 9-7 16,-5 12 25-16,-4 11-27 16,-1 9 3-16,-7 8 5 0,0 0 0 15,-3-3 6 1,3-15-11-16,1-6-5 0,-1-9 18 15,4-12-17 1,3-9-1-16,0-9 4 0,4-13-3 16,1-6-1-16,3-8 0 15,0-2 0-15,2-6 1 16,-2-2-1-16,2-4 0 16,0-4 1-16,0 2-1 15,0-2 3-15,0 0-3 16,0 0 0-16,0 0 17 15,8 0-17-15,1 0 0 16,5-2 2-16,5 2-1 16,16 0-1-16,17-6 0 0,23-4 0 15,9-5 0-15,10 4 0 16,0-3 0-16,-3 1 0 16,-5 1 1-16,3 2-1 15,3 3 0-15,-1 0 0 16,0 6 0-16,1 1 0 15,1 0 0-15,13-4 1 16,11-3-1-16,15-2 0 16,6-3 0-16,3 4 0 15,-10 1-1-15,-11 7 1 16,-18 0 0-16,-17 0-1 16,-16 7 2-16,-7 4-2 15,-1 2 1-15,1-8 0 16,7-2 1-16,5-3-1 15,6 0 0-15,0 0 1 0,1 0-1 16,-4 0 0-16,-3 0 0 16,-5 0 0-16,-2 0 0 15,-5 0 0-15,-4 0 0 16,-2 1 0-16,-5 6 0 16,0-3 0-16,7-2 0 15,7-2 0-15,10 0-1 16,6 0 1-16,2 0 0 15,-6 0-1-15,-12 0 2 16,-10 0-2-16,-5 0 1 16,-6 5 0-16,-1 3 0 15,-3-2 0-15,2 0 0 16,3-3 1-16,1-1-1 0,6-2 0 16,1 0 0-16,0 0 0 15,3 0-1-15,-7 0 1 16,-4 0 0-16,-8 0 1 15,-6 0-1-15,-2 0 0 16,-2 0 0-16,5 0 0 16,-1 0 0-16,4 0 0 15,6-2 0-15,1-10 0 16,10 0 1-16,0-2-1 16,4 2 0-16,-2-1 0 15,-3 6-2-15,-6-1 2 16,-2 2 0-16,-6-2 0 0,-3 0 1 15,1-1-1-15,-6-1 0 16,-2 1 0-16,-8 2 0 16,-3 1 0-16,-5 5 0 15,-3 1 0-15,-4 0 0 16,-2 0 0-16,2 0-1 16,1 0 1-16,-1 0 0 15,3 0 0-15,-2 0 0 16,-1 0 1-16,0 0-1 15,1 0 1-15,-5 0-1 16,2-5 0-16,0-7 0 16,2-6 1-16,-1-9-1 0,2-10 3 15,-3-7-2-15,0-5-2 16,0-4 1-16,5-5 0 16,-3 0 0-16,0-1 0 15,-4-2 0-15,0 0 0 16,0 3 1-16,0 2-2 15,0 1 1-15,0 3 0 16,0 0 0-16,0-4 0 16,0 2 0-16,0 2 0 15,0 8 1-15,0 5-2 16,0 10 1-16,0 4 0 16,0 8 0-16,0 2 0 15,0 3 0-15,0 2 2 16,0 1 0-16,-2-2-2 0,-2 3 0 15,0 0 0-15,-5-1 0 16,-1 4 0-16,0-1 0 16,-6 0 0-16,-2 0 0 15,-4 0 2-15,-3 0-2 16,-2 0 0-16,-8-1-1 16,-9 1 1-16,-10 3 0 15,-13 2 0-15,-13-2 0 16,-10-1 1-16,-5 2-1 15,-1 0 0-15,2 0-2 16,1 2 2-16,-3-2-2 16,0-2 2-16,-1-4 2 15,-1 0-2-15,-8-3-2 16,-8 3 2-16,-10 1-2 16,-5 5 2-16,4 2 0 0,5 0 0 15,13 0 0-15,9 6 0 16,13 4-5-16,11 0 5 15,19-2-5-15,17-2 5 16,10-4 0-16,5 0-1 16,-2 0 2-16,-6 0-2 15,-11 0 1-15,-12 2 0 16,-10 1-1-16,-8 2 1 16,-5 5 0-16,0 0 0 15,4 2 1-15,6-1-2 16,7 0 1-16,4-5 0 15,10-2 1-15,5-4-1 0,6-2 0 16,4 0 1-16,2 0-1 16,0 0 0-16,0 0 0 15,-3 0 0-15,-3 0-1 16,-5 4 1-16,-9 6 0 16,0 1 1-16,-2 5-1 15,-3-2 0-15,3-1 0 16,-7 0 0-16,-4-2 0 15,0-3 0-15,1-1 0 16,5-1 0-16,5-1 0 16,7 1 0-16,3-2-1 0,13 0 1 15,7-4-1-15,8 3 1 16,4-3-2-16,5 0 1 16,-1 0 2-16,3 0-2 15,0 0 0-15,-2 0 1 16,-6 0-2-16,-5 0 2 15,-5 0-7-15,-5 4 6 16,-2-1-1-16,-4 4-1 16,-5-1-2-16,1 0 5 15,-3-3-2-15,7 1 2 16,0 0 0-16,8 1 1 16,8-5-1-16,-1 2 0 15,3 0 0-15,-3-2 0 16,3 4 0-16,-1 0 0 15,1-3 0-15,-3 4 0 0,3-4 0 16,0-1 0-16,-1 3 0 16,-1-2 0-16,-1-1 0 15,-1 0 0-15,1 0 0 16,-2 0 0-16,-2 0 1 16,-2 0-2-16,-3 0 1 15,0 0 0-15,1 0 0 16,0 0 0-16,1 0 0 15,-1 0 0-15,4 0 0 16,0 0 0-16,1 0 0 16,7 0 0-16,-1 0 0 0,1 0 0 15,1 0 0 1,2 0 0-16,-2 0 0 16,-2 0 0-16,-1 0-1 0,-1 0 1 15,1 0 0-15,-1 0 0 16,4 5 0-16,1-3 0 15,4-2 0-15,1 0 0 16,1 0 0-16,4 0 0 16,-2 1 0-16,2-1 0 15,-2 0 0-15,0 0 0 16,-4 0 0-16,0 0 0 16,2 0 0-16,-3 0 0 15,5 0-9-15,0 0 7 16,0 3-8-16,2-3 4 0,0 0 0 15,0 0 5 1,0 0-8-16,0 0-21 0,0 6-8 16,0-1-36-16,0 11-23 15,0-8-102-15</inkml:trace>
+  <inkml:trace contextRef="#ctx0" brushRef="#br0" timeOffset="-79107.87">15288 9388 51 0,'0'0'81'0,"0"0"-80"16,0 0-1-16,0 0 3 15,0 0-3-15,0 0 0 16,0 0 7-16,-71-44-5 16,69 43 3-16,2-2 6 0,-2 3 35 15,0 0 0 1,-3 0-19-16,1 0-10 0,-3 0 14 15,0 0-10-15,3 3 1 16,-3 4-11-16,3 1 1 16,2 2 1-16,0 3-9 15,-1 2-3-15,3 10 19 16,0 8-20-16,0 12 15 16,0 15 3-16,-5 12 0 15,1 6 8-15,0 5-22 16,1 3 0-16,3-2 15 15,0-3-16-15,0-10-3 16,0-9 8-16,0-9-5 16,0-8 8-16,0-8-11 0,3-5 0 15,-1-4 4-15,-2-8-4 16,0-8 0-16,0-3-1 16,0-6 4-16,0-3-7 15,0 3 2-15,2-2 2 16,-2 1 4-16,2 1-4 15,-2-3 0-15,0 0-1 16,7 0 2-16,2 0 4 16,6 0-5-16,6 0 0 15,5 0 1-15,6 0-1 16,7 1 0-16,17-1-1 16,13 0 3-16,12-13-1 15,10-12-1-15,3 1 0 16,-5-1 1-16,0 6-1 15,-7 1 0-15,1 4-1 0,-1 2 3 16,2-1 0-16,6 4-2 16,-3-1 0-16,0 4 0 15,8 3 0-15,3 3 0 16,4 0 0-16,4 0 2 16,-4 0-2-16,1 0 0 15,1 0 0-15,5-2 1 16,-1-1-1-16,-4 0 0 15,-3 2-1-15,-5 1 2 16,-7 0 1-16,-5 0-2 0,-4 0 0 16,-4 0 0-1,-4 0 0-15,-8 0 0 16,-6 4-1-16,-2-4 3 0,-3 0 1 16,1 0-3-16,-3 0 0 15,4 0-1-15,3 0 1 16,2 0 0-16,5-4 0 15,2-6 0-15,2-2 1 16,2-3-1-16,0 2 0 16,1-2-1-16,-1 1 1 15,-2 0 0-15,-4 4 0 16,-7 0 1-16,-5 6 0 16,-3 2-1-16,-2-3 0 15,-1 4 0-15,2-3 0 16,-2 1 0-16,-1 0-2 0,0 0 4 15,-5-6-1-15,2 1-1 16,-3-2 0-16,-2 0-1 16,-3 3 1-16,1-2 0 15,-5 3 0-15,-4 0 1 16,0 4 0-16,-2 2-1 16,-5 0 0-16,-5 0-1 15,1 0 1-15,-5 0 0 16,0 6 0-16,0 0 1 15,5 0 0-15,2 0-1 16,1-4 0-16,6-2 0 16,0 0 0-16,4 0 0 0,-3-9 0 15,-1-4 1-15,-5 5 0 16,-9 2-1-16,-4 2 0 16,-5 4 0-16,0 0 2 15,-2 0-2-15,0 0 0 16,0 0 3-16,2-5-1 15,5 0-2-15,5-3 0 16,7-2-4-16,1 2 4 16,1-3 0-16,0 6-1 15,-5-3 2-15,-3 2-1 16,-3 0 0-16,-6 0 0 16,-2 0 2-16,-2-3-2 15,0 0 0-15,0 1 0 0,0 2 2 16,0 2-2-16,0 0 0 15,0 2 0-15,0 0-1 16,0-2 1-16,5-2-1 16,1 0 0-16,-1-5 2 15,-1 2-1-15,-4 0 0 16,2 0 0-16,-2 3 1 16,3 1-1-16,-3 4 0 15,0-1 0-15,0 2 0 16,0-3 0-16,4-1 0 15,1-3 0-15,3-4-1 16,1 0 1-16,3-6 0 0,-1 2-1 16,-5-3 2-16,2-5 1 15,-6 1-2 1,-2-2 0-16,0 4 0 0,0-2 0 16,0 0 0-16,0 0-1 15,0-6 2-15,-2-1-1 16,-4-2 0-16,4 3 0 15,0 0 0-15,0 2 0 16,2 3 0-16,0 3-1 16,0 2 2-16,0 2-1 15,0 1 0-15,0 7 0 16,0 2 0-16,0 1 0 16,-2 1 0-16,2 2 0 15,-3 2 2-15,3-4-3 0,0 2 1 16,-2-2 0-16,0 0 0 15,-2-4 0-15,-1 2 0 16,3-2-1-16,-3 0 2 16,3 4-1-16,0 0 0 15,0 2 0-15,2 0 0 16,0 2 0-16,0 0 0 16,0 0-2-16,0 0 4 15,0 0-4-15,0 0 2 16,0 0 0-16,0 0-1 15,0 0 1-15,0 0 0 16,0 0-1-16,-3 0 4 16,3 0-2-16,-2-2-1 0,0 0 0 15,0 0-2-15,2 0 2 16,0 0 0-16,0-2-1 16,0-1 2-16,-2-1-4 15,2-1 3-15,-5-1-24 16,3 2-6-16,-5-2-49 15,-2 8-25-15,-4 0-188 16</inkml:trace>
+  <inkml:trace contextRef="#ctx0" brushRef="#br0" timeOffset="-63458.01">21839 6803 489 0,'0'0'1'0,"0"0"6"15,0 0-3-15,0 0 17 16,0 0-7-16,0 0 6 16,-96 103-5-16,76-37 5 15,0 2-11-15,6 1 0 16,4-7 2-16,5-2-9 16,5-3 1-16,0 0-3 0,5-3 2 15,17-6-7-15,7-6 3 16,9-7-5-16,8-9 6 15,6-10-17-15,2-8-14 16,4-8-21-16,-4-5-44 16,-4-21-61-16</inkml:trace>
+  <inkml:trace contextRef="#ctx0" brushRef="#br0" timeOffset="-63252.14">21897 7207 592 0,'0'0'26'16,"0"0"-24"-16,0 0 1 15,0 0 1-15,0 0-3 16,0 0 2-16,-23-10-3 16,48-6-21-16,20-15 21 15,10-10-35-15,5-12-15 16,-10 3-53-16,-21 0-124 15</inkml:trace>
+  <inkml:trace contextRef="#ctx0" brushRef="#br0" timeOffset="-63074.09">21770 6792 515 0,'0'0'25'0,"0"0"-25"15,0 0-7-15,0 0 2 16,0 0 5-16,0 0 7 15,67-13-6-15,-9 13-1 16,8 0-10-16,9 0-49 16,-2 3-35-16,2-1-68 15</inkml:trace>
+  <inkml:trace contextRef="#ctx0" brushRef="#br0" timeOffset="-62755.1">22340 6953 367 0,'0'0'24'16,"0"0"-15"-16,-115 21-7 0,92-15 25 16,9-2 13-16,8 4-22 15,6 10-18-15,0 10 1 16,0 8 0-16,22 7 1 16,10-6-2-16,10 1 0 15,7-3 2-15,3 3 5 16,0 0-4-16,2 4 0 15,-5 4 1-15,-13-1 6 16,-17 0-8-16,-15-1 2 16,-4-6 11-16,-19-5 2 15,-14-5-5-15,-7-8-5 16,-3-7-3-16,1-7 0 16,5-6-4-16,5 0-10 15,10-13-19-15,15-18-35 16,7-6-50-16,11-7-26 0</inkml:trace>
+  <inkml:trace contextRef="#ctx0" brushRef="#br0" timeOffset="-61557.7">22717 7335 285 0,'0'0'34'16,"0"0"-3"-16,92 128-9 15,-66-80-2-15,-6 1 17 16,-4-7 5-16,-5-6-23 15,-5-6-3-15,-1-8-15 0,-5-9-1 16,0-9 5-16,0-4 0 16,-7 0 40-16,-20-21-29 15,-8-19-13-15,-5-18-6 16,2-17-2-16,4-13 2 16,10-9 1-16,15-4-14 15,9 9 11-15,11 16 5 16,27 9 0-16,4 19 0 15,1 14 0-15,-1 14-2 16,-4 16 1-16,-3 4 0 16,-3 8 0-16,-6 20-4 15,-8 9-1-15,-9 4 4 16,-9 6 4-16,0-2 3 16,-25 4 4-16,-8-4-3 15,-7 2 0-15,-2-5-4 0,4-6 0 16,6-6-4-16,13-10-4 15,9-14-6-15,10-6-9 16,0 0-47-16,23-16 15 16,15-10 41-16,9-11-62 15,7-4 0-15,1-2 8 16,-2 2 28-16,-8 5 38 16,-14 3 60-16,-11 13 9 15,-11 6 15-15,-6 8-21 16,-3 6 9-16,0 0-17 15,0 0-35-15,0 0-6 16,-5 18-13-16,-9 13 12 0,-3 15-9 16,-8 8-2-1,5 1 4-15,0 4-5 0,7-4 0 16,8-14 2-16,5-9-3 16,0-16 0-16,7-11-3 15,15-5 3-15,10-11 7 16,-1-27-2-16,0-12-3 15,-2-10 2-15,-6-3-4 16,-13 7-2-16,-3 10-1 16,-7 14 3-16,0 16 0 15,0 10 0-15,0 6-10 16,0 0 6-16,0 6 4 16,0 20 3-16,0 4-2 15,4 2 2-15,8 3 2 16,1-8-5-16,1 4 0 0,-1-3 1 15,0-2-1-15,1 0 0 16,-2-9-2-16,7-11-19 16,-2-6-18-16,6 0-11 15,1-25 2-15,-1-7-22 16,-4-4-9-16,-3 2 14 16,-5 1 62-16,-4 7 3 15,-5 6 77-15,-2 8-26 16,0 5-10-16,0 4 28 15,0 3 0-15,0 0-29 0,0 0-28 16,0 0-10 0,5 9 0-16,1 10 1 15,3 7 7-15,2 5-3 16,1 1-2-16,1 2-1 0,-4-3-4 16,4-2 1-16,-2-8 3 15,-1-4-4-15,-2-11-1 16,-4-6 1-16,1 0 0 15,1 0 9-15,4-14-1 16,3-10-4-16,3-5 1 16,1 0-5-16,4 5 0 15,-1 0 0-15,1 1 0 16,4 7 0-16,2 3-2 16,0 7 2-16,0 6-5 15,-8 0 2-15,-1 8-5 0,-5 14 2 16,-1 6 6-16,-8 2-2 15,3 0 4-15,-5 0-2 16,-2-3 0-16,2-8-6 16,-2-5-7-16,2-6-23 15,-2-8-47-15,0 0-22 16,0-4-31-16</inkml:trace>
+  <inkml:trace contextRef="#ctx0" brushRef="#br0" timeOffset="-61343.86">23408 6946 582 0,'0'0'25'16,"0"0"-23"-16,0 0-2 16,0 0 0-16,0 0-8 15,0 0 1-15,0 0 4 16,80 17 6-16,-15-6-7 15,6-7-22-15,9-2-8 16,6-2-33-16,6 0-40 16,4 0-111-16</inkml:trace>
+  <inkml:trace contextRef="#ctx0" brushRef="#br0" timeOffset="-60975.26">24319 7006 328 0,'0'0'27'0,"0"0"-24"16,-116 80 28-16,71-38 13 16,3 5-8-16,7 0 8 15,10 0-25-15,12-9-8 16,13-9 1-16,0-6-12 16,19-8 0-16,22-11 1 15,3-4 2-15,6-4 2 16,-2-25-5-16,2-5-13 15,-9-8 3-15,0 0-16 16,-10-3-2-16,-9 7-2 16,-8 11 30-16,-8 10 6 0,-6 14 26 15,0 3 19 1,0 0-11-16,5 3-35 0,3 19 1 16,8 9 4-16,9 7-1 15,6-2-5-15,11 0-4 16,2-2 0-16,2-2-2 15,-5 0 1-15,2-4-53 16,-9-6-156-16</inkml:trace>
+  <inkml:trace contextRef="#ctx0" brushRef="#br0" timeOffset="-55407.88">22514 8388 216 0,'0'0'144'0,"0"0"-104"16,0 0-29-16,0 0 18 15,0 0 7-15,0 0-9 16,0 0 9-16,-42-28-17 0,40 28-15 16,-3 0-2-16,-4 0 1 15,-6 8 1-15,-12 18 0 16,-4 10 0-16,0 12-3 15,-3 4-1-15,3 5 0 16,6-3 2-16,3-2-2 16,9-7-1-16,11-7-1 15,2-3 2-15,0-11-7 16,11-4 5-16,15-6 2 16,12-9 2-16,7-5 1 15,2 0 2-15,-2-23-5 16,-1-7 1-16,-7-6 6 15,-5-8-7-15,-8-4 0 16,-3-4 3-16,-11-2-3 0,-5 5 0 16,-5 5 0-1,0 10 0-15,0 10-4 0,-21 8 2 16,-2 14-35-16,-11 2-33 16,-6 28-44-16,-11 19-102 15</inkml:trace>
+  <inkml:trace contextRef="#ctx0" brushRef="#br0" timeOffset="-54873.92">22017 9836 368 0,'0'0'37'0,"0"0"-37"16,0 0 8-16,0 0 42 0,61-137-24 15,-32 100-5-15,0 1-13 16,-3 5-4-16,-4 5-1 16,-4 4-3-16,-3 1 0 15,-5 7 6-15,-4 5-6 16,-3 3 0-16,-1 3 4 15,-2 3 1-15,0 0 1 16,0 0-6-16,0 0 4 16,2 17-2-16,0 9 11 15,2 6 11-15,-1 8-13 16,2 2-8-16,-5 2 1 16,0 0-4-16,0-2 0 15,0 1-3-15,0-5 3 0,0 0-32 16,0 0-74-1,0-4-87-15</inkml:trace>
+  <inkml:trace contextRef="#ctx0" brushRef="#br0" timeOffset="-54090.68">22196 9705 275 0,'0'0'49'0,"0"0"-38"16,0 0-9-16,0 0 28 15,0 0-6-15,0 0 16 16,-45-96-18-16,43 94 11 16,-3 2-8-16,1 0-8 15,-3 0-3-15,-6 0-1 16,-7 12 6-16,-7 10-19 15,-4 8 0-15,4 4 1 0,5 0 0 16,9-2-1-16,3 0 6 16,8-3-3-16,2 1 1 15,0-5-4-15,0 1 0 16,14-3 1-16,3-5-1 16,8-4 0-16,4-4 4 15,2-4-4-15,7-6 5 16,-3 0-5-16,4 0 0 15,-2-18 10-15,-1-8-9 16,-3-5-1-16,-2-4 3 16,-6-2-3-16,-7 3 2 15,-9 0-2-15,-9 4 0 16,0 3 2-16,0 0-2 0,-4 5 0 16,-12 2 2-1,1 2-1-15,-2 6 1 0,2 2-2 16,1 4-2-16,6 4-1 15,-3 2-18-15,1 0-30 16,0 18-25-16,-3 14-93 16</inkml:trace>
+  <inkml:trace contextRef="#ctx0" brushRef="#br0" timeOffset="-52542.02">22155 8865 232 0,'0'0'37'0,"0"0"-25"16,0 0 27-16,0 0-7 16,0 0 16-16,-24 111-2 15,24-98-4-15,9-10-24 16,11-3 6-16,8-3 21 15,11-31-6-15,9-16-19 16,4-17 4-16,0-8-17 16,-6-10-2-16,-6-5-1 15,-6-1 0-15,-12 4-2 16,-6 6-2-16,-12 14 0 16,-2 10 3-16,-2 13-2 15,0 15-1-15,0 15 12 0,0 9 5 16,0 5-10-16,0 0-7 15,0 0 0 1,0 19 0-16,0 17 1 0,-4 14 0 16,-5 6 3-16,2 13-4 15,2 8 3-15,-1 4-3 16,4 2 0-16,0-4 3 16,2-11-3-16,0-8 0 15,0-10 0-15,13-9 3 16,7-5-4-16,-3-13 1 15,1-9 0-15,-5-3 4 0,-5-8-4 16,-6-1 0 0,-2 1 3-16,0-2 1 0,0-1 5 15,0 0-9-15,0 0 1 16,-4-6 0-16,-12-8-1 16,-2 2-4-16,-6 0 4 15,-5 2-1-15,-7 2-1 16,1 4 2-16,0 0 0 15,4 4 1-15,10 0-1 16,2 0-2-16,6 0-1 16,-1 0 3-16,2 10-1 15,0 7 0-15,5 4 1 16,5 0-7-16,2-2 6 16,0-5-7-16,0 0 7 15,0 0 1-15,14-2 0 0,1 1-2 16,6-4 2-16,0 1 2 15,6-3-2-15,4-3 0 16,6-4 0-16,0 0 0 16,5 0 0-16,0 0 0 15,-1 0-15-15,-3-2-10 16,-5 2-50-16,-4 0-41 16,-18 12-157-16</inkml:trace>
+  <inkml:trace contextRef="#ctx0" brushRef="#br0" timeOffset="-51324.77">22061 10834 224 0,'0'0'95'16,"0"0"-72"-16,0 0-21 15,0 0 0-15,0 0 19 16,0 0 11-16,-2 5-7 16,10-14 1-16,5-9-5 15,5-4-8-15,1-6 8 16,2-4-4-16,-4-6-2 16,6-5-1-16,-1-3-13 15,-5 5-1-15,2 3 5 0,-3 7-4 16,-3 7 2-16,-5 10-3 15,-3 8 0-15,-3 4 10 16,-2 2-10-16,0 0 0 16,3 0-2-16,6 21 2 15,-1 6 7-15,6 7 5 16,1 6-8-16,3 6 14 16,-5 1-16-16,0-2 5 15,1-1-2-15,-3-2-2 16,1-7 3-16,-4-5-6 15,-1-4 0-15,-3-2 1 0,0 0-1 16,0 1-5 0,-4-4-30-16,0 5-70 0,0-5-142 15</inkml:trace>
+  <inkml:trace contextRef="#ctx0" brushRef="#br0" timeOffset="-49951.91">22169 11761 336 0,'0'0'51'16,"0"0"-47"-16,0 0-1 15,0 0 44-15,0 0-20 16,0 0-13-16,-16-49-8 16,16 49-6-16,-2 0 2 15,2 0-2-15,-5 0 0 16,3 0 19-16,0 0-18 0,-2 0 4 15,4 0 11-15,-2 0-12 16,2 2-2-16,0-2-2 16,0 0 0-16,0 0 7 15,0 0-6-15,0 0 2 16,0 0 6-16,0 0-3 16,0 0 2-16,0 0-8 15,-3 0 2-15,3 0-3 16,0 0 1-16,0 0 0 15,-2 0 0-15,2 0 0 0,0 0 1 16,0 0-1 0,0 0 0-16,0 0-1 0,0 0 1 15,0 0 0-15,0 0 0 16,0 0-2-16,0-2 0 16,0 1-10-16,0 1 12 15,0 0 3-15,0 0-1 16,-2 0 2-16,-1 0 6 15,1 0-3-15,2 0 0 16,0 0-7-16,0 0 0 16,0 0-1-16,0 0 1 15,0 0-3-15,0 0 1 16,0 0-3-16,0 0 3 0,0 0 1 16,0 0 1-1,0-4 11-15,0 1-8 0,0 2 2 16,0-2-2-16,0 3-3 15,0 0 4-15,0 0-4 16,0 0 0-16,0 0 8 16,0 0-8-16,0 0 0 15,0 0 1-15,0 0-1 16,0 0 2-16,0 0-2 16,0 0 0-16,0 0 7 15,0 0-6-15,0 0 0 16,0 0 1-16,-4 0 0 15,-7 0 7-15,-5 8-9 16,-2 9 0-16,-4 2 0 16,1 6 0-16,2 9-1 0,3 4 1 15,3 8 0-15,1 4-2 16,6-2 2-16,6-2 0 16,0-6-3-16,0-2 3 15,16-1-5-15,11-7 5 16,8-3 1-16,7-4 4 15,5-9-5-15,4-4 2 16,1-7-1-16,-5-3-1 16,-3-6 0-16,-4-25 3 15,-5-13-2-15,2-13 3 16,-4-12-4-16,-4-8 0 16,-7 3 0-16,-6 4 0 0,-12 10 0 15,-4 6 1 1,0 7 0-16,-6 11 0 0,-15 8-1 15,-6 11-3-15,-6 8 0 16,-9 9-5-16,-5 0-12 16,-6 27-32-16,-3 18-35 15,0 13-85-15</inkml:trace>
+  <inkml:trace contextRef="#ctx0" brushRef="#br0" timeOffset="-48872.82">22360 12803 225 0,'0'0'73'0,"0"0"-41"16,0 0-14-16,0 0 25 15,0 0-15-15,0 0-14 16,-13-1-1-16,13 1-13 15,0 0 0-15,0 0-6 16,0 0-28-16,0 0 11 16,-2 0-15-16,-1 0 23 15,-1 0 13-15,-1 6 4 0,3-3-2 16,2 0 0-16,-2-2 4 16,2-1 10-16,0 3 1 15,-2-3 0-15,0 0 7 16,2 0-7-16,0 0 0 15,-2 0-2-15,2 0-6 16,0 0 8-16,0 0-1 16,0 0 2-16,0 0 13 15,0 0-11-15,0 0 11 16,0 0-13-16,0 0-8 16,0 0 10-16,0 0-13 15,0-9-5-15,2-4 6 16,4-4-6-16,3-6 0 15,3-4 0-15,3-3 1 0,-6 3-1 16,2 4 0 0,-4 5 0-16,-3 3 2 0,2 6-2 15,-2 3 0-15,-2 4 0 16,0 0 0-16,-2 2-2 16,0 0 2-16,0 0-9 15,4 14 9-15,1 18-3 16,1 12 3-16,-2 12 8 15,6 7-2-15,-4 3 5 16,5-2-7-16,1-4-3 16,1-6 8-16,3-10-9 15,-3-2 1-15,0-10-1 16,-1-10 2-16,-2-4-2 0,-1-10 0 16,-4-2 0-1,0-1 0-15,-5-2 0 0,0-3-24 16,0 6-61-16,0-2-64 15</inkml:trace>
+  <inkml:trace contextRef="#ctx0" brushRef="#br0" timeOffset="-47958.2">22394 14044 176 0,'0'0'116'0,"0"0"-85"16,0 0 4-16,0 0 17 15,0 0-14-15,0 0 0 16,-29-5-22-16,20 3-3 15,-7-1 9-15,-3 3-15 16,-8 0 7-16,-9 0 3 16,-1 9-14-16,-6 13 7 15,3 6-8-15,4 3-1 16,5 6 8-16,9 7-9 0,5 4 0 16,11 2 0-16,6-4 0 15,0-5-3-15,27-12 0 16,11-5 3-16,9-8 6 15,7-9-6-15,-2-5 1 16,4-2-1-16,0-9 2 16,-2-14 6-16,-8-14-8 15,1-7 0-15,-5-9 3 16,-4-10-3-16,-7 1 0 16,-8 0 0-16,-15 8 1 15,-6 4 2-15,-2 11-3 16,-2 11 0-16,-15 11-4 0,-3 8 3 15,-3 7-8 1,2 2-13-16,-6 18-47 0,-7 22-46 16,-9 13-159-16</inkml:trace>
+  <inkml:trace contextRef="#ctx0" brushRef="#br0" timeOffset="-47407.72">22283 15226 279 0,'0'0'89'0,"0"0"-63"16,0 0-1-16,0 0 9 16,0 0-7-16,0 0-21 15,-5 14-5-15,0 8 17 16,1 6-12-16,-7 12 0 15,-1 4 5-15,-1 5-1 0,7-4 2 16,6-6-10-16,0-8-1 16,0-7-1-16,11-6 8 15,9-10-8-15,9-3 3 16,2-5-3-16,7-14 12 16,4-21-11-16,3-11 0 15,-3-6 6-15,-2-7-6 16,-7 5-1-16,-6-3 0 15,-9 7 1-15,-13 6 2 16,-5 8-3-16,-7 3 0 16,-22 13-5-16,-11 10 5 15,-5 10-6-15,-3 0 2 16,-8 19-10-16,2 20-43 16,3 13-75-16,0 3-185 15</inkml:trace>
+  <inkml:trace contextRef="#ctx0" brushRef="#br0" timeOffset="-46734.76">22327 16391 406 0,'0'0'33'0,"0"0"-33"0,-120 82 0 16,88-38 2-16,10 4 4 15,5 6 18-15,5 4-12 16,5 1-3-16,7-2 16 16,0-8-14-16,5-4-9 15,22-8 7-15,6-11-6 16,10-12 13-16,3-5-16 15,4-9 0-15,5-13 9 0,6-23-6 16,-2-14 1-16,-1-12-3 16,-7-7-1-16,-9-1 5 15,-15 3-5-15,-15 10 0 16,-12 12 5-16,0 3-5 16,-20 11 0-16,-12 9 0 15,-3 6 1-15,-3 10-7 16,4 6 0-16,-4 0-12 15,1 22-32-15,-1 20-52 16,5 16-44-16</inkml:trace>
+  <inkml:trace contextRef="#ctx0" brushRef="#br0" timeOffset="-46242.12">22046 18063 381 0,'0'0'57'0,"0"0"-57"0,0 0 0 16,0 0 2-16,0 0 15 16,0 0-14-1,92-54 8-15,-70 26 16 0,0-6-8 16,-6 1 10-16,-3 2-7 16,-3 0-7-16,-2 3 4 15,3-2-19-15,3 4 1 16,1 2 2-16,1 3-3 15,-1 8 0-15,-4 11 0 16,-1 2-8-16,-2 0 7 16,3 6 2-16,1 16 2 15,3 9 10-15,1 4-2 16,-3 5 3-16,1 5-10 0,-1 1-3 16,-5 2 8-1,0 6-9-15,0-6 0 16,1-2 2-16,7-12-2 0,1-10-46 15,-3-16-203-15</inkml:trace>
+  <inkml:trace contextRef="#ctx0" brushRef="#br0" timeOffset="-42474.18">22650 7716 307 0,'0'0'80'16,"0"0"-80"-16,-127 78 0 0,93-42-1 16,10-6 1-16,9-12 0 15,15-11 0-15,0-7 0 16,8 0 1-16,21 0 0 15,11-17 0-15,9-10 8 16,9-11-9-16,7-8 0 16,4-4 0-16,3-5 1 15,-8-1 0-15,-8 3-1 16,-16 12 0-16,-17 13 4 16,-13 15-3-16,-10 9 6 15,0 4 38-15,-4 2-37 16,-25 28 9-16,-16 16-17 0,-17 21 0 15,-16 17 1-15,-13 10 0 16,-5 8-1-16,7-9 0 16,15-19 2-16,23-18 2 15,20-20-4-15,19-16-2 16,12-7-4-16,0-13 8 16,29 0-2-16,23-27 16 15,19-21-14-15,14-19 3 16,6-7-5-16,0-6 0 15,-10 1 2-15,-10 6-2 16,-17 15 0-16,-23 23-2 16,-16 20 4-16,-15 15-6 15,0 8 1-15,-27 42 2 16,-26 30 1-16,-27 31 4 0,-20 27 2 16,-14 36-4-16,-11 29 1 15,0 19 0-15,9 0-3 16,25-32 0-16,35-40 4 15,41-46-4-15,19-36 1 16,52-24 3-16,27-27-3 16,17-17 10-16,18-25-11 15,13-35 0-15,3-16 3 16,-7-6-3-16,-22 9-15 16,-34 28-12-16,-33 28 27 15,-31 20-6-15,-12 52-20 16,-53 34 26-16,-31 30 2 15,-27 22 4-15,-18 24-3 0,-8 25 4 16,-3 21-4-16,7 7 8 16,18-4-3-16,22-33-2 15,36-38 11-15,33-47-16 16,29-38 1-16,19-36-2 16,53-22 2-16,28-18 19 15,20-39-21-15,9-14 1 16,-4-8-3-16,-11 11 2 15,-23 25-2-15,-28 27-2 16,-28 16-4-16,-30 45 5 16,-5 37-15-16,-45 24 18 15,-18 24 3-15,-10 17-3 16,-2 4 0-16,3 4 0 16,7 1 0-16,9-13 3 0,8-7-3 15,3-10 0-15,9-18 2 16,15-15 0-16,11-19-4 15,10-20 1-15,23-18 1 16,23-13 0-16,19-16 0 16,2-7 0-16,2 0 3 15,-11-12-2-15,-14 2-1 16,-17 10 0-16,-18 0-4 16,-9 26 3-16,0 22-13 15,-20 26 14-15,-13 20 9 16,-8 11-9-16,1 3 0 0,-2-4 0 15,-7 2 1 1,-9 2 1-16,-5 7-2 0,-1 1 0 16,6-3 2-1,14-17-2-15,15-24 0 0,22-22-3 16,7-19 3-16,31-18-5 16,24-13 5-16,22 0-1 15,10-19 0-15,8-6-12 16,-1 10 12-16,-11 12 1 15,-19 3 0-15,-20 36-7 16,-25 23 3-16,-17 13 4 16,-2 11-2-16,-23 6 8 15,-14 5-5-15,-9 1-1 16,0 1 3-16,-3 0 0 0,5 2-3 16,-4 3 0-16,0 3 2 15,1 3 1-15,11-13 6 16,16-14-2-16,20-16 3 15,7-15-15-15,27-11 5 16,5-7 0-16,9 1 1 16,9-4 1-16,10 3-2 15,2 0 0-15,-9 7 3 16,-13 9-6-16,-16 15 3 16,-13 8 0-16,-9 16 2 15,-9 13-2-15,0-1 0 16,-2 5-2-16,-25-9 2 15,-7 0 2-15,-1 2-2 0,-7-1 0 16,1 3 3-16,10-9-3 16,9 5 4-16,11-5-4 15,11-4 1-15,0-9 1 16,8-18-2-16,35-18-5 16,17-19 4-16,18-10-2 15,9-11-1-15,0 0-3 16,-6 8 7-16,-15 2-2 15,-8 11 2-15,-11 12-1 16,-12 7-2-16,-12 4 3 0,-19 14-2 16,-4 4-1-1,-11 1 3-15,-22-1 10 16,-8 0-6-16,-5 6 20 16,-4 2 0-16,0 3-14 15,7 3-6-15,7-4-4 0,19-10 4 16,14-8-9-16,3-10 5 15,25-12-50-15,18-9-56 16,1-19-280-16</inkml:trace>
+  <inkml:trace contextRef="#ctx0" brushRef="#br0" timeOffset="41157.09">9264 7616 259 0,'0'0'10'0,"0"0"-8"15,0 0 39 1,0 0 13-16,0 0 13 0,0 0 1 16,0 0-33-16,0 0-8 15,0-20 2-15,0 20-8 16,0 0-3-16,0 0 0 15,0 0-3-15,0 0-7 16,0 10-8-16,0 20 0 16,0 16 4-16,0 12-4 15,0 8 5-15,0 9 2 16,0 1 3-16,0 3 7 16,0 4-14-16,0 1 0 15,2 5 7-15,2 7-10 16,5 9 5-16,3 8 5 0,1 2-7 15,5 1 7-15,-1-2-10 16,4 1 0-16,-1-3 5 16,-3-2-5-16,4-8 0 15,-6-5 0-15,3-5 3 16,-3 0-1-16,-1-3-2 16,-3-6 0-16,1-2 1 15,-4-1-1-15,-1 3 0 16,-1 1 0-16,-1 6 1 15,-3 0 0-15,1-6-1 16,-3-1 0-16,0-8 0 16,0-2 0-16,0-1 0 15,0-3 0-15,0 0 1 0,0-2-1 16,0-7 0-16,0-2 0 16,0-4 0-16,0-5 0 15,0-6 0-15,0-7 0 16,0-6 1-16,0-2-2 15,0-4 1-15,0 1 0 16,0-3 1-16,0 2-1 16,-10-1 0-16,2-5 0 15,1-5 1-15,1-5 1 16,3-4-2-16,-2-4 0 16,5 0 3-16,-4 0-2 15,-3 0 0-15,-6 0 0 0,-5 0 0 16,-4 0 0-16,-5-3-1 15,-4-3 0-15,-5 3 0 16,-4-1 0-16,-5 4 0 16,-3 0 0-16,-6 0 0 15,-4 0 0-15,-7 1 0 16,-3 10 0-16,-1-1 1 16,-3 2-1-16,1-6 0 15,0 1 0-15,1-4 0 16,-1-2 3-16,2 2-3 15,-7 3 0-15,3-2 3 0,-2 2-3 16,3 2 0-16,3-2 0 16,-2 1 1-16,-6-1 3 15,0 1-4 1,-4-1 0-16,4-2 1 0,5-2-1 16,7-2 0-16,1 0-1 15,2 0 2-15,-5 0 0 16,-4 0-1-16,-5 0 0 15,0 0 7-15,-2 0-6 16,-5 0 0-16,-1 0-1 16,-5 0 2-16,0 0-2 15,-3 0 0-15,5 0 0 16,2 0 2-16,4 0-2 16,0 0 0-16,-2 0 0 15,-1-8 1-15,-3 4 1 16,-2-2-2-16,6 1 0 0,4 0-1 15,4-3 1-15,7 0 0 16,-1-2-1-16,-3 2 2 16,3 2-2-16,-2-2 1 15,0 4 0-15,-1-2 1 16,-1 0-1-16,-6 6 0 16,0-2-1-16,-4 2 2 15,0 0-1-15,2-2 0 16,2 2 0-16,4 0 1 15,3 0-1-15,-3 0 0 16,-2 0 0-16,0 0 0 16,-2 0 1-16,2 0-1 15,1 8 0-15,5 0-3 0,2 0 3 16,6-2 0 0,5-2-1-16,5-1 2 0,2 0-1 15,4-3 0-15,3 0 0 16,1 0 0-16,3 0 0 15,2 0 0-15,3 0 0 16,-4 0 1-16,4 0-1 16,-1 0 0-16,1 0 0 15,-1 0 0-15,1 0 0 16,-2 0 0-16,4 0-1 16,-5 2 1-16,3 2 1 15,4 2-1-15,2-2 0 0,8-2-1 16,6 0 1-16,-1-2 0 15,-1 0 0-15,-2 0 1 16,-3 0-1-16,-2 0 0 16,-5 0 0-16,-4 0-1 15,-4 2 1-15,2 0 0 16,-3 1 0-16,-2 1 0 16,-3-2 0-16,1-2 0 15,5 0 0-15,-4 0 1 16,8 0-1-16,4 0 0 15,-3-5-1-15,9-3 1 16,-2 0 0-16,3-4 0 16,-1 2 0-16,1-2-2 15,0-2 2-15,1-3 0 16,2-4-2-16,-1-8 2 0,-1-5-3 16,4-10 3-16,1-6 0 15,5-6 1-15,2-10-1 16,4-3 0-16,3-4-1 15,2-10 2-15,0-5-1 16,0-8 0-16,0 1 0 16,0-3 0-16,0 0 1 15,0-2-2-15,-9-6 1 16,-6-1 0-16,-1 10 0 16,1 10 0-16,-1 11 0 15,1 8 1-15,1 1-1 16,-1-2-3-16,-3 2 1 0,-5-1 2 15,2-6 0-15,-8-3 0 16,2-3-2-16,0 0 0 16,0-1-3-16,2-2 4 15,1 6 1-15,2 7 0 16,4 10 0-16,5 12 0 16,3 12 0-16,4 8-1 15,1 6 1-15,1 4 0 16,2-1 0-16,2-11-5 15,0-15 3-15,0-18-3 16,2-9 0-16,5 6 3 16,-5 5 2-16,-2 7-2 15,0 2 2-15,0 2 0 0,0 6-2 16,0 4 2 0,0 0 0-16,-2 0-2 0,-7-5 2 15,0-3 0-15,-3-4 0 16,6 0 0-16,0 0-4 15,-1 2 4-15,2 4-6 16,0 0-2-16,1-4-1 16,0 2 8-16,2 1 1 15,-5 5 0-15,3-2 1 16,-1-4-1-16,5-10 0 16,0-4-1-16,0 2 1 15,2 11-1-15,10 16 0 0,-4 16 2 16,-6 12-4-1,0 5 2-15,3-5 1 0,0-3-1 16,6-3 1-16,4-8-1 16,3-5 1-16,9-6 0 15,4-6-1-15,5-2 1 16,-3 1 0-16,-2 4 1 16,-6 7-1-16,-8 5-1 15,-5 11 1-15,-8 10 0 16,-4 0-1-16,0 0 1 15,0 0-1-15,0 0-2 16,0 0 0-16,0 0 1 16,11 0-3-16,9 0 5 0,10 0-1 15,1 0 1-15,4 0 0 16,3 0-3-16,0 9 4 16,11-1-1-16,11-8 0 15,19 0 0-15,14 0 3 16,7-17-3-16,2-1 0 15,-4 0-3-15,-3 3 3 16,-5 4 0-16,1 5 0 16,-1 2 0-16,1 0-1 15,-2-2 1-15,-2 2 0 16,-2-4 0-16,2-2 1 16,3-4-2-16,3-4 1 15,1-2 0-15,-1 4 3 16,-5 4-3-16,2 6 0 0,-1 6 0 15,-2 0 0-15,-2 0 0 16,-2 0 0-16,-2 0 1 16,6-3-2-16,11-5 1 15,8-11 0-15,4-5-2 16,4-2 2-16,0-2 0 16,-5 1-1-16,-9 9 2 15,-13 7-1-15,-9 7 0 16,-9 1 0-16,-4 3 2 15,-1-4-2-15,3-1 0 16,5-6-2-16,1 2 4 16,6-2-1-16,2 3-1 15,4 1 0-15,2 0-1 16,0 4 1-16,-3 3 0 16,6 0 0-16,1 0 0 0,7-5-2 15,7-5 2-15,2-1 0 16,-2 0 0-16,-9 4 0 15,-7 4 0-15,-2 3 0 16,-7 0 0-16,-4 0 2 16,-1 0-2-16,-6 0 0 15,-1 12-2-15,0 4 2 16,1 3 0-16,-4-2-1 16,-3 2-2-16,-6 1 3 15,-4-2-16-15,0 2 9 0,6-4 4 16,5-4 2-16,3-2-11 15,4-4 9-15,-1 0 2 16,-11 4-1-16,-12 4-11 16,-5 6 7-16,-5-4 5 15,-3-2-7-15,0-1 1 16,-1-6 5-16,-1 1 2 16,-4-2-2-16,-5-2 2 15,-2 2 0-15,2-2 2 16,1 5-2-16,6-3 0 15,4-4 0-15,0 3 0 16,1-3-2-16,-1 0 2 16,0-2 0-16,-1 0 2 15,-10 0-1-15,-7-2-2 16,-8 0 1-16,-4 2 0 0,-1 0 1 16,7 0-1-16,6 6 0 15,14 0 0-15,6-2 0 16,0-2 0-16,-6 5 0 15,-12 0 1-15,-9 5-3 16,-2 8 2-16,-4-2 0 16,-2 4 2-16,4 0 0 15,-2 3-2-15,1 5 0 16,-1 4 0-16,-2 4 0 16,0 4 0-16,0 4 0 15,0 2 1-15,0 6-1 16,-9 3 0-16,2 1 0 0,0 0 0 15,3 0 0-15,4-1 0 16,0-1 0-16,0 1 1 16,0 1-1-16,0 3 0 15,0-4-1-15,0 0 2 16,0-9-1-16,0-4 0 16,0-5 0-16,2-2 0 15,0-2 0-15,0-6 0 16,-2 0 0-16,0-5 0 15,0-6 0-15,0-8 0 16,0-5-9-16,0 8-92 0,-23-3-173 16</inkml:trace>
+  <inkml:trace contextRef="#ctx0" brushRef="#br0" timeOffset="52279.63">6376 11516 303 0,'0'0'5'0,"0"0"17"15,0 0-16-15,0 0 2 16,0 0-1-16,0 0 28 16,0 0-21-16,-4-8-9 15,4 8 0-15,0 0-5 16,0 0 0-16,0 20-2 15,0 12 4-15,0 20 17 16,-2 19-10-16,-7 21 23 0,-9 20-13 16,-5 13-4-16,-1 7-1 15,0-8-13-15,1-14 4 16,5-22 1-16,9-17-6 16,5-17 0-16,4-14 5 15,0-6-4-15,0-10-1 16,0-4 0-16,4-4 0 15,1-4 2-15,1-2-2 16,0-1-1-16,0-6-1 16,3 3 2-16,1-5 0 15,2 4-2-15,3-1 2 16,4-1-3-16,7-3 3 0,12 0 0 16,18 0 10-1,15 0-6-15,14 0 2 0,8 0-6 16,5-3 1-16,-4 3 1 15,-3 0-2-15,1 0 0 16,-3 0 0-16,4 0 2 16,-3-2-1-16,-6-2-1 15,-2 0 0-15,-1 3-1 16,2 1 1-16,0 0 0 16,2 0 0-16,2 0 1 15,-2 0-2-15,-3 1 1 16,3-1 0-16,0 0-2 15,-3 0 2-15,-2 0 0 16,-9 0 2-16,-5 0-2 16,-7-1 0-16,-3-2 0 0,-4 3 0 15,-8 0 0-15,-6 0 0 16,-2 0 0-16,-7 0 0 16,-4 0 0-16,-8 0 0 15,-3 0 0-15,-8 0 0 16,-6 0 0-16,0 0 0 15,0 0 0-15,0 0 2 16,0 0 0-16,0-8 0 16,0-14-2-16,0-4 0 15,7-4-3-15,1 0 3 16,4 0 0-16,-3-1 0 16,-3 2 1-16,-2-1 1 15,-4-9-2-15,3-4 0 0,-3-10 0 16,0-9 0-16,0-6 0 15,0-2 0 1,0 3 1-16,-3 9 0 0,-1 7-1 16,0 2 0-16,0 0 1 15,-1 2-1-15,3-1 0 16,0 2 0-16,2 4 0 16,-3 5 3-16,1 9-1 15,-1 8 1-15,-1 0 11 16,0 6-14-16,-3 0 0 15,1 3 2-15,1 2-1 0,-2 1 4 16,-2 2-5 0,3 2 0-16,-4 0 0 15,0 0 0-15,1-3 0 0,-5 4 3 16,1-2-2-16,-3-4-1 16,1 3 0-1,-3 0 0-15,-2-2-2 0,2 1 2 16,-2 4 0-16,-2 0 0 15,0 0 1-15,-8 3-1 16,-5 0 0-16,-5 0 0 16,-9 0 2-16,-9 0-2 15,-9 0 0-15,-6 0 1 16,-3 0-1-16,-2 0 0 16,-2 0 0-16,1 0 0 0,-3 0 0 15,2 0 0-15,2 0 0 16,8 0 0-16,8 0 0 15,7 0 0-15,6 0-1 16,2 0 1-16,0 0 0 16,5 0 0-16,1 0 0 15,2-1 0-15,3-2 0 16,-1 2 0-16,-2 1 0 16,3 0 0-16,3 0 0 15,2 0 0-15,0 0 0 16,0 0 0-16,1 0 0 15,1 0 0-15,5 0 0 16,0 0 0-16,1 0 0 0,3 0 0 16,1 0 0-16,-6 0 1 15,-4 0-1-15,-7 0 0 16,-4 0 0-16,-2 0 0 16,0 0-1-16,3 0 1 15,6 0 0-15,4 1 0 16,5 2 1-16,-1-3-1 15,1 0 0-15,-1 0 0 16,0 0 0-16,6 0 0 16,1 0 0-16,2 0 0 15,2 0 0-15,2 0 0 16,-2 0-1-16,1 3 1 16,-1-2 0-16,1 2 0 15,2 0-5-15,1 4-16 16,0-1-12-16,-1 2-4 0,-1 5-21 15,1-3 10 1,3 5 11-16,-2 1-45 0,1 3-155 16</inkml:trace>
+</inkml:ink>
+</file>
+
 <file path=ppt/slideLayouts/slideLayout1.xml><?xml version="1.0" encoding="utf-8"?>
 <p:sldLayout xmlns:a="http://schemas.openxmlformats.org/drawingml/2006/main" xmlns:r="http://schemas.openxmlformats.org/officeDocument/2006/relationships" xmlns:p="http://schemas.openxmlformats.org/presentationml/2006/main" type="title" preserve="1">
   <p:cSld name="Diapositiva de título">
@@ -276,7 +660,7 @@
           <a:p>
             <a:fld id="{FD24D06E-A107-49F4-A213-45397444B7A2}" type="datetimeFigureOut">
               <a:rPr lang="es-ES" smtClean="0"/>
-              <a:t>01/10/2020</a:t>
+              <a:t>12/05/2023</a:t>
             </a:fld>
             <a:endParaRPr lang="es-ES"/>
           </a:p>
@@ -474,7 +858,7 @@
           <a:p>
             <a:fld id="{FD24D06E-A107-49F4-A213-45397444B7A2}" type="datetimeFigureOut">
               <a:rPr lang="es-ES" smtClean="0"/>
-              <a:t>01/10/2020</a:t>
+              <a:t>12/05/2023</a:t>
             </a:fld>
             <a:endParaRPr lang="es-ES"/>
           </a:p>
@@ -682,7 +1066,7 @@
           <a:p>
             <a:fld id="{FD24D06E-A107-49F4-A213-45397444B7A2}" type="datetimeFigureOut">
               <a:rPr lang="es-ES" smtClean="0"/>
-              <a:t>01/10/2020</a:t>
+              <a:t>12/05/2023</a:t>
             </a:fld>
             <a:endParaRPr lang="es-ES"/>
           </a:p>
@@ -880,7 +1264,7 @@
           <a:p>
             <a:fld id="{FD24D06E-A107-49F4-A213-45397444B7A2}" type="datetimeFigureOut">
               <a:rPr lang="es-ES" smtClean="0"/>
-              <a:t>01/10/2020</a:t>
+              <a:t>12/05/2023</a:t>
             </a:fld>
             <a:endParaRPr lang="es-ES"/>
           </a:p>
@@ -1155,7 +1539,7 @@
           <a:p>
             <a:fld id="{FD24D06E-A107-49F4-A213-45397444B7A2}" type="datetimeFigureOut">
               <a:rPr lang="es-ES" smtClean="0"/>
-              <a:t>01/10/2020</a:t>
+              <a:t>12/05/2023</a:t>
             </a:fld>
             <a:endParaRPr lang="es-ES"/>
           </a:p>
@@ -1420,7 +1804,7 @@
           <a:p>
             <a:fld id="{FD24D06E-A107-49F4-A213-45397444B7A2}" type="datetimeFigureOut">
               <a:rPr lang="es-ES" smtClean="0"/>
-              <a:t>01/10/2020</a:t>
+              <a:t>12/05/2023</a:t>
             </a:fld>
             <a:endParaRPr lang="es-ES"/>
           </a:p>
@@ -1832,7 +2216,7 @@
           <a:p>
             <a:fld id="{FD24D06E-A107-49F4-A213-45397444B7A2}" type="datetimeFigureOut">
               <a:rPr lang="es-ES" smtClean="0"/>
-              <a:t>01/10/2020</a:t>
+              <a:t>12/05/2023</a:t>
             </a:fld>
             <a:endParaRPr lang="es-ES"/>
           </a:p>
@@ -1973,7 +2357,7 @@
           <a:p>
             <a:fld id="{FD24D06E-A107-49F4-A213-45397444B7A2}" type="datetimeFigureOut">
               <a:rPr lang="es-ES" smtClean="0"/>
-              <a:t>01/10/2020</a:t>
+              <a:t>12/05/2023</a:t>
             </a:fld>
             <a:endParaRPr lang="es-ES"/>
           </a:p>
@@ -2086,7 +2470,7 @@
           <a:p>
             <a:fld id="{FD24D06E-A107-49F4-A213-45397444B7A2}" type="datetimeFigureOut">
               <a:rPr lang="es-ES" smtClean="0"/>
-              <a:t>01/10/2020</a:t>
+              <a:t>12/05/2023</a:t>
             </a:fld>
             <a:endParaRPr lang="es-ES"/>
           </a:p>
@@ -2397,7 +2781,7 @@
           <a:p>
             <a:fld id="{FD24D06E-A107-49F4-A213-45397444B7A2}" type="datetimeFigureOut">
               <a:rPr lang="es-ES" smtClean="0"/>
-              <a:t>01/10/2020</a:t>
+              <a:t>12/05/2023</a:t>
             </a:fld>
             <a:endParaRPr lang="es-ES"/>
           </a:p>
@@ -2685,7 +3069,7 @@
           <a:p>
             <a:fld id="{FD24D06E-A107-49F4-A213-45397444B7A2}" type="datetimeFigureOut">
               <a:rPr lang="es-ES" smtClean="0"/>
-              <a:t>01/10/2020</a:t>
+              <a:t>12/05/2023</a:t>
             </a:fld>
             <a:endParaRPr lang="es-ES"/>
           </a:p>
@@ -2926,7 +3310,7 @@
           <a:p>
             <a:fld id="{FD24D06E-A107-49F4-A213-45397444B7A2}" type="datetimeFigureOut">
               <a:rPr lang="es-ES" smtClean="0"/>
-              <a:t>01/10/2020</a:t>
+              <a:t>12/05/2023</a:t>
             </a:fld>
             <a:endParaRPr lang="es-ES"/>
           </a:p>
@@ -4048,6 +4432,57 @@
           </a:p>
         </p:txBody>
       </p:sp>
+      <mc:AlternateContent xmlns:mc="http://schemas.openxmlformats.org/markup-compatibility/2006">
+        <mc:Choice xmlns:p14="http://schemas.microsoft.com/office/powerpoint/2010/main" Requires="p14">
+          <p:contentPart p14:bwMode="auto" r:id="rId5">
+            <p14:nvContentPartPr>
+              <p14:cNvPr id="4" name="Entrada de lápiz 3">
+                <a:extLst>
+                  <a:ext uri="{FF2B5EF4-FFF2-40B4-BE49-F238E27FC236}">
+                    <a16:creationId xmlns:a16="http://schemas.microsoft.com/office/drawing/2014/main" id="{49BC9961-682F-9BC5-7C7D-A480A67B0FE2}"/>
+                  </a:ext>
+                </a:extLst>
+              </p14:cNvPr>
+              <p14:cNvContentPartPr/>
+              <p14:nvPr/>
+            </p14:nvContentPartPr>
+            <p14:xfrm>
+              <a:off x="603000" y="160560"/>
+              <a:ext cx="11254680" cy="6390000"/>
+            </p14:xfrm>
+          </p:contentPart>
+        </mc:Choice>
+        <mc:Fallback>
+          <p:pic>
+            <p:nvPicPr>
+              <p:cNvPr id="4" name="Entrada de lápiz 3">
+                <a:extLst>
+                  <a:ext uri="{FF2B5EF4-FFF2-40B4-BE49-F238E27FC236}">
+                    <a16:creationId xmlns:a16="http://schemas.microsoft.com/office/drawing/2014/main" id="{49BC9961-682F-9BC5-7C7D-A480A67B0FE2}"/>
+                  </a:ext>
+                </a:extLst>
+              </p:cNvPr>
+              <p:cNvPicPr/>
+              <p:nvPr/>
+            </p:nvPicPr>
+            <p:blipFill>
+              <a:blip r:embed="rId6"/>
+              <a:stretch>
+                <a:fillRect/>
+              </a:stretch>
+            </p:blipFill>
+            <p:spPr>
+              <a:xfrm>
+                <a:off x="593640" y="151200"/>
+                <a:ext cx="11273400" cy="6408720"/>
+              </a:xfrm>
+              <a:prstGeom prst="rect">
+                <a:avLst/>
+              </a:prstGeom>
+            </p:spPr>
+          </p:pic>
+        </mc:Fallback>
+      </mc:AlternateContent>
     </p:spTree>
     <p:extLst>
       <p:ext uri="{BB962C8B-B14F-4D97-AF65-F5344CB8AC3E}">
@@ -6231,6 +6666,57 @@
           </a:prstGeom>
         </p:spPr>
       </p:pic>
+      <mc:AlternateContent xmlns:mc="http://schemas.openxmlformats.org/markup-compatibility/2006">
+        <mc:Choice xmlns:p14="http://schemas.microsoft.com/office/powerpoint/2010/main" Requires="p14">
+          <p:contentPart p14:bwMode="auto" r:id="rId5">
+            <p14:nvContentPartPr>
+              <p14:cNvPr id="4" name="Entrada de lápiz 3">
+                <a:extLst>
+                  <a:ext uri="{FF2B5EF4-FFF2-40B4-BE49-F238E27FC236}">
+                    <a16:creationId xmlns:a16="http://schemas.microsoft.com/office/drawing/2014/main" id="{47020259-5187-89A6-6552-88EB6BC462A3}"/>
+                  </a:ext>
+                </a:extLst>
+              </p14:cNvPr>
+              <p14:cNvContentPartPr/>
+              <p14:nvPr/>
+            </p14:nvContentPartPr>
+            <p14:xfrm>
+              <a:off x="2143080" y="214560"/>
+              <a:ext cx="9088200" cy="3990960"/>
+            </p14:xfrm>
+          </p:contentPart>
+        </mc:Choice>
+        <mc:Fallback>
+          <p:pic>
+            <p:nvPicPr>
+              <p:cNvPr id="4" name="Entrada de lápiz 3">
+                <a:extLst>
+                  <a:ext uri="{FF2B5EF4-FFF2-40B4-BE49-F238E27FC236}">
+                    <a16:creationId xmlns:a16="http://schemas.microsoft.com/office/drawing/2014/main" id="{47020259-5187-89A6-6552-88EB6BC462A3}"/>
+                  </a:ext>
+                </a:extLst>
+              </p:cNvPr>
+              <p:cNvPicPr/>
+              <p:nvPr/>
+            </p:nvPicPr>
+            <p:blipFill>
+              <a:blip r:embed="rId6"/>
+              <a:stretch>
+                <a:fillRect/>
+              </a:stretch>
+            </p:blipFill>
+            <p:spPr>
+              <a:xfrm>
+                <a:off x="2133720" y="205200"/>
+                <a:ext cx="9106920" cy="4009680"/>
+              </a:xfrm>
+              <a:prstGeom prst="rect">
+                <a:avLst/>
+              </a:prstGeom>
+            </p:spPr>
+          </p:pic>
+        </mc:Fallback>
+      </mc:AlternateContent>
     </p:spTree>
     <p:extLst>
       <p:ext uri="{BB962C8B-B14F-4D97-AF65-F5344CB8AC3E}">
@@ -6605,6 +7091,57 @@
           </a:p>
         </p:txBody>
       </p:sp>
+      <mc:AlternateContent xmlns:mc="http://schemas.openxmlformats.org/markup-compatibility/2006">
+        <mc:Choice xmlns:p14="http://schemas.microsoft.com/office/powerpoint/2010/main" Requires="p14">
+          <p:contentPart p14:bwMode="auto" r:id="rId2">
+            <p14:nvContentPartPr>
+              <p14:cNvPr id="4" name="Entrada de lápiz 3">
+                <a:extLst>
+                  <a:ext uri="{FF2B5EF4-FFF2-40B4-BE49-F238E27FC236}">
+                    <a16:creationId xmlns:a16="http://schemas.microsoft.com/office/drawing/2014/main" id="{5926C1A1-29CE-C9FF-4EB4-5ADEA229F8D9}"/>
+                  </a:ext>
+                </a:extLst>
+              </p14:cNvPr>
+              <p14:cNvContentPartPr/>
+              <p14:nvPr/>
+            </p14:nvContentPartPr>
+            <p14:xfrm>
+              <a:off x="8625600" y="2909160"/>
+              <a:ext cx="3532320" cy="1693080"/>
+            </p14:xfrm>
+          </p:contentPart>
+        </mc:Choice>
+        <mc:Fallback>
+          <p:pic>
+            <p:nvPicPr>
+              <p:cNvPr id="4" name="Entrada de lápiz 3">
+                <a:extLst>
+                  <a:ext uri="{FF2B5EF4-FFF2-40B4-BE49-F238E27FC236}">
+                    <a16:creationId xmlns:a16="http://schemas.microsoft.com/office/drawing/2014/main" id="{5926C1A1-29CE-C9FF-4EB4-5ADEA229F8D9}"/>
+                  </a:ext>
+                </a:extLst>
+              </p:cNvPr>
+              <p:cNvPicPr/>
+              <p:nvPr/>
+            </p:nvPicPr>
+            <p:blipFill>
+              <a:blip r:embed="rId3"/>
+              <a:stretch>
+                <a:fillRect/>
+              </a:stretch>
+            </p:blipFill>
+            <p:spPr>
+              <a:xfrm>
+                <a:off x="8616240" y="2899800"/>
+                <a:ext cx="3551040" cy="1711800"/>
+              </a:xfrm>
+              <a:prstGeom prst="rect">
+                <a:avLst/>
+              </a:prstGeom>
+            </p:spPr>
+          </p:pic>
+        </mc:Fallback>
+      </mc:AlternateContent>
     </p:spTree>
     <p:extLst>
       <p:ext uri="{BB962C8B-B14F-4D97-AF65-F5344CB8AC3E}">
